--- a/Poster Session 121312.pptx
+++ b/Poster Session 121312.pptx
@@ -10,14 +10,14 @@
   <p:sldIdLst>
     <p:sldId id="256" r:id="rId2"/>
   </p:sldIdLst>
-  <p:sldSz cx="27432000" cy="18288000"/>
+  <p:sldSz cx="36576000" cy="27432000"/>
   <p:notesSz cx="6858000" cy="9144000"/>
   <p:defaultTextStyle>
     <a:defPPr>
       <a:defRPr lang="en-US"/>
     </a:defPPr>
-    <a:lvl1pPr marL="0" algn="l" defTabSz="1865871" rtl="0" eaLnBrk="1" latinLnBrk="0" hangingPunct="1">
-      <a:defRPr sz="3700" kern="1200">
+    <a:lvl1pPr marL="0" algn="l" defTabSz="2612219" rtl="0" eaLnBrk="1" latinLnBrk="0" hangingPunct="1">
+      <a:defRPr sz="5200" kern="1200">
         <a:solidFill>
           <a:schemeClr val="tx1"/>
         </a:solidFill>
@@ -26,8 +26,8 @@
         <a:cs typeface="+mn-cs"/>
       </a:defRPr>
     </a:lvl1pPr>
-    <a:lvl2pPr marL="932935" algn="l" defTabSz="1865871" rtl="0" eaLnBrk="1" latinLnBrk="0" hangingPunct="1">
-      <a:defRPr sz="3700" kern="1200">
+    <a:lvl2pPr marL="1306109" algn="l" defTabSz="2612219" rtl="0" eaLnBrk="1" latinLnBrk="0" hangingPunct="1">
+      <a:defRPr sz="5200" kern="1200">
         <a:solidFill>
           <a:schemeClr val="tx1"/>
         </a:solidFill>
@@ -36,8 +36,8 @@
         <a:cs typeface="+mn-cs"/>
       </a:defRPr>
     </a:lvl2pPr>
-    <a:lvl3pPr marL="1865871" algn="l" defTabSz="1865871" rtl="0" eaLnBrk="1" latinLnBrk="0" hangingPunct="1">
-      <a:defRPr sz="3700" kern="1200">
+    <a:lvl3pPr marL="2612219" algn="l" defTabSz="2612219" rtl="0" eaLnBrk="1" latinLnBrk="0" hangingPunct="1">
+      <a:defRPr sz="5200" kern="1200">
         <a:solidFill>
           <a:schemeClr val="tx1"/>
         </a:solidFill>
@@ -46,8 +46,8 @@
         <a:cs typeface="+mn-cs"/>
       </a:defRPr>
     </a:lvl3pPr>
-    <a:lvl4pPr marL="2798806" algn="l" defTabSz="1865871" rtl="0" eaLnBrk="1" latinLnBrk="0" hangingPunct="1">
-      <a:defRPr sz="3700" kern="1200">
+    <a:lvl4pPr marL="3918328" algn="l" defTabSz="2612219" rtl="0" eaLnBrk="1" latinLnBrk="0" hangingPunct="1">
+      <a:defRPr sz="5200" kern="1200">
         <a:solidFill>
           <a:schemeClr val="tx1"/>
         </a:solidFill>
@@ -56,8 +56,8 @@
         <a:cs typeface="+mn-cs"/>
       </a:defRPr>
     </a:lvl4pPr>
-    <a:lvl5pPr marL="3731742" algn="l" defTabSz="1865871" rtl="0" eaLnBrk="1" latinLnBrk="0" hangingPunct="1">
-      <a:defRPr sz="3700" kern="1200">
+    <a:lvl5pPr marL="5224439" algn="l" defTabSz="2612219" rtl="0" eaLnBrk="1" latinLnBrk="0" hangingPunct="1">
+      <a:defRPr sz="5200" kern="1200">
         <a:solidFill>
           <a:schemeClr val="tx1"/>
         </a:solidFill>
@@ -66,8 +66,8 @@
         <a:cs typeface="+mn-cs"/>
       </a:defRPr>
     </a:lvl5pPr>
-    <a:lvl6pPr marL="4664677" algn="l" defTabSz="1865871" rtl="0" eaLnBrk="1" latinLnBrk="0" hangingPunct="1">
-      <a:defRPr sz="3700" kern="1200">
+    <a:lvl6pPr marL="6530548" algn="l" defTabSz="2612219" rtl="0" eaLnBrk="1" latinLnBrk="0" hangingPunct="1">
+      <a:defRPr sz="5200" kern="1200">
         <a:solidFill>
           <a:schemeClr val="tx1"/>
         </a:solidFill>
@@ -76,8 +76,8 @@
         <a:cs typeface="+mn-cs"/>
       </a:defRPr>
     </a:lvl6pPr>
-    <a:lvl7pPr marL="5597613" algn="l" defTabSz="1865871" rtl="0" eaLnBrk="1" latinLnBrk="0" hangingPunct="1">
-      <a:defRPr sz="3700" kern="1200">
+    <a:lvl7pPr marL="7836658" algn="l" defTabSz="2612219" rtl="0" eaLnBrk="1" latinLnBrk="0" hangingPunct="1">
+      <a:defRPr sz="5200" kern="1200">
         <a:solidFill>
           <a:schemeClr val="tx1"/>
         </a:solidFill>
@@ -86,8 +86,8 @@
         <a:cs typeface="+mn-cs"/>
       </a:defRPr>
     </a:lvl7pPr>
-    <a:lvl8pPr marL="6530548" algn="l" defTabSz="1865871" rtl="0" eaLnBrk="1" latinLnBrk="0" hangingPunct="1">
-      <a:defRPr sz="3700" kern="1200">
+    <a:lvl8pPr marL="9142767" algn="l" defTabSz="2612219" rtl="0" eaLnBrk="1" latinLnBrk="0" hangingPunct="1">
+      <a:defRPr sz="5200" kern="1200">
         <a:solidFill>
           <a:schemeClr val="tx1"/>
         </a:solidFill>
@@ -96,8 +96,8 @@
         <a:cs typeface="+mn-cs"/>
       </a:defRPr>
     </a:lvl8pPr>
-    <a:lvl9pPr marL="7463483" algn="l" defTabSz="1865871" rtl="0" eaLnBrk="1" latinLnBrk="0" hangingPunct="1">
-      <a:defRPr sz="3700" kern="1200">
+    <a:lvl9pPr marL="10448876" algn="l" defTabSz="2612219" rtl="0" eaLnBrk="1" latinLnBrk="0" hangingPunct="1">
+      <a:defRPr sz="5200" kern="1200">
         <a:solidFill>
           <a:schemeClr val="tx1"/>
         </a:solidFill>
@@ -210,8 +210,8 @@
         </p:nvSpPr>
         <p:spPr>
           <a:xfrm>
-            <a:off x="857250" y="685800"/>
-            <a:ext cx="5143500" cy="3429000"/>
+            <a:off x="1143000" y="685800"/>
+            <a:ext cx="4572000" cy="3429000"/>
           </a:xfrm>
           <a:prstGeom prst="rect">
             <a:avLst/>
@@ -366,8 +366,8 @@
   </p:cSld>
   <p:clrMap bg1="lt1" tx1="dk1" bg2="lt2" tx2="dk2" accent1="accent1" accent2="accent2" accent3="accent3" accent4="accent4" accent5="accent5" accent6="accent6" hlink="hlink" folHlink="folHlink"/>
   <p:notesStyle>
-    <a:lvl1pPr marL="0" algn="l" defTabSz="914400" rtl="0" eaLnBrk="1" latinLnBrk="0" hangingPunct="1">
-      <a:defRPr sz="1200" kern="1200">
+    <a:lvl1pPr marL="0" algn="l" defTabSz="1280160" rtl="0" eaLnBrk="1" latinLnBrk="0" hangingPunct="1">
+      <a:defRPr sz="1700" kern="1200">
         <a:solidFill>
           <a:schemeClr val="tx1"/>
         </a:solidFill>
@@ -376,8 +376,8 @@
         <a:cs typeface="+mn-cs"/>
       </a:defRPr>
     </a:lvl1pPr>
-    <a:lvl2pPr marL="457200" algn="l" defTabSz="914400" rtl="0" eaLnBrk="1" latinLnBrk="0" hangingPunct="1">
-      <a:defRPr sz="1200" kern="1200">
+    <a:lvl2pPr marL="640080" algn="l" defTabSz="1280160" rtl="0" eaLnBrk="1" latinLnBrk="0" hangingPunct="1">
+      <a:defRPr sz="1700" kern="1200">
         <a:solidFill>
           <a:schemeClr val="tx1"/>
         </a:solidFill>
@@ -386,8 +386,8 @@
         <a:cs typeface="+mn-cs"/>
       </a:defRPr>
     </a:lvl2pPr>
-    <a:lvl3pPr marL="914400" algn="l" defTabSz="914400" rtl="0" eaLnBrk="1" latinLnBrk="0" hangingPunct="1">
-      <a:defRPr sz="1200" kern="1200">
+    <a:lvl3pPr marL="1280160" algn="l" defTabSz="1280160" rtl="0" eaLnBrk="1" latinLnBrk="0" hangingPunct="1">
+      <a:defRPr sz="1700" kern="1200">
         <a:solidFill>
           <a:schemeClr val="tx1"/>
         </a:solidFill>
@@ -396,8 +396,8 @@
         <a:cs typeface="+mn-cs"/>
       </a:defRPr>
     </a:lvl3pPr>
-    <a:lvl4pPr marL="1371600" algn="l" defTabSz="914400" rtl="0" eaLnBrk="1" latinLnBrk="0" hangingPunct="1">
-      <a:defRPr sz="1200" kern="1200">
+    <a:lvl4pPr marL="1920240" algn="l" defTabSz="1280160" rtl="0" eaLnBrk="1" latinLnBrk="0" hangingPunct="1">
+      <a:defRPr sz="1700" kern="1200">
         <a:solidFill>
           <a:schemeClr val="tx1"/>
         </a:solidFill>
@@ -406,8 +406,8 @@
         <a:cs typeface="+mn-cs"/>
       </a:defRPr>
     </a:lvl4pPr>
-    <a:lvl5pPr marL="1828800" algn="l" defTabSz="914400" rtl="0" eaLnBrk="1" latinLnBrk="0" hangingPunct="1">
-      <a:defRPr sz="1200" kern="1200">
+    <a:lvl5pPr marL="2560320" algn="l" defTabSz="1280160" rtl="0" eaLnBrk="1" latinLnBrk="0" hangingPunct="1">
+      <a:defRPr sz="1700" kern="1200">
         <a:solidFill>
           <a:schemeClr val="tx1"/>
         </a:solidFill>
@@ -416,8 +416,8 @@
         <a:cs typeface="+mn-cs"/>
       </a:defRPr>
     </a:lvl5pPr>
-    <a:lvl6pPr marL="2286000" algn="l" defTabSz="914400" rtl="0" eaLnBrk="1" latinLnBrk="0" hangingPunct="1">
-      <a:defRPr sz="1200" kern="1200">
+    <a:lvl6pPr marL="3200400" algn="l" defTabSz="1280160" rtl="0" eaLnBrk="1" latinLnBrk="0" hangingPunct="1">
+      <a:defRPr sz="1700" kern="1200">
         <a:solidFill>
           <a:schemeClr val="tx1"/>
         </a:solidFill>
@@ -426,8 +426,8 @@
         <a:cs typeface="+mn-cs"/>
       </a:defRPr>
     </a:lvl6pPr>
-    <a:lvl7pPr marL="2743200" algn="l" defTabSz="914400" rtl="0" eaLnBrk="1" latinLnBrk="0" hangingPunct="1">
-      <a:defRPr sz="1200" kern="1200">
+    <a:lvl7pPr marL="3840480" algn="l" defTabSz="1280160" rtl="0" eaLnBrk="1" latinLnBrk="0" hangingPunct="1">
+      <a:defRPr sz="1700" kern="1200">
         <a:solidFill>
           <a:schemeClr val="tx1"/>
         </a:solidFill>
@@ -436,8 +436,8 @@
         <a:cs typeface="+mn-cs"/>
       </a:defRPr>
     </a:lvl7pPr>
-    <a:lvl8pPr marL="3200400" algn="l" defTabSz="914400" rtl="0" eaLnBrk="1" latinLnBrk="0" hangingPunct="1">
-      <a:defRPr sz="1200" kern="1200">
+    <a:lvl8pPr marL="4480560" algn="l" defTabSz="1280160" rtl="0" eaLnBrk="1" latinLnBrk="0" hangingPunct="1">
+      <a:defRPr sz="1700" kern="1200">
         <a:solidFill>
           <a:schemeClr val="tx1"/>
         </a:solidFill>
@@ -446,8 +446,8 @@
         <a:cs typeface="+mn-cs"/>
       </a:defRPr>
     </a:lvl8pPr>
-    <a:lvl9pPr marL="3657600" algn="l" defTabSz="914400" rtl="0" eaLnBrk="1" latinLnBrk="0" hangingPunct="1">
-      <a:defRPr sz="1200" kern="1200">
+    <a:lvl9pPr marL="5120640" algn="l" defTabSz="1280160" rtl="0" eaLnBrk="1" latinLnBrk="0" hangingPunct="1">
+      <a:defRPr sz="1700" kern="1200">
         <a:solidFill>
           <a:schemeClr val="tx1"/>
         </a:solidFill>
@@ -487,7 +487,12 @@
             <p:ph type="sldImg"/>
           </p:nvPr>
         </p:nvSpPr>
-        <p:spPr/>
+        <p:spPr>
+          <a:xfrm>
+            <a:off x="1143000" y="685800"/>
+            <a:ext cx="4572000" cy="3429000"/>
+          </a:xfrm>
+        </p:spPr>
       </p:sp>
       <p:sp>
         <p:nvSpPr>
@@ -573,8 +578,8 @@
         </p:nvSpPr>
         <p:spPr>
           <a:xfrm>
-            <a:off x="2057400" y="5681135"/>
-            <a:ext cx="23317200" cy="3920067"/>
+            <a:off x="2743200" y="8521703"/>
+            <a:ext cx="31089600" cy="5880101"/>
           </a:xfrm>
         </p:spPr>
         <p:txBody>
@@ -601,8 +606,8 @@
         </p:nvSpPr>
         <p:spPr>
           <a:xfrm>
-            <a:off x="4114800" y="10363200"/>
-            <a:ext cx="19202400" cy="4673600"/>
+            <a:off x="5486400" y="15544800"/>
+            <a:ext cx="25603200" cy="7010400"/>
           </a:xfrm>
         </p:spPr>
         <p:txBody>
@@ -618,7 +623,7 @@
                 </a:solidFill>
               </a:defRPr>
             </a:lvl1pPr>
-            <a:lvl2pPr marL="932935" indent="0" algn="ctr">
+            <a:lvl2pPr marL="1306109" indent="0" algn="ctr">
               <a:buNone/>
               <a:defRPr>
                 <a:solidFill>
@@ -628,7 +633,7 @@
                 </a:solidFill>
               </a:defRPr>
             </a:lvl2pPr>
-            <a:lvl3pPr marL="1865871" indent="0" algn="ctr">
+            <a:lvl3pPr marL="2612219" indent="0" algn="ctr">
               <a:buNone/>
               <a:defRPr>
                 <a:solidFill>
@@ -638,7 +643,7 @@
                 </a:solidFill>
               </a:defRPr>
             </a:lvl3pPr>
-            <a:lvl4pPr marL="2798806" indent="0" algn="ctr">
+            <a:lvl4pPr marL="3918328" indent="0" algn="ctr">
               <a:buNone/>
               <a:defRPr>
                 <a:solidFill>
@@ -648,7 +653,7 @@
                 </a:solidFill>
               </a:defRPr>
             </a:lvl4pPr>
-            <a:lvl5pPr marL="3731742" indent="0" algn="ctr">
+            <a:lvl5pPr marL="5224439" indent="0" algn="ctr">
               <a:buNone/>
               <a:defRPr>
                 <a:solidFill>
@@ -658,7 +663,7 @@
                 </a:solidFill>
               </a:defRPr>
             </a:lvl5pPr>
-            <a:lvl6pPr marL="4664677" indent="0" algn="ctr">
+            <a:lvl6pPr marL="6530548" indent="0" algn="ctr">
               <a:buNone/>
               <a:defRPr>
                 <a:solidFill>
@@ -668,7 +673,7 @@
                 </a:solidFill>
               </a:defRPr>
             </a:lvl6pPr>
-            <a:lvl7pPr marL="5597613" indent="0" algn="ctr">
+            <a:lvl7pPr marL="7836658" indent="0" algn="ctr">
               <a:buNone/>
               <a:defRPr>
                 <a:solidFill>
@@ -678,7 +683,7 @@
                 </a:solidFill>
               </a:defRPr>
             </a:lvl7pPr>
-            <a:lvl8pPr marL="6530548" indent="0" algn="ctr">
+            <a:lvl8pPr marL="9142767" indent="0" algn="ctr">
               <a:buNone/>
               <a:defRPr>
                 <a:solidFill>
@@ -688,7 +693,7 @@
                 </a:solidFill>
               </a:defRPr>
             </a:lvl8pPr>
-            <a:lvl9pPr marL="7463483" indent="0" algn="ctr">
+            <a:lvl9pPr marL="10448876" indent="0" algn="ctr">
               <a:buNone/>
               <a:defRPr>
                 <a:solidFill>
@@ -985,8 +990,8 @@
         </p:nvSpPr>
         <p:spPr>
           <a:xfrm>
-            <a:off x="47734540" y="3513667"/>
-            <a:ext cx="14811375" cy="74900368"/>
+            <a:off x="63646054" y="5270501"/>
+            <a:ext cx="19748500" cy="112350552"/>
           </a:xfrm>
         </p:spPr>
         <p:txBody>
@@ -1013,8 +1018,8 @@
         </p:nvSpPr>
         <p:spPr>
           <a:xfrm>
-            <a:off x="3290889" y="3513667"/>
-            <a:ext cx="43986450" cy="74900368"/>
+            <a:off x="4387852" y="5270501"/>
+            <a:ext cx="58648600" cy="112350552"/>
           </a:xfrm>
         </p:spPr>
         <p:txBody>
@@ -1335,15 +1340,15 @@
         </p:nvSpPr>
         <p:spPr>
           <a:xfrm>
-            <a:off x="2166939" y="11751734"/>
-            <a:ext cx="23317200" cy="3632200"/>
+            <a:off x="2889252" y="17627601"/>
+            <a:ext cx="31089600" cy="5448300"/>
           </a:xfrm>
         </p:spPr>
         <p:txBody>
           <a:bodyPr anchor="t"/>
           <a:lstStyle>
             <a:lvl1pPr algn="l">
-              <a:defRPr sz="8100" b="1" cap="all"/>
+              <a:defRPr sz="11300" b="1" cap="all"/>
             </a:lvl1pPr>
           </a:lstStyle>
           <a:p>
@@ -1367,8 +1372,8 @@
         </p:nvSpPr>
         <p:spPr>
           <a:xfrm>
-            <a:off x="2166939" y="7751236"/>
-            <a:ext cx="23317200" cy="4000499"/>
+            <a:off x="2889252" y="11626855"/>
+            <a:ext cx="31089600" cy="6000749"/>
           </a:xfrm>
         </p:spPr>
         <p:txBody>
@@ -1376,7 +1381,7 @@
           <a:lstStyle>
             <a:lvl1pPr marL="0" indent="0">
               <a:buNone/>
-              <a:defRPr sz="4100">
+              <a:defRPr sz="5700">
                 <a:solidFill>
                   <a:schemeClr val="tx1">
                     <a:tint val="75000"/>
@@ -1384,9 +1389,9 @@
                 </a:solidFill>
               </a:defRPr>
             </a:lvl1pPr>
-            <a:lvl2pPr marL="932935" indent="0">
-              <a:buNone/>
-              <a:defRPr sz="3700">
+            <a:lvl2pPr marL="1306109" indent="0">
+              <a:buNone/>
+              <a:defRPr sz="5200">
                 <a:solidFill>
                   <a:schemeClr val="tx1">
                     <a:tint val="75000"/>
@@ -1394,9 +1399,9 @@
                 </a:solidFill>
               </a:defRPr>
             </a:lvl2pPr>
-            <a:lvl3pPr marL="1865871" indent="0">
-              <a:buNone/>
-              <a:defRPr sz="3300">
+            <a:lvl3pPr marL="2612219" indent="0">
+              <a:buNone/>
+              <a:defRPr sz="4600">
                 <a:solidFill>
                   <a:schemeClr val="tx1">
                     <a:tint val="75000"/>
@@ -1404,9 +1409,9 @@
                 </a:solidFill>
               </a:defRPr>
             </a:lvl3pPr>
-            <a:lvl4pPr marL="2798806" indent="0">
-              <a:buNone/>
-              <a:defRPr sz="2800">
+            <a:lvl4pPr marL="3918328" indent="0">
+              <a:buNone/>
+              <a:defRPr sz="3900">
                 <a:solidFill>
                   <a:schemeClr val="tx1">
                     <a:tint val="75000"/>
@@ -1414,9 +1419,9 @@
                 </a:solidFill>
               </a:defRPr>
             </a:lvl4pPr>
-            <a:lvl5pPr marL="3731742" indent="0">
-              <a:buNone/>
-              <a:defRPr sz="2800">
+            <a:lvl5pPr marL="5224439" indent="0">
+              <a:buNone/>
+              <a:defRPr sz="3900">
                 <a:solidFill>
                   <a:schemeClr val="tx1">
                     <a:tint val="75000"/>
@@ -1424,9 +1429,9 @@
                 </a:solidFill>
               </a:defRPr>
             </a:lvl5pPr>
-            <a:lvl6pPr marL="4664677" indent="0">
-              <a:buNone/>
-              <a:defRPr sz="2800">
+            <a:lvl6pPr marL="6530548" indent="0">
+              <a:buNone/>
+              <a:defRPr sz="3900">
                 <a:solidFill>
                   <a:schemeClr val="tx1">
                     <a:tint val="75000"/>
@@ -1434,9 +1439,9 @@
                 </a:solidFill>
               </a:defRPr>
             </a:lvl6pPr>
-            <a:lvl7pPr marL="5597613" indent="0">
-              <a:buNone/>
-              <a:defRPr sz="2800">
+            <a:lvl7pPr marL="7836658" indent="0">
+              <a:buNone/>
+              <a:defRPr sz="3900">
                 <a:solidFill>
                   <a:schemeClr val="tx1">
                     <a:tint val="75000"/>
@@ -1444,9 +1449,9 @@
                 </a:solidFill>
               </a:defRPr>
             </a:lvl7pPr>
-            <a:lvl8pPr marL="6530548" indent="0">
-              <a:buNone/>
-              <a:defRPr sz="2800">
+            <a:lvl8pPr marL="9142767" indent="0">
+              <a:buNone/>
+              <a:defRPr sz="3900">
                 <a:solidFill>
                   <a:schemeClr val="tx1">
                     <a:tint val="75000"/>
@@ -1454,9 +1459,9 @@
                 </a:solidFill>
               </a:defRPr>
             </a:lvl8pPr>
-            <a:lvl9pPr marL="7463483" indent="0">
-              <a:buNone/>
-              <a:defRPr sz="2800">
+            <a:lvl9pPr marL="10448876" indent="0">
+              <a:buNone/>
+              <a:defRPr sz="3900">
                 <a:solidFill>
                   <a:schemeClr val="tx1">
                     <a:tint val="75000"/>
@@ -1604,39 +1609,39 @@
         </p:nvSpPr>
         <p:spPr>
           <a:xfrm>
-            <a:off x="3290892" y="20480867"/>
-            <a:ext cx="29398911" cy="57933168"/>
+            <a:off x="4387857" y="30721301"/>
+            <a:ext cx="39198548" cy="86899752"/>
           </a:xfrm>
         </p:spPr>
         <p:txBody>
           <a:bodyPr/>
           <a:lstStyle>
             <a:lvl1pPr>
-              <a:defRPr sz="5700"/>
+              <a:defRPr sz="8000"/>
             </a:lvl1pPr>
             <a:lvl2pPr>
-              <a:defRPr sz="4900"/>
+              <a:defRPr sz="6900"/>
             </a:lvl2pPr>
             <a:lvl3pPr>
-              <a:defRPr sz="4100"/>
+              <a:defRPr sz="5700"/>
             </a:lvl3pPr>
             <a:lvl4pPr>
-              <a:defRPr sz="3700"/>
+              <a:defRPr sz="5200"/>
             </a:lvl4pPr>
             <a:lvl5pPr>
-              <a:defRPr sz="3700"/>
+              <a:defRPr sz="5200"/>
             </a:lvl5pPr>
             <a:lvl6pPr>
-              <a:defRPr sz="3700"/>
+              <a:defRPr sz="5200"/>
             </a:lvl6pPr>
             <a:lvl7pPr>
-              <a:defRPr sz="3700"/>
+              <a:defRPr sz="5200"/>
             </a:lvl7pPr>
             <a:lvl8pPr>
-              <a:defRPr sz="3700"/>
+              <a:defRPr sz="5200"/>
             </a:lvl8pPr>
             <a:lvl9pPr>
-              <a:defRPr sz="3700"/>
+              <a:defRPr sz="5200"/>
             </a:lvl9pPr>
           </a:lstStyle>
           <a:p>
@@ -1689,39 +1694,39 @@
         </p:nvSpPr>
         <p:spPr>
           <a:xfrm>
-            <a:off x="33147002" y="20480867"/>
-            <a:ext cx="29398914" cy="57933168"/>
+            <a:off x="44196003" y="30721301"/>
+            <a:ext cx="39198552" cy="86899752"/>
           </a:xfrm>
         </p:spPr>
         <p:txBody>
           <a:bodyPr/>
           <a:lstStyle>
             <a:lvl1pPr>
-              <a:defRPr sz="5700"/>
+              <a:defRPr sz="8000"/>
             </a:lvl1pPr>
             <a:lvl2pPr>
-              <a:defRPr sz="4900"/>
+              <a:defRPr sz="6900"/>
             </a:lvl2pPr>
             <a:lvl3pPr>
-              <a:defRPr sz="4100"/>
+              <a:defRPr sz="5700"/>
             </a:lvl3pPr>
             <a:lvl4pPr>
-              <a:defRPr sz="3700"/>
+              <a:defRPr sz="5200"/>
             </a:lvl4pPr>
             <a:lvl5pPr>
-              <a:defRPr sz="3700"/>
+              <a:defRPr sz="5200"/>
             </a:lvl5pPr>
             <a:lvl6pPr>
-              <a:defRPr sz="3700"/>
+              <a:defRPr sz="5200"/>
             </a:lvl6pPr>
             <a:lvl7pPr>
-              <a:defRPr sz="3700"/>
+              <a:defRPr sz="5200"/>
             </a:lvl7pPr>
             <a:lvl8pPr>
-              <a:defRPr sz="3700"/>
+              <a:defRPr sz="5200"/>
             </a:lvl8pPr>
             <a:lvl9pPr>
-              <a:defRPr sz="3700"/>
+              <a:defRPr sz="5200"/>
             </a:lvl9pPr>
           </a:lstStyle>
           <a:p>
@@ -1869,8 +1874,8 @@
         </p:nvSpPr>
         <p:spPr>
           <a:xfrm>
-            <a:off x="1371600" y="732368"/>
-            <a:ext cx="24688800" cy="3048000"/>
+            <a:off x="1828800" y="1098552"/>
+            <a:ext cx="32918400" cy="4572000"/>
           </a:xfrm>
         </p:spPr>
         <p:txBody>
@@ -1901,8 +1906,8 @@
         </p:nvSpPr>
         <p:spPr>
           <a:xfrm>
-            <a:off x="1371602" y="4093634"/>
-            <a:ext cx="12120564" cy="1706033"/>
+            <a:off x="1828803" y="6140452"/>
+            <a:ext cx="16160752" cy="2559050"/>
           </a:xfrm>
         </p:spPr>
         <p:txBody>
@@ -1910,39 +1915,39 @@
           <a:lstStyle>
             <a:lvl1pPr marL="0" indent="0">
               <a:buNone/>
-              <a:defRPr sz="4900" b="1"/>
+              <a:defRPr sz="6900" b="1"/>
             </a:lvl1pPr>
-            <a:lvl2pPr marL="932935" indent="0">
-              <a:buNone/>
-              <a:defRPr sz="4100" b="1"/>
+            <a:lvl2pPr marL="1306109" indent="0">
+              <a:buNone/>
+              <a:defRPr sz="5700" b="1"/>
             </a:lvl2pPr>
-            <a:lvl3pPr marL="1865871" indent="0">
-              <a:buNone/>
-              <a:defRPr sz="3700" b="1"/>
+            <a:lvl3pPr marL="2612219" indent="0">
+              <a:buNone/>
+              <a:defRPr sz="5200" b="1"/>
             </a:lvl3pPr>
-            <a:lvl4pPr marL="2798806" indent="0">
-              <a:buNone/>
-              <a:defRPr sz="3300" b="1"/>
+            <a:lvl4pPr marL="3918328" indent="0">
+              <a:buNone/>
+              <a:defRPr sz="4600" b="1"/>
             </a:lvl4pPr>
-            <a:lvl5pPr marL="3731742" indent="0">
-              <a:buNone/>
-              <a:defRPr sz="3300" b="1"/>
+            <a:lvl5pPr marL="5224439" indent="0">
+              <a:buNone/>
+              <a:defRPr sz="4600" b="1"/>
             </a:lvl5pPr>
-            <a:lvl6pPr marL="4664677" indent="0">
-              <a:buNone/>
-              <a:defRPr sz="3300" b="1"/>
+            <a:lvl6pPr marL="6530548" indent="0">
+              <a:buNone/>
+              <a:defRPr sz="4600" b="1"/>
             </a:lvl6pPr>
-            <a:lvl7pPr marL="5597613" indent="0">
-              <a:buNone/>
-              <a:defRPr sz="3300" b="1"/>
+            <a:lvl7pPr marL="7836658" indent="0">
+              <a:buNone/>
+              <a:defRPr sz="4600" b="1"/>
             </a:lvl7pPr>
-            <a:lvl8pPr marL="6530548" indent="0">
-              <a:buNone/>
-              <a:defRPr sz="3300" b="1"/>
+            <a:lvl8pPr marL="9142767" indent="0">
+              <a:buNone/>
+              <a:defRPr sz="4600" b="1"/>
             </a:lvl8pPr>
-            <a:lvl9pPr marL="7463483" indent="0">
-              <a:buNone/>
-              <a:defRPr sz="3300" b="1"/>
+            <a:lvl9pPr marL="10448876" indent="0">
+              <a:buNone/>
+              <a:defRPr sz="4600" b="1"/>
             </a:lvl9pPr>
           </a:lstStyle>
           <a:p>
@@ -1966,39 +1971,39 @@
         </p:nvSpPr>
         <p:spPr>
           <a:xfrm>
-            <a:off x="1371602" y="5799667"/>
-            <a:ext cx="12120564" cy="10536768"/>
+            <a:off x="1828803" y="8699501"/>
+            <a:ext cx="16160752" cy="15805152"/>
           </a:xfrm>
         </p:spPr>
         <p:txBody>
           <a:bodyPr/>
           <a:lstStyle>
             <a:lvl1pPr>
-              <a:defRPr sz="4900"/>
+              <a:defRPr sz="6900"/>
             </a:lvl1pPr>
             <a:lvl2pPr>
-              <a:defRPr sz="4100"/>
+              <a:defRPr sz="5700"/>
             </a:lvl2pPr>
             <a:lvl3pPr>
-              <a:defRPr sz="3700"/>
+              <a:defRPr sz="5200"/>
             </a:lvl3pPr>
             <a:lvl4pPr>
-              <a:defRPr sz="3300"/>
+              <a:defRPr sz="4600"/>
             </a:lvl4pPr>
             <a:lvl5pPr>
-              <a:defRPr sz="3300"/>
+              <a:defRPr sz="4600"/>
             </a:lvl5pPr>
             <a:lvl6pPr>
-              <a:defRPr sz="3300"/>
+              <a:defRPr sz="4600"/>
             </a:lvl6pPr>
             <a:lvl7pPr>
-              <a:defRPr sz="3300"/>
+              <a:defRPr sz="4600"/>
             </a:lvl7pPr>
             <a:lvl8pPr>
-              <a:defRPr sz="3300"/>
+              <a:defRPr sz="4600"/>
             </a:lvl8pPr>
             <a:lvl9pPr>
-              <a:defRPr sz="3300"/>
+              <a:defRPr sz="4600"/>
             </a:lvl9pPr>
           </a:lstStyle>
           <a:p>
@@ -2051,8 +2056,8 @@
         </p:nvSpPr>
         <p:spPr>
           <a:xfrm>
-            <a:off x="13935077" y="4093634"/>
-            <a:ext cx="12125325" cy="1706033"/>
+            <a:off x="18580103" y="6140452"/>
+            <a:ext cx="16167100" cy="2559050"/>
           </a:xfrm>
         </p:spPr>
         <p:txBody>
@@ -2060,39 +2065,39 @@
           <a:lstStyle>
             <a:lvl1pPr marL="0" indent="0">
               <a:buNone/>
-              <a:defRPr sz="4900" b="1"/>
+              <a:defRPr sz="6900" b="1"/>
             </a:lvl1pPr>
-            <a:lvl2pPr marL="932935" indent="0">
-              <a:buNone/>
-              <a:defRPr sz="4100" b="1"/>
+            <a:lvl2pPr marL="1306109" indent="0">
+              <a:buNone/>
+              <a:defRPr sz="5700" b="1"/>
             </a:lvl2pPr>
-            <a:lvl3pPr marL="1865871" indent="0">
-              <a:buNone/>
-              <a:defRPr sz="3700" b="1"/>
+            <a:lvl3pPr marL="2612219" indent="0">
+              <a:buNone/>
+              <a:defRPr sz="5200" b="1"/>
             </a:lvl3pPr>
-            <a:lvl4pPr marL="2798806" indent="0">
-              <a:buNone/>
-              <a:defRPr sz="3300" b="1"/>
+            <a:lvl4pPr marL="3918328" indent="0">
+              <a:buNone/>
+              <a:defRPr sz="4600" b="1"/>
             </a:lvl4pPr>
-            <a:lvl5pPr marL="3731742" indent="0">
-              <a:buNone/>
-              <a:defRPr sz="3300" b="1"/>
+            <a:lvl5pPr marL="5224439" indent="0">
+              <a:buNone/>
+              <a:defRPr sz="4600" b="1"/>
             </a:lvl5pPr>
-            <a:lvl6pPr marL="4664677" indent="0">
-              <a:buNone/>
-              <a:defRPr sz="3300" b="1"/>
+            <a:lvl6pPr marL="6530548" indent="0">
+              <a:buNone/>
+              <a:defRPr sz="4600" b="1"/>
             </a:lvl6pPr>
-            <a:lvl7pPr marL="5597613" indent="0">
-              <a:buNone/>
-              <a:defRPr sz="3300" b="1"/>
+            <a:lvl7pPr marL="7836658" indent="0">
+              <a:buNone/>
+              <a:defRPr sz="4600" b="1"/>
             </a:lvl7pPr>
-            <a:lvl8pPr marL="6530548" indent="0">
-              <a:buNone/>
-              <a:defRPr sz="3300" b="1"/>
+            <a:lvl8pPr marL="9142767" indent="0">
+              <a:buNone/>
+              <a:defRPr sz="4600" b="1"/>
             </a:lvl8pPr>
-            <a:lvl9pPr marL="7463483" indent="0">
-              <a:buNone/>
-              <a:defRPr sz="3300" b="1"/>
+            <a:lvl9pPr marL="10448876" indent="0">
+              <a:buNone/>
+              <a:defRPr sz="4600" b="1"/>
             </a:lvl9pPr>
           </a:lstStyle>
           <a:p>
@@ -2116,39 +2121,39 @@
         </p:nvSpPr>
         <p:spPr>
           <a:xfrm>
-            <a:off x="13935077" y="5799667"/>
-            <a:ext cx="12125325" cy="10536768"/>
+            <a:off x="18580103" y="8699501"/>
+            <a:ext cx="16167100" cy="15805152"/>
           </a:xfrm>
         </p:spPr>
         <p:txBody>
           <a:bodyPr/>
           <a:lstStyle>
             <a:lvl1pPr>
-              <a:defRPr sz="4900"/>
+              <a:defRPr sz="6900"/>
             </a:lvl1pPr>
             <a:lvl2pPr>
-              <a:defRPr sz="4100"/>
+              <a:defRPr sz="5700"/>
             </a:lvl2pPr>
             <a:lvl3pPr>
-              <a:defRPr sz="3700"/>
+              <a:defRPr sz="5200"/>
             </a:lvl3pPr>
             <a:lvl4pPr>
-              <a:defRPr sz="3300"/>
+              <a:defRPr sz="4600"/>
             </a:lvl4pPr>
             <a:lvl5pPr>
-              <a:defRPr sz="3300"/>
+              <a:defRPr sz="4600"/>
             </a:lvl5pPr>
             <a:lvl6pPr>
-              <a:defRPr sz="3300"/>
+              <a:defRPr sz="4600"/>
             </a:lvl6pPr>
             <a:lvl7pPr>
-              <a:defRPr sz="3300"/>
+              <a:defRPr sz="4600"/>
             </a:lvl7pPr>
             <a:lvl8pPr>
-              <a:defRPr sz="3300"/>
+              <a:defRPr sz="4600"/>
             </a:lvl8pPr>
             <a:lvl9pPr>
-              <a:defRPr sz="3300"/>
+              <a:defRPr sz="4600"/>
             </a:lvl9pPr>
           </a:lstStyle>
           <a:p>
@@ -2509,15 +2514,15 @@
         </p:nvSpPr>
         <p:spPr>
           <a:xfrm>
-            <a:off x="1371602" y="728133"/>
-            <a:ext cx="9024939" cy="3098800"/>
+            <a:off x="1828803" y="1092200"/>
+            <a:ext cx="12033252" cy="4648200"/>
           </a:xfrm>
         </p:spPr>
         <p:txBody>
           <a:bodyPr anchor="b"/>
           <a:lstStyle>
             <a:lvl1pPr algn="l">
-              <a:defRPr sz="4100" b="1"/>
+              <a:defRPr sz="5700" b="1"/>
             </a:lvl1pPr>
           </a:lstStyle>
           <a:p>
@@ -2541,39 +2546,39 @@
         </p:nvSpPr>
         <p:spPr>
           <a:xfrm>
-            <a:off x="10725150" y="728135"/>
-            <a:ext cx="15335250" cy="15608301"/>
+            <a:off x="14300200" y="1092203"/>
+            <a:ext cx="20447000" cy="23412452"/>
           </a:xfrm>
         </p:spPr>
         <p:txBody>
           <a:bodyPr/>
           <a:lstStyle>
             <a:lvl1pPr>
-              <a:defRPr sz="6500"/>
+              <a:defRPr sz="9100"/>
             </a:lvl1pPr>
             <a:lvl2pPr>
-              <a:defRPr sz="5700"/>
+              <a:defRPr sz="8000"/>
             </a:lvl2pPr>
             <a:lvl3pPr>
-              <a:defRPr sz="4900"/>
+              <a:defRPr sz="6900"/>
             </a:lvl3pPr>
             <a:lvl4pPr>
-              <a:defRPr sz="4100"/>
+              <a:defRPr sz="5700"/>
             </a:lvl4pPr>
             <a:lvl5pPr>
-              <a:defRPr sz="4100"/>
+              <a:defRPr sz="5700"/>
             </a:lvl5pPr>
             <a:lvl6pPr>
-              <a:defRPr sz="4100"/>
+              <a:defRPr sz="5700"/>
             </a:lvl6pPr>
             <a:lvl7pPr>
-              <a:defRPr sz="4100"/>
+              <a:defRPr sz="5700"/>
             </a:lvl7pPr>
             <a:lvl8pPr>
-              <a:defRPr sz="4100"/>
+              <a:defRPr sz="5700"/>
             </a:lvl8pPr>
             <a:lvl9pPr>
-              <a:defRPr sz="4100"/>
+              <a:defRPr sz="5700"/>
             </a:lvl9pPr>
           </a:lstStyle>
           <a:p>
@@ -2626,8 +2631,8 @@
         </p:nvSpPr>
         <p:spPr>
           <a:xfrm>
-            <a:off x="1371602" y="3826935"/>
-            <a:ext cx="9024939" cy="12509501"/>
+            <a:off x="1828803" y="5740403"/>
+            <a:ext cx="12033252" cy="18764252"/>
           </a:xfrm>
         </p:spPr>
         <p:txBody>
@@ -2635,39 +2640,39 @@
           <a:lstStyle>
             <a:lvl1pPr marL="0" indent="0">
               <a:buNone/>
+              <a:defRPr sz="3900"/>
+            </a:lvl1pPr>
+            <a:lvl2pPr marL="1306109" indent="0">
+              <a:buNone/>
+              <a:defRPr sz="3400"/>
+            </a:lvl2pPr>
+            <a:lvl3pPr marL="2612219" indent="0">
+              <a:buNone/>
               <a:defRPr sz="2800"/>
-            </a:lvl1pPr>
-            <a:lvl2pPr marL="932935" indent="0">
-              <a:buNone/>
-              <a:defRPr sz="2400"/>
-            </a:lvl2pPr>
-            <a:lvl3pPr marL="1865871" indent="0">
-              <a:buNone/>
-              <a:defRPr sz="2000"/>
             </a:lvl3pPr>
-            <a:lvl4pPr marL="2798806" indent="0">
-              <a:buNone/>
-              <a:defRPr sz="1900"/>
+            <a:lvl4pPr marL="3918328" indent="0">
+              <a:buNone/>
+              <a:defRPr sz="2700"/>
             </a:lvl4pPr>
-            <a:lvl5pPr marL="3731742" indent="0">
-              <a:buNone/>
-              <a:defRPr sz="1900"/>
+            <a:lvl5pPr marL="5224439" indent="0">
+              <a:buNone/>
+              <a:defRPr sz="2700"/>
             </a:lvl5pPr>
-            <a:lvl6pPr marL="4664677" indent="0">
-              <a:buNone/>
-              <a:defRPr sz="1900"/>
+            <a:lvl6pPr marL="6530548" indent="0">
+              <a:buNone/>
+              <a:defRPr sz="2700"/>
             </a:lvl6pPr>
-            <a:lvl7pPr marL="5597613" indent="0">
-              <a:buNone/>
-              <a:defRPr sz="1900"/>
+            <a:lvl7pPr marL="7836658" indent="0">
+              <a:buNone/>
+              <a:defRPr sz="2700"/>
             </a:lvl7pPr>
-            <a:lvl8pPr marL="6530548" indent="0">
-              <a:buNone/>
-              <a:defRPr sz="1900"/>
+            <a:lvl8pPr marL="9142767" indent="0">
+              <a:buNone/>
+              <a:defRPr sz="2700"/>
             </a:lvl8pPr>
-            <a:lvl9pPr marL="7463483" indent="0">
-              <a:buNone/>
-              <a:defRPr sz="1900"/>
+            <a:lvl9pPr marL="10448876" indent="0">
+              <a:buNone/>
+              <a:defRPr sz="2700"/>
             </a:lvl9pPr>
           </a:lstStyle>
           <a:p>
@@ -2786,15 +2791,15 @@
         </p:nvSpPr>
         <p:spPr>
           <a:xfrm>
-            <a:off x="5376864" y="12801600"/>
-            <a:ext cx="16459200" cy="1511301"/>
+            <a:off x="7169152" y="19202401"/>
+            <a:ext cx="21945600" cy="2266952"/>
           </a:xfrm>
         </p:spPr>
         <p:txBody>
           <a:bodyPr anchor="b"/>
           <a:lstStyle>
             <a:lvl1pPr algn="l">
-              <a:defRPr sz="4100" b="1"/>
+              <a:defRPr sz="5700" b="1"/>
             </a:lvl1pPr>
           </a:lstStyle>
           <a:p>
@@ -2818,8 +2823,8 @@
         </p:nvSpPr>
         <p:spPr>
           <a:xfrm>
-            <a:off x="5376864" y="1634067"/>
-            <a:ext cx="16459200" cy="10972800"/>
+            <a:off x="7169152" y="2451101"/>
+            <a:ext cx="21945600" cy="16459200"/>
           </a:xfrm>
         </p:spPr>
         <p:txBody>
@@ -2827,39 +2832,39 @@
           <a:lstStyle>
             <a:lvl1pPr marL="0" indent="0">
               <a:buNone/>
-              <a:defRPr sz="6500"/>
+              <a:defRPr sz="9100"/>
             </a:lvl1pPr>
-            <a:lvl2pPr marL="932935" indent="0">
+            <a:lvl2pPr marL="1306109" indent="0">
+              <a:buNone/>
+              <a:defRPr sz="8000"/>
+            </a:lvl2pPr>
+            <a:lvl3pPr marL="2612219" indent="0">
+              <a:buNone/>
+              <a:defRPr sz="6900"/>
+            </a:lvl3pPr>
+            <a:lvl4pPr marL="3918328" indent="0">
               <a:buNone/>
               <a:defRPr sz="5700"/>
-            </a:lvl2pPr>
-            <a:lvl3pPr marL="1865871" indent="0">
-              <a:buNone/>
-              <a:defRPr sz="4900"/>
-            </a:lvl3pPr>
-            <a:lvl4pPr marL="2798806" indent="0">
-              <a:buNone/>
-              <a:defRPr sz="4100"/>
             </a:lvl4pPr>
-            <a:lvl5pPr marL="3731742" indent="0">
-              <a:buNone/>
-              <a:defRPr sz="4100"/>
+            <a:lvl5pPr marL="5224439" indent="0">
+              <a:buNone/>
+              <a:defRPr sz="5700"/>
             </a:lvl5pPr>
-            <a:lvl6pPr marL="4664677" indent="0">
-              <a:buNone/>
-              <a:defRPr sz="4100"/>
+            <a:lvl6pPr marL="6530548" indent="0">
+              <a:buNone/>
+              <a:defRPr sz="5700"/>
             </a:lvl6pPr>
-            <a:lvl7pPr marL="5597613" indent="0">
-              <a:buNone/>
-              <a:defRPr sz="4100"/>
+            <a:lvl7pPr marL="7836658" indent="0">
+              <a:buNone/>
+              <a:defRPr sz="5700"/>
             </a:lvl7pPr>
-            <a:lvl8pPr marL="6530548" indent="0">
-              <a:buNone/>
-              <a:defRPr sz="4100"/>
+            <a:lvl8pPr marL="9142767" indent="0">
+              <a:buNone/>
+              <a:defRPr sz="5700"/>
             </a:lvl8pPr>
-            <a:lvl9pPr marL="7463483" indent="0">
-              <a:buNone/>
-              <a:defRPr sz="4100"/>
+            <a:lvl9pPr marL="10448876" indent="0">
+              <a:buNone/>
+              <a:defRPr sz="5700"/>
             </a:lvl9pPr>
           </a:lstStyle>
           <a:p>
@@ -2879,8 +2884,8 @@
         </p:nvSpPr>
         <p:spPr>
           <a:xfrm>
-            <a:off x="5376864" y="14312901"/>
-            <a:ext cx="16459200" cy="2146299"/>
+            <a:off x="7169152" y="21469352"/>
+            <a:ext cx="21945600" cy="3219449"/>
           </a:xfrm>
         </p:spPr>
         <p:txBody>
@@ -2888,39 +2893,39 @@
           <a:lstStyle>
             <a:lvl1pPr marL="0" indent="0">
               <a:buNone/>
+              <a:defRPr sz="3900"/>
+            </a:lvl1pPr>
+            <a:lvl2pPr marL="1306109" indent="0">
+              <a:buNone/>
+              <a:defRPr sz="3400"/>
+            </a:lvl2pPr>
+            <a:lvl3pPr marL="2612219" indent="0">
+              <a:buNone/>
               <a:defRPr sz="2800"/>
-            </a:lvl1pPr>
-            <a:lvl2pPr marL="932935" indent="0">
-              <a:buNone/>
-              <a:defRPr sz="2400"/>
-            </a:lvl2pPr>
-            <a:lvl3pPr marL="1865871" indent="0">
-              <a:buNone/>
-              <a:defRPr sz="2000"/>
             </a:lvl3pPr>
-            <a:lvl4pPr marL="2798806" indent="0">
-              <a:buNone/>
-              <a:defRPr sz="1900"/>
+            <a:lvl4pPr marL="3918328" indent="0">
+              <a:buNone/>
+              <a:defRPr sz="2700"/>
             </a:lvl4pPr>
-            <a:lvl5pPr marL="3731742" indent="0">
-              <a:buNone/>
-              <a:defRPr sz="1900"/>
+            <a:lvl5pPr marL="5224439" indent="0">
+              <a:buNone/>
+              <a:defRPr sz="2700"/>
             </a:lvl5pPr>
-            <a:lvl6pPr marL="4664677" indent="0">
-              <a:buNone/>
-              <a:defRPr sz="1900"/>
+            <a:lvl6pPr marL="6530548" indent="0">
+              <a:buNone/>
+              <a:defRPr sz="2700"/>
             </a:lvl6pPr>
-            <a:lvl7pPr marL="5597613" indent="0">
-              <a:buNone/>
-              <a:defRPr sz="1900"/>
+            <a:lvl7pPr marL="7836658" indent="0">
+              <a:buNone/>
+              <a:defRPr sz="2700"/>
             </a:lvl7pPr>
-            <a:lvl8pPr marL="6530548" indent="0">
-              <a:buNone/>
-              <a:defRPr sz="1900"/>
+            <a:lvl8pPr marL="9142767" indent="0">
+              <a:buNone/>
+              <a:defRPr sz="2700"/>
             </a:lvl8pPr>
-            <a:lvl9pPr marL="7463483" indent="0">
-              <a:buNone/>
-              <a:defRPr sz="1900"/>
+            <a:lvl9pPr marL="10448876" indent="0">
+              <a:buNone/>
+              <a:defRPr sz="2700"/>
             </a:lvl9pPr>
           </a:lstStyle>
           <a:p>
@@ -3044,15 +3049,15 @@
         </p:nvSpPr>
         <p:spPr>
           <a:xfrm>
-            <a:off x="1371600" y="732368"/>
-            <a:ext cx="24688800" cy="3048000"/>
+            <a:off x="1828800" y="1098552"/>
+            <a:ext cx="32918400" cy="4572000"/>
           </a:xfrm>
           <a:prstGeom prst="rect">
             <a:avLst/>
           </a:prstGeom>
         </p:spPr>
         <p:txBody>
-          <a:bodyPr vert="horz" lIns="186587" tIns="93293" rIns="186587" bIns="93293" rtlCol="0" anchor="ctr">
+          <a:bodyPr vert="horz" lIns="261222" tIns="130610" rIns="261222" bIns="130610" rtlCol="0" anchor="ctr">
             <a:normAutofit/>
           </a:bodyPr>
           <a:lstStyle/>
@@ -3077,15 +3082,15 @@
         </p:nvSpPr>
         <p:spPr>
           <a:xfrm>
-            <a:off x="1371600" y="4267202"/>
-            <a:ext cx="24688800" cy="12069234"/>
+            <a:off x="1828800" y="6400803"/>
+            <a:ext cx="32918400" cy="18103851"/>
           </a:xfrm>
           <a:prstGeom prst="rect">
             <a:avLst/>
           </a:prstGeom>
         </p:spPr>
         <p:txBody>
-          <a:bodyPr vert="horz" lIns="186587" tIns="93293" rIns="186587" bIns="93293" rtlCol="0">
+          <a:bodyPr vert="horz" lIns="261222" tIns="130610" rIns="261222" bIns="130610" rtlCol="0">
             <a:normAutofit/>
           </a:bodyPr>
           <a:lstStyle/>
@@ -3139,18 +3144,18 @@
         </p:nvSpPr>
         <p:spPr>
           <a:xfrm>
-            <a:off x="1371600" y="16950268"/>
-            <a:ext cx="6400800" cy="973667"/>
+            <a:off x="1828800" y="25425403"/>
+            <a:ext cx="8534400" cy="1460501"/>
           </a:xfrm>
           <a:prstGeom prst="rect">
             <a:avLst/>
           </a:prstGeom>
         </p:spPr>
         <p:txBody>
-          <a:bodyPr vert="horz" lIns="186587" tIns="93293" rIns="186587" bIns="93293" rtlCol="0" anchor="ctr"/>
+          <a:bodyPr vert="horz" lIns="261222" tIns="130610" rIns="261222" bIns="130610" rtlCol="0" anchor="ctr"/>
           <a:lstStyle>
             <a:lvl1pPr algn="l">
-              <a:defRPr sz="2400">
+              <a:defRPr sz="3400">
                 <a:solidFill>
                   <a:schemeClr val="tx1">
                     <a:tint val="75000"/>
@@ -3180,18 +3185,18 @@
         </p:nvSpPr>
         <p:spPr>
           <a:xfrm>
-            <a:off x="9372600" y="16950268"/>
-            <a:ext cx="8686800" cy="973667"/>
+            <a:off x="12496800" y="25425403"/>
+            <a:ext cx="11582400" cy="1460501"/>
           </a:xfrm>
           <a:prstGeom prst="rect">
             <a:avLst/>
           </a:prstGeom>
         </p:spPr>
         <p:txBody>
-          <a:bodyPr vert="horz" lIns="186587" tIns="93293" rIns="186587" bIns="93293" rtlCol="0" anchor="ctr"/>
+          <a:bodyPr vert="horz" lIns="261222" tIns="130610" rIns="261222" bIns="130610" rtlCol="0" anchor="ctr"/>
           <a:lstStyle>
             <a:lvl1pPr algn="ctr">
-              <a:defRPr sz="2400">
+              <a:defRPr sz="3400">
                 <a:solidFill>
                   <a:schemeClr val="tx1">
                     <a:tint val="75000"/>
@@ -3217,18 +3222,18 @@
         </p:nvSpPr>
         <p:spPr>
           <a:xfrm>
-            <a:off x="19659600" y="16950268"/>
-            <a:ext cx="6400800" cy="973667"/>
+            <a:off x="26212800" y="25425403"/>
+            <a:ext cx="8534400" cy="1460501"/>
           </a:xfrm>
           <a:prstGeom prst="rect">
             <a:avLst/>
           </a:prstGeom>
         </p:spPr>
         <p:txBody>
-          <a:bodyPr vert="horz" lIns="186587" tIns="93293" rIns="186587" bIns="93293" rtlCol="0" anchor="ctr"/>
+          <a:bodyPr vert="horz" lIns="261222" tIns="130610" rIns="261222" bIns="130610" rtlCol="0" anchor="ctr"/>
           <a:lstStyle>
             <a:lvl1pPr algn="r">
-              <a:defRPr sz="2400">
+              <a:defRPr sz="3400">
                 <a:solidFill>
                   <a:schemeClr val="tx1">
                     <a:tint val="75000"/>
@@ -3269,12 +3274,12 @@
   </p:sldLayoutIdLst>
   <p:txStyles>
     <p:titleStyle>
-      <a:lvl1pPr algn="ctr" defTabSz="1865871" rtl="0" eaLnBrk="1" latinLnBrk="0" hangingPunct="1">
+      <a:lvl1pPr algn="ctr" defTabSz="2612219" rtl="0" eaLnBrk="1" latinLnBrk="0" hangingPunct="1">
         <a:spcBef>
           <a:spcPct val="0"/>
         </a:spcBef>
         <a:buNone/>
-        <a:defRPr sz="9000" kern="1200">
+        <a:defRPr sz="12600" kern="1200">
           <a:solidFill>
             <a:schemeClr val="tx1"/>
           </a:solidFill>
@@ -3285,13 +3290,13 @@
       </a:lvl1pPr>
     </p:titleStyle>
     <p:bodyStyle>
-      <a:lvl1pPr marL="699702" indent="-699702" algn="l" defTabSz="1865871" rtl="0" eaLnBrk="1" latinLnBrk="0" hangingPunct="1">
+      <a:lvl1pPr marL="979583" indent="-979583" algn="l" defTabSz="2612219" rtl="0" eaLnBrk="1" latinLnBrk="0" hangingPunct="1">
         <a:spcBef>
           <a:spcPct val="20000"/>
         </a:spcBef>
         <a:buFont typeface="Arial" pitchFamily="34" charset="0"/>
         <a:buChar char="•"/>
-        <a:defRPr sz="6500" kern="1200">
+        <a:defRPr sz="9100" kern="1200">
           <a:solidFill>
             <a:schemeClr val="tx1"/>
           </a:solidFill>
@@ -3300,7 +3305,37 @@
           <a:cs typeface="+mn-cs"/>
         </a:defRPr>
       </a:lvl1pPr>
-      <a:lvl2pPr marL="1516020" indent="-583085" algn="l" defTabSz="1865871" rtl="0" eaLnBrk="1" latinLnBrk="0" hangingPunct="1">
+      <a:lvl2pPr marL="2122428" indent="-816319" algn="l" defTabSz="2612219" rtl="0" eaLnBrk="1" latinLnBrk="0" hangingPunct="1">
+        <a:spcBef>
+          <a:spcPct val="20000"/>
+        </a:spcBef>
+        <a:buFont typeface="Arial" pitchFamily="34" charset="0"/>
+        <a:buChar char="–"/>
+        <a:defRPr sz="8000" kern="1200">
+          <a:solidFill>
+            <a:schemeClr val="tx1"/>
+          </a:solidFill>
+          <a:latin typeface="+mn-lt"/>
+          <a:ea typeface="+mn-ea"/>
+          <a:cs typeface="+mn-cs"/>
+        </a:defRPr>
+      </a:lvl2pPr>
+      <a:lvl3pPr marL="3265275" indent="-653054" algn="l" defTabSz="2612219" rtl="0" eaLnBrk="1" latinLnBrk="0" hangingPunct="1">
+        <a:spcBef>
+          <a:spcPct val="20000"/>
+        </a:spcBef>
+        <a:buFont typeface="Arial" pitchFamily="34" charset="0"/>
+        <a:buChar char="•"/>
+        <a:defRPr sz="6900" kern="1200">
+          <a:solidFill>
+            <a:schemeClr val="tx1"/>
+          </a:solidFill>
+          <a:latin typeface="+mn-lt"/>
+          <a:ea typeface="+mn-ea"/>
+          <a:cs typeface="+mn-cs"/>
+        </a:defRPr>
+      </a:lvl3pPr>
+      <a:lvl4pPr marL="4571384" indent="-653054" algn="l" defTabSz="2612219" rtl="0" eaLnBrk="1" latinLnBrk="0" hangingPunct="1">
         <a:spcBef>
           <a:spcPct val="20000"/>
         </a:spcBef>
@@ -3314,44 +3349,14 @@
           <a:ea typeface="+mn-ea"/>
           <a:cs typeface="+mn-cs"/>
         </a:defRPr>
-      </a:lvl2pPr>
-      <a:lvl3pPr marL="2332339" indent="-466467" algn="l" defTabSz="1865871" rtl="0" eaLnBrk="1" latinLnBrk="0" hangingPunct="1">
-        <a:spcBef>
-          <a:spcPct val="20000"/>
-        </a:spcBef>
-        <a:buFont typeface="Arial" pitchFamily="34" charset="0"/>
-        <a:buChar char="•"/>
-        <a:defRPr sz="4900" kern="1200">
-          <a:solidFill>
-            <a:schemeClr val="tx1"/>
-          </a:solidFill>
-          <a:latin typeface="+mn-lt"/>
-          <a:ea typeface="+mn-ea"/>
-          <a:cs typeface="+mn-cs"/>
-        </a:defRPr>
-      </a:lvl3pPr>
-      <a:lvl4pPr marL="3265274" indent="-466467" algn="l" defTabSz="1865871" rtl="0" eaLnBrk="1" latinLnBrk="0" hangingPunct="1">
-        <a:spcBef>
-          <a:spcPct val="20000"/>
-        </a:spcBef>
-        <a:buFont typeface="Arial" pitchFamily="34" charset="0"/>
-        <a:buChar char="–"/>
-        <a:defRPr sz="4100" kern="1200">
-          <a:solidFill>
-            <a:schemeClr val="tx1"/>
-          </a:solidFill>
-          <a:latin typeface="+mn-lt"/>
-          <a:ea typeface="+mn-ea"/>
-          <a:cs typeface="+mn-cs"/>
-        </a:defRPr>
       </a:lvl4pPr>
-      <a:lvl5pPr marL="4198210" indent="-466467" algn="l" defTabSz="1865871" rtl="0" eaLnBrk="1" latinLnBrk="0" hangingPunct="1">
+      <a:lvl5pPr marL="5877494" indent="-653054" algn="l" defTabSz="2612219" rtl="0" eaLnBrk="1" latinLnBrk="0" hangingPunct="1">
         <a:spcBef>
           <a:spcPct val="20000"/>
         </a:spcBef>
         <a:buFont typeface="Arial" pitchFamily="34" charset="0"/>
         <a:buChar char="»"/>
-        <a:defRPr sz="4100" kern="1200">
+        <a:defRPr sz="5700" kern="1200">
           <a:solidFill>
             <a:schemeClr val="tx1"/>
           </a:solidFill>
@@ -3360,13 +3365,13 @@
           <a:cs typeface="+mn-cs"/>
         </a:defRPr>
       </a:lvl5pPr>
-      <a:lvl6pPr marL="5131145" indent="-466467" algn="l" defTabSz="1865871" rtl="0" eaLnBrk="1" latinLnBrk="0" hangingPunct="1">
+      <a:lvl6pPr marL="7183603" indent="-653054" algn="l" defTabSz="2612219" rtl="0" eaLnBrk="1" latinLnBrk="0" hangingPunct="1">
         <a:spcBef>
           <a:spcPct val="20000"/>
         </a:spcBef>
         <a:buFont typeface="Arial" pitchFamily="34" charset="0"/>
         <a:buChar char="•"/>
-        <a:defRPr sz="4100" kern="1200">
+        <a:defRPr sz="5700" kern="1200">
           <a:solidFill>
             <a:schemeClr val="tx1"/>
           </a:solidFill>
@@ -3375,13 +3380,13 @@
           <a:cs typeface="+mn-cs"/>
         </a:defRPr>
       </a:lvl6pPr>
-      <a:lvl7pPr marL="6064080" indent="-466467" algn="l" defTabSz="1865871" rtl="0" eaLnBrk="1" latinLnBrk="0" hangingPunct="1">
+      <a:lvl7pPr marL="8489712" indent="-653054" algn="l" defTabSz="2612219" rtl="0" eaLnBrk="1" latinLnBrk="0" hangingPunct="1">
         <a:spcBef>
           <a:spcPct val="20000"/>
         </a:spcBef>
         <a:buFont typeface="Arial" pitchFamily="34" charset="0"/>
         <a:buChar char="•"/>
-        <a:defRPr sz="4100" kern="1200">
+        <a:defRPr sz="5700" kern="1200">
           <a:solidFill>
             <a:schemeClr val="tx1"/>
           </a:solidFill>
@@ -3390,13 +3395,13 @@
           <a:cs typeface="+mn-cs"/>
         </a:defRPr>
       </a:lvl7pPr>
-      <a:lvl8pPr marL="6997016" indent="-466467" algn="l" defTabSz="1865871" rtl="0" eaLnBrk="1" latinLnBrk="0" hangingPunct="1">
+      <a:lvl8pPr marL="9795822" indent="-653054" algn="l" defTabSz="2612219" rtl="0" eaLnBrk="1" latinLnBrk="0" hangingPunct="1">
         <a:spcBef>
           <a:spcPct val="20000"/>
         </a:spcBef>
         <a:buFont typeface="Arial" pitchFamily="34" charset="0"/>
         <a:buChar char="•"/>
-        <a:defRPr sz="4100" kern="1200">
+        <a:defRPr sz="5700" kern="1200">
           <a:solidFill>
             <a:schemeClr val="tx1"/>
           </a:solidFill>
@@ -3405,13 +3410,13 @@
           <a:cs typeface="+mn-cs"/>
         </a:defRPr>
       </a:lvl8pPr>
-      <a:lvl9pPr marL="7929951" indent="-466467" algn="l" defTabSz="1865871" rtl="0" eaLnBrk="1" latinLnBrk="0" hangingPunct="1">
+      <a:lvl9pPr marL="11101931" indent="-653054" algn="l" defTabSz="2612219" rtl="0" eaLnBrk="1" latinLnBrk="0" hangingPunct="1">
         <a:spcBef>
           <a:spcPct val="20000"/>
         </a:spcBef>
         <a:buFont typeface="Arial" pitchFamily="34" charset="0"/>
         <a:buChar char="•"/>
-        <a:defRPr sz="4100" kern="1200">
+        <a:defRPr sz="5700" kern="1200">
           <a:solidFill>
             <a:schemeClr val="tx1"/>
           </a:solidFill>
@@ -3425,8 +3430,8 @@
       <a:defPPr>
         <a:defRPr lang="en-US"/>
       </a:defPPr>
-      <a:lvl1pPr marL="0" algn="l" defTabSz="1865871" rtl="0" eaLnBrk="1" latinLnBrk="0" hangingPunct="1">
-        <a:defRPr sz="3700" kern="1200">
+      <a:lvl1pPr marL="0" algn="l" defTabSz="2612219" rtl="0" eaLnBrk="1" latinLnBrk="0" hangingPunct="1">
+        <a:defRPr sz="5200" kern="1200">
           <a:solidFill>
             <a:schemeClr val="tx1"/>
           </a:solidFill>
@@ -3435,8 +3440,8 @@
           <a:cs typeface="+mn-cs"/>
         </a:defRPr>
       </a:lvl1pPr>
-      <a:lvl2pPr marL="932935" algn="l" defTabSz="1865871" rtl="0" eaLnBrk="1" latinLnBrk="0" hangingPunct="1">
-        <a:defRPr sz="3700" kern="1200">
+      <a:lvl2pPr marL="1306109" algn="l" defTabSz="2612219" rtl="0" eaLnBrk="1" latinLnBrk="0" hangingPunct="1">
+        <a:defRPr sz="5200" kern="1200">
           <a:solidFill>
             <a:schemeClr val="tx1"/>
           </a:solidFill>
@@ -3445,8 +3450,8 @@
           <a:cs typeface="+mn-cs"/>
         </a:defRPr>
       </a:lvl2pPr>
-      <a:lvl3pPr marL="1865871" algn="l" defTabSz="1865871" rtl="0" eaLnBrk="1" latinLnBrk="0" hangingPunct="1">
-        <a:defRPr sz="3700" kern="1200">
+      <a:lvl3pPr marL="2612219" algn="l" defTabSz="2612219" rtl="0" eaLnBrk="1" latinLnBrk="0" hangingPunct="1">
+        <a:defRPr sz="5200" kern="1200">
           <a:solidFill>
             <a:schemeClr val="tx1"/>
           </a:solidFill>
@@ -3455,8 +3460,8 @@
           <a:cs typeface="+mn-cs"/>
         </a:defRPr>
       </a:lvl3pPr>
-      <a:lvl4pPr marL="2798806" algn="l" defTabSz="1865871" rtl="0" eaLnBrk="1" latinLnBrk="0" hangingPunct="1">
-        <a:defRPr sz="3700" kern="1200">
+      <a:lvl4pPr marL="3918328" algn="l" defTabSz="2612219" rtl="0" eaLnBrk="1" latinLnBrk="0" hangingPunct="1">
+        <a:defRPr sz="5200" kern="1200">
           <a:solidFill>
             <a:schemeClr val="tx1"/>
           </a:solidFill>
@@ -3465,8 +3470,8 @@
           <a:cs typeface="+mn-cs"/>
         </a:defRPr>
       </a:lvl4pPr>
-      <a:lvl5pPr marL="3731742" algn="l" defTabSz="1865871" rtl="0" eaLnBrk="1" latinLnBrk="0" hangingPunct="1">
-        <a:defRPr sz="3700" kern="1200">
+      <a:lvl5pPr marL="5224439" algn="l" defTabSz="2612219" rtl="0" eaLnBrk="1" latinLnBrk="0" hangingPunct="1">
+        <a:defRPr sz="5200" kern="1200">
           <a:solidFill>
             <a:schemeClr val="tx1"/>
           </a:solidFill>
@@ -3475,8 +3480,8 @@
           <a:cs typeface="+mn-cs"/>
         </a:defRPr>
       </a:lvl5pPr>
-      <a:lvl6pPr marL="4664677" algn="l" defTabSz="1865871" rtl="0" eaLnBrk="1" latinLnBrk="0" hangingPunct="1">
-        <a:defRPr sz="3700" kern="1200">
+      <a:lvl6pPr marL="6530548" algn="l" defTabSz="2612219" rtl="0" eaLnBrk="1" latinLnBrk="0" hangingPunct="1">
+        <a:defRPr sz="5200" kern="1200">
           <a:solidFill>
             <a:schemeClr val="tx1"/>
           </a:solidFill>
@@ -3485,8 +3490,8 @@
           <a:cs typeface="+mn-cs"/>
         </a:defRPr>
       </a:lvl6pPr>
-      <a:lvl7pPr marL="5597613" algn="l" defTabSz="1865871" rtl="0" eaLnBrk="1" latinLnBrk="0" hangingPunct="1">
-        <a:defRPr sz="3700" kern="1200">
+      <a:lvl7pPr marL="7836658" algn="l" defTabSz="2612219" rtl="0" eaLnBrk="1" latinLnBrk="0" hangingPunct="1">
+        <a:defRPr sz="5200" kern="1200">
           <a:solidFill>
             <a:schemeClr val="tx1"/>
           </a:solidFill>
@@ -3495,8 +3500,8 @@
           <a:cs typeface="+mn-cs"/>
         </a:defRPr>
       </a:lvl7pPr>
-      <a:lvl8pPr marL="6530548" algn="l" defTabSz="1865871" rtl="0" eaLnBrk="1" latinLnBrk="0" hangingPunct="1">
-        <a:defRPr sz="3700" kern="1200">
+      <a:lvl8pPr marL="9142767" algn="l" defTabSz="2612219" rtl="0" eaLnBrk="1" latinLnBrk="0" hangingPunct="1">
+        <a:defRPr sz="5200" kern="1200">
           <a:solidFill>
             <a:schemeClr val="tx1"/>
           </a:solidFill>
@@ -3505,8 +3510,8 @@
           <a:cs typeface="+mn-cs"/>
         </a:defRPr>
       </a:lvl8pPr>
-      <a:lvl9pPr marL="7463483" algn="l" defTabSz="1865871" rtl="0" eaLnBrk="1" latinLnBrk="0" hangingPunct="1">
-        <a:defRPr sz="3700" kern="1200">
+      <a:lvl9pPr marL="10448876" algn="l" defTabSz="2612219" rtl="0" eaLnBrk="1" latinLnBrk="0" hangingPunct="1">
+        <a:defRPr sz="5200" kern="1200">
           <a:solidFill>
             <a:schemeClr val="tx1"/>
           </a:solidFill>
@@ -3546,7 +3551,7 @@
         <p:spPr>
           <a:xfrm>
             <a:off x="0" y="0"/>
-            <a:ext cx="27432000" cy="1356360"/>
+            <a:ext cx="36576000" cy="2034540"/>
           </a:xfrm>
           <a:prstGeom prst="rect">
             <a:avLst/>
@@ -3567,7 +3572,7 @@
           </a:fontRef>
         </p:style>
         <p:txBody>
-          <a:bodyPr lIns="54422" tIns="27211" rIns="54422" bIns="27211" rtlCol="0" anchor="ctr"/>
+          <a:bodyPr lIns="76191" tIns="38095" rIns="76191" bIns="38095" rtlCol="0" anchor="ctr"/>
           <a:lstStyle/>
           <a:p>
             <a:pPr algn="ctr"/>
@@ -3587,8 +3592,8 @@
         </p:nvSpPr>
         <p:spPr>
           <a:xfrm>
-            <a:off x="2933700" y="110914"/>
-            <a:ext cx="21564600" cy="1270000"/>
+            <a:off x="3911600" y="166371"/>
+            <a:ext cx="28752800" cy="1905000"/>
           </a:xfrm>
         </p:spPr>
         <p:txBody>
@@ -3598,7 +3603,7 @@
           <a:lstStyle/>
           <a:p>
             <a:r>
-              <a:rPr lang="en-US" sz="5400" cap="small" dirty="0">
+              <a:rPr lang="en-US" sz="7200" cap="small" dirty="0">
                 <a:solidFill>
                   <a:schemeClr val="bg1"/>
                 </a:solidFill>
@@ -3622,8 +3627,8 @@
         </p:nvSpPr>
         <p:spPr>
           <a:xfrm>
-            <a:off x="2286000" y="1354667"/>
-            <a:ext cx="22860000" cy="508000"/>
+            <a:off x="3048000" y="2032001"/>
+            <a:ext cx="30480000" cy="762000"/>
           </a:xfrm>
         </p:spPr>
         <p:txBody>
@@ -3633,7 +3638,7 @@
           <a:lstStyle/>
           <a:p>
             <a:r>
-              <a:rPr lang="en-US" sz="2500" i="1" dirty="0">
+              <a:rPr lang="en-US" sz="3500" i="1" dirty="0">
                 <a:solidFill>
                   <a:schemeClr val="tx1"/>
                 </a:solidFill>
@@ -3643,7 +3648,7 @@
               <a:t>Albert Ho, Robert Romano, </a:t>
             </a:r>
             <a:r>
-              <a:rPr lang="en-US" sz="2500" i="1" dirty="0" err="1">
+              <a:rPr lang="en-US" sz="3500" i="1" dirty="0" err="1">
                 <a:solidFill>
                   <a:schemeClr val="tx1"/>
                 </a:solidFill>
@@ -3653,7 +3658,7 @@
               <a:t>Xin</a:t>
             </a:r>
             <a:r>
-              <a:rPr lang="en-US" sz="2500" i="1" dirty="0">
+              <a:rPr lang="en-US" sz="3500" i="1" dirty="0">
                 <a:solidFill>
                   <a:schemeClr val="tx1"/>
                 </a:solidFill>
@@ -3663,27 +3668,17 @@
               <a:t> Alice </a:t>
             </a:r>
             <a:r>
-              <a:rPr lang="en-US" sz="2500" i="1" dirty="0" smtClean="0">
+              <a:rPr lang="en-US" sz="3500" i="1" dirty="0">
                 <a:solidFill>
                   <a:schemeClr val="tx1"/>
                 </a:solidFill>
                 <a:latin typeface="Times New Roman" pitchFamily="18" charset="0"/>
                 <a:cs typeface="Times New Roman" pitchFamily="18" charset="0"/>
               </a:rPr>
-              <a:t>Wu – Department of Mechanical Engineering,</a:t>
-            </a:r>
-            <a:r>
-              <a:rPr lang="en-US" sz="2500" i="1" dirty="0" smtClean="0">
-                <a:solidFill>
-                  <a:schemeClr val="tx1"/>
-                </a:solidFill>
-                <a:latin typeface="Times New Roman" pitchFamily="18" charset="0"/>
-                <a:cs typeface="Times New Roman" pitchFamily="18" charset="0"/>
-              </a:rPr>
-              <a:t> </a:t>
-            </a:r>
-            <a:r>
-              <a:rPr lang="en-US" sz="2500" i="1" dirty="0">
+              <a:t>Wu – Department of Mechanical Engineering, </a:t>
+            </a:r>
+            <a:r>
+              <a:rPr lang="en-US" sz="3500" i="1" dirty="0">
                 <a:solidFill>
                   <a:schemeClr val="tx1"/>
                 </a:solidFill>
@@ -3693,7 +3688,7 @@
               <a:t>Stanford </a:t>
             </a:r>
             <a:r>
-              <a:rPr lang="en-US" sz="2500" i="1" dirty="0" smtClean="0">
+              <a:rPr lang="en-US" sz="3500" i="1" dirty="0">
                 <a:solidFill>
                   <a:schemeClr val="tx1"/>
                 </a:solidFill>
@@ -3702,7 +3697,7 @@
               </a:rPr>
               <a:t>University – CS229: Machine Learning</a:t>
             </a:r>
-            <a:endParaRPr lang="en-US" sz="2500" i="1" dirty="0">
+            <a:endParaRPr lang="en-US" sz="3500" i="1" dirty="0">
               <a:solidFill>
                 <a:schemeClr val="tx1"/>
               </a:solidFill>
@@ -3734,8 +3729,8 @@
         </p:blipFill>
         <p:spPr>
           <a:xfrm>
-            <a:off x="412568" y="0"/>
-            <a:ext cx="1525905" cy="1356360"/>
+            <a:off x="550091" y="0"/>
+            <a:ext cx="2034540" cy="2034540"/>
           </a:xfrm>
           <a:prstGeom prst="rect">
             <a:avLst/>
@@ -3764,8 +3759,8 @@
         </p:blipFill>
         <p:spPr>
           <a:xfrm>
-            <a:off x="26026110" y="149014"/>
-            <a:ext cx="1005840" cy="1058333"/>
+            <a:off x="34396680" y="121920"/>
+            <a:ext cx="1417320" cy="1811018"/>
           </a:xfrm>
           <a:prstGeom prst="rect">
             <a:avLst/>
@@ -3780,10 +3775,10 @@
         </p:nvGrpSpPr>
         <p:grpSpPr>
           <a:xfrm>
-            <a:off x="412568" y="2063115"/>
-            <a:ext cx="8572500" cy="4794885"/>
+            <a:off x="550091" y="3094673"/>
+            <a:ext cx="11430000" cy="5896926"/>
             <a:chOff x="412568" y="2063115"/>
-            <a:chExt cx="8572500" cy="4794885"/>
+            <a:chExt cx="8572500" cy="4397145"/>
           </a:xfrm>
         </p:grpSpPr>
         <p:sp>
@@ -3795,7 +3790,7 @@
           <p:spPr>
             <a:xfrm>
               <a:off x="412568" y="2428875"/>
-              <a:ext cx="8572500" cy="4429125"/>
+              <a:ext cx="8572500" cy="4031385"/>
             </a:xfrm>
             <a:prstGeom prst="rect">
               <a:avLst/>
@@ -3817,11 +3812,14 @@
             </a:fontRef>
           </p:style>
           <p:txBody>
-            <a:bodyPr lIns="63496" tIns="31748" rIns="63496" bIns="31748" spcCol="0" rtlCol="0" anchor="ctr"/>
+            <a:bodyPr lIns="457200" tIns="457200" rIns="457200" bIns="0" spcCol="0" rtlCol="0" anchor="ctr"/>
             <a:lstStyle/>
             <a:p>
-              <a:pPr algn="ctr"/>
-              <a:endParaRPr lang="en-US"/>
+              <a:pPr algn="just"/>
+              <a:r>
+                <a:rPr lang="en-US" sz="3600" dirty="0" smtClean="0"/>
+                <a:t>When you go to an auto dealership with the intent to buy a used car, you want a good selection to choose from. Auto dealerships purchase their used cars through auto auctions and they want the same things: to buy as many cars as they can in the best condition possible. Our task was to use machine learning to help auto dealerships avoid bad car purchases, called “kicked cars”, at auto auctions.</a:t>
+              </a:r>
             </a:p>
           </p:txBody>
         </p:sp>
@@ -3911,7 +3909,7 @@
             </a:bodyPr>
             <a:lstStyle/>
             <a:p>
-              <a:pPr lvl="0" algn="ctr" defTabSz="2133600">
+              <a:pPr algn="ctr" defTabSz="2987040">
                 <a:lnSpc>
                   <a:spcPct val="90000"/>
                 </a:lnSpc>
@@ -3923,13 +3921,13 @@
                 </a:spcAft>
               </a:pPr>
               <a:r>
-                <a:rPr lang="en-US" sz="3600" kern="1200" dirty="0" smtClean="0">
+                <a:rPr lang="en-US" sz="5000" dirty="0">
                   <a:latin typeface="Times New Roman" pitchFamily="18" charset="0"/>
                   <a:cs typeface="Times New Roman" pitchFamily="18" charset="0"/>
                 </a:rPr>
                 <a:t>Introduction</a:t>
               </a:r>
-              <a:endParaRPr lang="en-US" sz="3600" kern="1200" dirty="0">
+              <a:endParaRPr lang="en-US" sz="5000" dirty="0">
                 <a:latin typeface="Times New Roman" pitchFamily="18" charset="0"/>
                 <a:cs typeface="Times New Roman" pitchFamily="18" charset="0"/>
               </a:endParaRPr>
@@ -3945,10 +3943,10 @@
         </p:nvGrpSpPr>
         <p:grpSpPr>
           <a:xfrm>
-            <a:off x="412568" y="7244715"/>
-            <a:ext cx="8572500" cy="10433685"/>
-            <a:chOff x="412568" y="2063115"/>
-            <a:chExt cx="8572500" cy="10433685"/>
+            <a:off x="550091" y="9254513"/>
+            <a:ext cx="11430000" cy="17263089"/>
+            <a:chOff x="412568" y="2130370"/>
+            <a:chExt cx="8572500" cy="10366430"/>
           </a:xfrm>
         </p:grpSpPr>
         <p:sp>
@@ -3982,11 +3980,139 @@
             </a:fontRef>
           </p:style>
           <p:txBody>
-            <a:bodyPr lIns="63496" tIns="31748" rIns="63496" bIns="31748" spcCol="0" rtlCol="0" anchor="ctr"/>
+            <a:bodyPr lIns="457200" tIns="31748" rIns="457200" bIns="31748" spcCol="0" rtlCol="0" anchor="ctr"/>
             <a:lstStyle/>
             <a:p>
-              <a:pPr algn="ctr"/>
-              <a:endParaRPr lang="en-US"/>
+              <a:pPr algn="just"/>
+              <a:r>
+                <a:rPr lang="en-US" sz="3600" b="1" dirty="0"/>
+                <a:t>Data </a:t>
+              </a:r>
+              <a:r>
+                <a:rPr lang="en-US" sz="3600" b="1" dirty="0" smtClean="0"/>
+                <a:t>Characteristics</a:t>
+              </a:r>
+              <a:endParaRPr lang="en-US" sz="3600" dirty="0" smtClean="0"/>
+            </a:p>
+            <a:p>
+              <a:pPr algn="just"/>
+              <a:r>
+                <a:rPr lang="en-US" sz="3600" dirty="0" smtClean="0"/>
+                <a:t>All of our data was obtained from the Kaggle.com challenge “Don’t Get Kicked” hosted by Carvana. </a:t>
+              </a:r>
+              <a:r>
+                <a:rPr lang="en-US" sz="3600" dirty="0" smtClean="0"/>
+                <a:t>Our data had the following characteristics:</a:t>
+              </a:r>
+            </a:p>
+            <a:p>
+              <a:pPr algn="just"/>
+              <a:endParaRPr lang="en-US" sz="3600" dirty="0" smtClean="0"/>
+            </a:p>
+            <a:p>
+              <a:pPr marL="742950" indent="-742950">
+                <a:buAutoNum type="arabicParenR"/>
+              </a:pPr>
+              <a:r>
+                <a:rPr lang="en-US" sz="3600" dirty="0" smtClean="0"/>
+                <a:t>Contained  32 features and 73041 samples</a:t>
+              </a:r>
+            </a:p>
+            <a:p>
+              <a:pPr marL="742950" indent="-742950">
+                <a:buAutoNum type="arabicParenR"/>
+              </a:pPr>
+              <a:r>
+                <a:rPr lang="en-US" sz="3600" dirty="0" smtClean="0"/>
+                <a:t>Contained binary, nominal, and numeric data</a:t>
+              </a:r>
+            </a:p>
+            <a:p>
+              <a:pPr marL="742950" indent="-742950">
+                <a:buAutoNum type="arabicParenR"/>
+              </a:pPr>
+              <a:r>
+                <a:rPr lang="en-US" sz="3600" dirty="0" smtClean="0"/>
+                <a:t>Was heavily skewed towards good cars, which represented 87.7% of our training data</a:t>
+              </a:r>
+            </a:p>
+            <a:p>
+              <a:endParaRPr lang="en-US" sz="3600" dirty="0" smtClean="0"/>
+            </a:p>
+            <a:p>
+              <a:r>
+                <a:rPr lang="en-US" sz="3600" b="1" dirty="0" smtClean="0"/>
+                <a:t>Preprocessing</a:t>
+              </a:r>
+              <a:endParaRPr lang="en-US" sz="3600" dirty="0"/>
+            </a:p>
+            <a:p>
+              <a:pPr algn="just"/>
+              <a:r>
+                <a:rPr lang="en-US" sz="3600" dirty="0" smtClean="0"/>
+                <a:t>The steps we took to preprocess out data changed throughout the project and were as follows:</a:t>
+              </a:r>
+            </a:p>
+            <a:p>
+              <a:pPr algn="just"/>
+              <a:endParaRPr lang="en-US" sz="3600" dirty="0" smtClean="0"/>
+            </a:p>
+            <a:p>
+              <a:pPr marL="742950" indent="-742950" algn="just">
+                <a:buAutoNum type="arabicParenR"/>
+              </a:pPr>
+              <a:r>
+                <a:rPr lang="en-US" sz="3600" dirty="0" smtClean="0"/>
+                <a:t>Converting nominal data to numeric and filling in missing data fields</a:t>
+              </a:r>
+            </a:p>
+            <a:p>
+              <a:pPr marL="742950" indent="-742950" algn="just">
+                <a:buAutoNum type="arabicParenR"/>
+              </a:pPr>
+              <a:r>
+                <a:rPr lang="en-US" sz="3600" dirty="0" smtClean="0"/>
+                <a:t>Normalizing numeric data from 0 to 1</a:t>
+              </a:r>
+            </a:p>
+            <a:p>
+              <a:pPr marL="742950" indent="-742950" algn="just">
+                <a:buAutoNum type="arabicParenR"/>
+              </a:pPr>
+              <a:r>
+                <a:rPr lang="en-US" sz="3600" dirty="0" smtClean="0"/>
+                <a:t>Balancing the data</a:t>
+              </a:r>
+            </a:p>
+            <a:p>
+              <a:endParaRPr lang="en-US" sz="3600" b="1" dirty="0"/>
+            </a:p>
+            <a:p>
+              <a:r>
+                <a:rPr lang="en-US" sz="3600" b="1" dirty="0" smtClean="0"/>
+                <a:t>Early Data Visualization</a:t>
+              </a:r>
+            </a:p>
+            <a:p>
+              <a:endParaRPr lang="en-US" sz="3600" b="1" dirty="0" smtClean="0"/>
+            </a:p>
+            <a:p>
+              <a:endParaRPr lang="en-US" sz="3600" b="1" dirty="0"/>
+            </a:p>
+            <a:p>
+              <a:endParaRPr lang="en-US" sz="3600" b="1" dirty="0" smtClean="0"/>
+            </a:p>
+            <a:p>
+              <a:endParaRPr lang="en-US" sz="3600" b="1" dirty="0"/>
+            </a:p>
+            <a:p>
+              <a:endParaRPr lang="en-US" sz="3600" b="1" dirty="0" smtClean="0"/>
+            </a:p>
+            <a:p>
+              <a:endParaRPr lang="en-US" sz="3600" b="1" dirty="0"/>
+            </a:p>
+            <a:p>
+              <a:endParaRPr lang="en-US" sz="3600" b="1" dirty="0"/>
             </a:p>
           </p:txBody>
         </p:sp>
@@ -3998,8 +4124,8 @@
           </p:nvSpPr>
           <p:spPr>
             <a:xfrm>
-              <a:off x="812618" y="2063115"/>
-              <a:ext cx="7772400" cy="731520"/>
+              <a:off x="812619" y="2130370"/>
+              <a:ext cx="7772400" cy="597010"/>
             </a:xfrm>
             <a:custGeom>
               <a:avLst/>
@@ -4076,7 +4202,7 @@
             </a:bodyPr>
             <a:lstStyle/>
             <a:p>
-              <a:pPr lvl="0" algn="ctr" defTabSz="2133600">
+              <a:pPr algn="ctr" defTabSz="2987040">
                 <a:lnSpc>
                   <a:spcPct val="90000"/>
                 </a:lnSpc>
@@ -4088,13 +4214,13 @@
                 </a:spcAft>
               </a:pPr>
               <a:r>
-                <a:rPr lang="en-US" sz="3600" kern="1200" dirty="0" smtClean="0">
+                <a:rPr lang="en-US" sz="5000" dirty="0">
                   <a:latin typeface="Times New Roman" pitchFamily="18" charset="0"/>
                   <a:cs typeface="Times New Roman" pitchFamily="18" charset="0"/>
                 </a:rPr>
                 <a:t>Data Preprocessing/Visualization</a:t>
               </a:r>
-              <a:endParaRPr lang="en-US" sz="3600" kern="1200" dirty="0">
+              <a:endParaRPr lang="en-US" sz="5000" dirty="0">
                 <a:latin typeface="Times New Roman" pitchFamily="18" charset="0"/>
                 <a:cs typeface="Times New Roman" pitchFamily="18" charset="0"/>
               </a:endParaRPr>
@@ -4110,10 +4236,10 @@
         </p:nvGrpSpPr>
         <p:grpSpPr>
           <a:xfrm>
-            <a:off x="9429750" y="2063115"/>
-            <a:ext cx="8572500" cy="6145394"/>
+            <a:off x="12573000" y="3094673"/>
+            <a:ext cx="11430000" cy="10773727"/>
             <a:chOff x="9429750" y="2063115"/>
-            <a:chExt cx="8572500" cy="6145394"/>
+            <a:chExt cx="8572500" cy="5383824"/>
           </a:xfrm>
         </p:grpSpPr>
         <p:sp>
@@ -4124,8 +4250,8 @@
           </p:nvSpPr>
           <p:spPr>
             <a:xfrm>
-              <a:off x="9429750" y="2422072"/>
-              <a:ext cx="8572500" cy="5786437"/>
+              <a:off x="9429750" y="2308238"/>
+              <a:ext cx="8572500" cy="5138701"/>
             </a:xfrm>
             <a:prstGeom prst="rect">
               <a:avLst/>
@@ -4147,11 +4273,150 @@
             </a:fontRef>
           </p:style>
           <p:txBody>
-            <a:bodyPr lIns="63496" tIns="31748" rIns="63496" bIns="31748" spcCol="0" rtlCol="0" anchor="ctr"/>
+            <a:bodyPr lIns="457200" tIns="365760" rIns="457200" bIns="0" spcCol="0" rtlCol="0" anchor="ctr"/>
             <a:lstStyle/>
             <a:p>
-              <a:pPr algn="ctr"/>
-              <a:endParaRPr lang="en-US"/>
+              <a:pPr algn="just"/>
+              <a:r>
+                <a:rPr lang="en-US" sz="3600" b="1" dirty="0" smtClean="0"/>
+                <a:t>MATLAB</a:t>
+              </a:r>
+              <a:endParaRPr lang="en-US" sz="3600" dirty="0"/>
+            </a:p>
+            <a:p>
+              <a:pPr algn="just"/>
+              <a:r>
+                <a:rPr lang="en-US" sz="3600" dirty="0" smtClean="0"/>
+                <a:t>Our initial attempts to analyze the data occurred primarily in MATLAB. Because the data was categorized into two labels, good or bad car purchases, we used </a:t>
+              </a:r>
+              <a:r>
+                <a:rPr lang="en-US" sz="3600" u="sng" dirty="0" smtClean="0"/>
+                <a:t>logistic regression</a:t>
+              </a:r>
+              <a:r>
+                <a:rPr lang="en-US" sz="3600" dirty="0" smtClean="0"/>
+                <a:t> and </a:t>
+              </a:r>
+              <a:r>
+                <a:rPr lang="en-US" sz="3600" u="sng" dirty="0" smtClean="0"/>
+                <a:t>libLINEAR</a:t>
+              </a:r>
+              <a:r>
+                <a:rPr lang="en-US" sz="3600" u="sng" baseline="30000" dirty="0" smtClean="0"/>
+                <a:t>1</a:t>
+              </a:r>
+              <a:r>
+                <a:rPr lang="en-US" sz="3600" u="sng" dirty="0" smtClean="0"/>
+                <a:t> v.1.92</a:t>
+              </a:r>
+              <a:r>
+                <a:rPr lang="en-US" sz="3600" dirty="0" smtClean="0"/>
+                <a:t>. Initial attempts at classification went poorly due to heavy overlap between our good and bad training sets</a:t>
+              </a:r>
+              <a:r>
+                <a:rPr lang="en-US" sz="3600" baseline="30000" dirty="0" smtClean="0"/>
+                <a:t>3</a:t>
+              </a:r>
+              <a:r>
+                <a:rPr lang="en-US" sz="3600" dirty="0" smtClean="0"/>
+                <a:t>. We decided to follow a different approach based on the concept of </a:t>
+              </a:r>
+              <a:r>
+                <a:rPr lang="en-US" sz="3600" u="sng" dirty="0" smtClean="0"/>
+                <a:t>boosting</a:t>
+              </a:r>
+              <a:r>
+                <a:rPr lang="en-US" sz="3600" dirty="0" smtClean="0"/>
+                <a:t>, which combines various weak classifiers to create a strong classifier</a:t>
+              </a:r>
+              <a:r>
+                <a:rPr lang="en-US" sz="3600" baseline="30000" dirty="0" smtClean="0"/>
+                <a:t>4</a:t>
+              </a:r>
+              <a:r>
+                <a:rPr lang="en-US" sz="3600" dirty="0" smtClean="0"/>
+                <a:t>.</a:t>
+              </a:r>
+            </a:p>
+            <a:p>
+              <a:pPr algn="just"/>
+              <a:endParaRPr lang="en-US" sz="3600" dirty="0" smtClean="0"/>
+            </a:p>
+            <a:p>
+              <a:pPr algn="just"/>
+              <a:r>
+                <a:rPr lang="en-US" sz="3600" b="1" dirty="0" err="1" smtClean="0"/>
+                <a:t>Weka</a:t>
+              </a:r>
+              <a:endParaRPr lang="en-US" sz="3600" dirty="0" smtClean="0"/>
+            </a:p>
+            <a:p>
+              <a:pPr algn="just"/>
+              <a:r>
+                <a:rPr lang="en-US" sz="3600" dirty="0" smtClean="0"/>
+                <a:t>To use boosting algorithms, we used the software package called Weka</a:t>
+              </a:r>
+              <a:r>
+                <a:rPr lang="en-US" sz="3600" baseline="30000" dirty="0" smtClean="0"/>
+                <a:t>2</a:t>
+              </a:r>
+              <a:r>
+                <a:rPr lang="en-US" sz="3600" dirty="0" smtClean="0"/>
+                <a:t> v. 3.7.7. Using </a:t>
+              </a:r>
+              <a:r>
+                <a:rPr lang="en-US" sz="3600" dirty="0" err="1" smtClean="0"/>
+                <a:t>Weka</a:t>
+              </a:r>
+              <a:r>
+                <a:rPr lang="en-US" sz="3600" dirty="0" smtClean="0"/>
+                <a:t>, we could apply </a:t>
+              </a:r>
+              <a:r>
+                <a:rPr lang="en-US" sz="3600" u="sng" dirty="0" err="1" smtClean="0"/>
+                <a:t>libLINEAR</a:t>
+              </a:r>
+              <a:r>
+                <a:rPr lang="en-US" sz="3600" dirty="0" smtClean="0"/>
+                <a:t> and </a:t>
+              </a:r>
+              <a:r>
+                <a:rPr lang="en-US" sz="3600" u="sng" dirty="0" smtClean="0"/>
+                <a:t>naïve </a:t>
+              </a:r>
+              <a:r>
+                <a:rPr lang="en-US" sz="3600" u="sng" dirty="0" err="1" smtClean="0"/>
+                <a:t>bayes</a:t>
+              </a:r>
+              <a:r>
+                <a:rPr lang="en-US" sz="3600" dirty="0" smtClean="0"/>
+                <a:t> along with boosting algorithms such as </a:t>
+              </a:r>
+              <a:r>
+                <a:rPr lang="en-US" sz="3600" u="sng" dirty="0" smtClean="0"/>
+                <a:t>adaBoostM1</a:t>
+              </a:r>
+              <a:r>
+                <a:rPr lang="en-US" sz="3600" dirty="0" smtClean="0"/>
+                <a:t>, </a:t>
+              </a:r>
+              <a:r>
+                <a:rPr lang="en-US" sz="3600" u="sng" dirty="0" err="1" smtClean="0"/>
+                <a:t>logitBoost</a:t>
+              </a:r>
+              <a:r>
+                <a:rPr lang="en-US" sz="3600" dirty="0" smtClean="0"/>
+                <a:t>, and </a:t>
+              </a:r>
+              <a:r>
+                <a:rPr lang="en-US" sz="3600" u="sng" dirty="0" smtClean="0"/>
+                <a:t>ensemble selection</a:t>
+              </a:r>
+              <a:r>
+                <a:rPr lang="en-US" sz="3600" dirty="0" smtClean="0"/>
+                <a:t>.</a:t>
+              </a:r>
+              <a:endParaRPr lang="en-US" sz="3600" u="sng" dirty="0"/>
             </a:p>
           </p:txBody>
         </p:sp>
@@ -4164,7 +4429,7 @@
           <p:spPr>
             <a:xfrm>
               <a:off x="9829800" y="2063115"/>
-              <a:ext cx="7772400" cy="731520"/>
+              <a:ext cx="7772400" cy="490237"/>
             </a:xfrm>
             <a:custGeom>
               <a:avLst/>
@@ -4241,7 +4506,7 @@
             </a:bodyPr>
             <a:lstStyle/>
             <a:p>
-              <a:pPr lvl="0" algn="ctr" defTabSz="2133600">
+              <a:pPr algn="ctr" defTabSz="2987040">
                 <a:lnSpc>
                   <a:spcPct val="90000"/>
                 </a:lnSpc>
@@ -4253,13 +4518,13 @@
                 </a:spcAft>
               </a:pPr>
               <a:r>
-                <a:rPr lang="en-US" sz="3600" dirty="0" smtClean="0">
+                <a:rPr lang="en-US" sz="5000" dirty="0">
                   <a:latin typeface="Times New Roman" pitchFamily="18" charset="0"/>
                   <a:cs typeface="Times New Roman" pitchFamily="18" charset="0"/>
                 </a:rPr>
                 <a:t>Algorithm Selection</a:t>
               </a:r>
-              <a:endParaRPr lang="en-US" sz="3600" kern="1200" dirty="0">
+              <a:endParaRPr lang="en-US" sz="5000" dirty="0">
                 <a:latin typeface="Times New Roman" pitchFamily="18" charset="0"/>
                 <a:cs typeface="Times New Roman" pitchFamily="18" charset="0"/>
               </a:endParaRPr>
@@ -4275,10 +4540,10 @@
         </p:nvGrpSpPr>
         <p:grpSpPr>
           <a:xfrm>
-            <a:off x="9429750" y="8572500"/>
-            <a:ext cx="8572500" cy="9105900"/>
-            <a:chOff x="9429750" y="8686800"/>
-            <a:chExt cx="8572500" cy="9105900"/>
+            <a:off x="12573000" y="14092154"/>
+            <a:ext cx="11430000" cy="12425448"/>
+            <a:chOff x="9429750" y="8652358"/>
+            <a:chExt cx="8572500" cy="9140342"/>
           </a:xfrm>
         </p:grpSpPr>
         <p:sp>
@@ -4328,8 +4593,8 @@
           </p:nvSpPr>
           <p:spPr>
             <a:xfrm>
-              <a:off x="9829800" y="8686800"/>
-              <a:ext cx="7772400" cy="731520"/>
+              <a:off x="9829800" y="8652358"/>
+              <a:ext cx="7772400" cy="786797"/>
             </a:xfrm>
             <a:custGeom>
               <a:avLst/>
@@ -4406,7 +4671,7 @@
             </a:bodyPr>
             <a:lstStyle/>
             <a:p>
-              <a:pPr lvl="0" algn="ctr" defTabSz="2133600">
+              <a:pPr algn="ctr" defTabSz="2987040">
                 <a:lnSpc>
                   <a:spcPct val="90000"/>
                 </a:lnSpc>
@@ -4418,13 +4683,13 @@
                 </a:spcAft>
               </a:pPr>
               <a:r>
-                <a:rPr lang="en-US" sz="3600" dirty="0" smtClean="0">
+                <a:rPr lang="en-US" sz="5000" dirty="0">
                   <a:latin typeface="Times New Roman" pitchFamily="18" charset="0"/>
                   <a:cs typeface="Times New Roman" pitchFamily="18" charset="0"/>
                 </a:rPr>
                 <a:t>Performance Evaluation</a:t>
               </a:r>
-              <a:endParaRPr lang="en-US" sz="3600" kern="1200" dirty="0">
+              <a:endParaRPr lang="en-US" sz="5000" dirty="0">
                 <a:latin typeface="Times New Roman" pitchFamily="18" charset="0"/>
                 <a:cs typeface="Times New Roman" pitchFamily="18" charset="0"/>
               </a:endParaRPr>
@@ -4440,10 +4705,10 @@
         </p:nvGrpSpPr>
         <p:grpSpPr>
           <a:xfrm>
-            <a:off x="18459450" y="2063115"/>
-            <a:ext cx="8572500" cy="11424286"/>
+            <a:off x="24612600" y="3094673"/>
+            <a:ext cx="11430000" cy="13288326"/>
             <a:chOff x="18459450" y="2063115"/>
-            <a:chExt cx="8572500" cy="11424286"/>
+            <a:chExt cx="8572500" cy="11805316"/>
           </a:xfrm>
         </p:grpSpPr>
         <p:sp>
@@ -4454,8 +4719,8 @@
           </p:nvSpPr>
           <p:spPr>
             <a:xfrm>
-              <a:off x="18459450" y="2415269"/>
-              <a:ext cx="8572500" cy="11072132"/>
+              <a:off x="18459450" y="2390124"/>
+              <a:ext cx="8572500" cy="11478307"/>
             </a:xfrm>
             <a:prstGeom prst="rect">
               <a:avLst/>
@@ -4503,7 +4768,7 @@
             <a:lstStyle/>
             <a:p>
               <a:pPr algn="ctr"/>
-              <a:endParaRPr lang="en-US"/>
+              <a:endParaRPr lang="en-US" sz="3600" dirty="0"/>
             </a:p>
           </p:txBody>
         </p:sp>
@@ -4515,8 +4780,8 @@
           </p:nvSpPr>
           <p:spPr>
             <a:xfrm>
-              <a:off x="18859500" y="2063115"/>
-              <a:ext cx="7772400" cy="731520"/>
+              <a:off x="18852356" y="2063115"/>
+              <a:ext cx="7772400" cy="654018"/>
             </a:xfrm>
             <a:custGeom>
               <a:avLst/>
@@ -4593,7 +4858,7 @@
             </a:bodyPr>
             <a:lstStyle/>
             <a:p>
-              <a:pPr lvl="0" algn="ctr" defTabSz="2133600">
+              <a:pPr algn="ctr" defTabSz="2987040">
                 <a:lnSpc>
                   <a:spcPct val="90000"/>
                 </a:lnSpc>
@@ -4605,13 +4870,13 @@
                 </a:spcAft>
               </a:pPr>
               <a:r>
-                <a:rPr lang="en-US" sz="3600" dirty="0" smtClean="0">
+                <a:rPr lang="en-US" sz="5000" dirty="0">
                   <a:latin typeface="Times New Roman" pitchFamily="18" charset="0"/>
                   <a:cs typeface="Times New Roman" pitchFamily="18" charset="0"/>
                 </a:rPr>
                 <a:t>Discussion</a:t>
               </a:r>
-              <a:endParaRPr lang="en-US" sz="3600" kern="1200" dirty="0">
+              <a:endParaRPr lang="en-US" sz="5000" dirty="0">
                 <a:latin typeface="Times New Roman" pitchFamily="18" charset="0"/>
                 <a:cs typeface="Times New Roman" pitchFamily="18" charset="0"/>
               </a:endParaRPr>
@@ -4627,10 +4892,10 @@
         </p:nvGrpSpPr>
         <p:grpSpPr>
           <a:xfrm>
-            <a:off x="18459450" y="13792201"/>
-            <a:ext cx="8572500" cy="3886200"/>
-            <a:chOff x="412568" y="2063115"/>
-            <a:chExt cx="8572500" cy="4794885"/>
+            <a:off x="24612600" y="16659225"/>
+            <a:ext cx="11430000" cy="4143375"/>
+            <a:chOff x="412568" y="1967675"/>
+            <a:chExt cx="8572500" cy="3408129"/>
           </a:xfrm>
         </p:grpSpPr>
         <p:sp>
@@ -4642,7 +4907,7 @@
           <p:spPr>
             <a:xfrm>
               <a:off x="412568" y="2428875"/>
-              <a:ext cx="8572500" cy="4429125"/>
+              <a:ext cx="8572500" cy="2946929"/>
             </a:xfrm>
             <a:prstGeom prst="rect">
               <a:avLst/>
@@ -4664,11 +4929,23 @@
             </a:fontRef>
           </p:style>
           <p:txBody>
-            <a:bodyPr lIns="63496" tIns="31748" rIns="63496" bIns="31748" spcCol="0" rtlCol="0" anchor="ctr"/>
+            <a:bodyPr lIns="457200" tIns="365760" rIns="457200" bIns="0" spcCol="0" rtlCol="0" anchor="ctr"/>
             <a:lstStyle/>
             <a:p>
-              <a:pPr algn="ctr"/>
-              <a:endParaRPr lang="en-US"/>
+              <a:pPr algn="just"/>
+              <a:r>
+                <a:rPr lang="en-US" sz="3600" dirty="0" smtClean="0"/>
+                <a:t>We would like to thank Andrew Ng for teaching CS 229 this quarter along with all the TA’s for their great help on our project. Without them, we would never have learned about boosting, using the AUC metric, or using </a:t>
+              </a:r>
+              <a:r>
+                <a:rPr lang="en-US" sz="3600" dirty="0" err="1" smtClean="0"/>
+                <a:t>Weka</a:t>
+              </a:r>
+              <a:r>
+                <a:rPr lang="en-US" sz="3600" dirty="0" smtClean="0"/>
+                <a:t>, which all helped greatly.</a:t>
+              </a:r>
+              <a:endParaRPr lang="en-US" sz="3600" dirty="0"/>
             </a:p>
           </p:txBody>
         </p:sp>
@@ -4680,8 +4957,8 @@
           </p:nvSpPr>
           <p:spPr>
             <a:xfrm>
-              <a:off x="812618" y="2063115"/>
-              <a:ext cx="7772400" cy="731520"/>
+              <a:off x="812618" y="1967675"/>
+              <a:ext cx="7772400" cy="879780"/>
             </a:xfrm>
             <a:custGeom>
               <a:avLst/>
@@ -4758,7 +5035,7 @@
             </a:bodyPr>
             <a:lstStyle/>
             <a:p>
-              <a:pPr lvl="0" algn="ctr" defTabSz="2133600">
+              <a:pPr algn="ctr" defTabSz="2987040">
                 <a:lnSpc>
                   <a:spcPct val="90000"/>
                 </a:lnSpc>
@@ -4770,13 +5047,404 @@
                 </a:spcAft>
               </a:pPr>
               <a:r>
-                <a:rPr lang="en-US" sz="3600" kern="1200" dirty="0" smtClean="0">
+                <a:rPr lang="en-US" sz="5000" dirty="0">
                   <a:latin typeface="Times New Roman" pitchFamily="18" charset="0"/>
                   <a:cs typeface="Times New Roman" pitchFamily="18" charset="0"/>
                 </a:rPr>
                 <a:t>Acknowledgement</a:t>
               </a:r>
-              <a:endParaRPr lang="en-US" sz="3600" kern="1200" dirty="0">
+              <a:endParaRPr lang="en-US" sz="5000" dirty="0">
+                <a:latin typeface="Times New Roman" pitchFamily="18" charset="0"/>
+                <a:cs typeface="Times New Roman" pitchFamily="18" charset="0"/>
+              </a:endParaRPr>
+            </a:p>
+          </p:txBody>
+        </p:sp>
+      </p:grpSp>
+      <p:pic>
+        <p:nvPicPr>
+          <p:cNvPr id="1027" name="Picture 3"/>
+          <p:cNvPicPr>
+            <a:picLocks noChangeAspect="1" noChangeArrowheads="1"/>
+          </p:cNvPicPr>
+          <p:nvPr/>
+        </p:nvPicPr>
+        <p:blipFill>
+          <a:blip r:embed="rId5" cstate="print">
+            <a:extLst>
+              <a:ext uri="{28A0092B-C50C-407E-A947-70E740481C1C}">
+                <a14:useLocalDpi xmlns:a14="http://schemas.microsoft.com/office/drawing/2010/main" val="0"/>
+              </a:ext>
+            </a:extLst>
+          </a:blip>
+          <a:srcRect/>
+          <a:stretch>
+            <a:fillRect/>
+          </a:stretch>
+        </p:blipFill>
+        <p:spPr bwMode="auto">
+          <a:xfrm>
+            <a:off x="1083492" y="21846268"/>
+            <a:ext cx="5926908" cy="4445181"/>
+          </a:xfrm>
+          <a:prstGeom prst="rect">
+            <a:avLst/>
+          </a:prstGeom>
+          <a:noFill/>
+          <a:ln>
+            <a:noFill/>
+          </a:ln>
+          <a:effectLst/>
+          <a:extLst>
+            <a:ext uri="{909E8E84-426E-40DD-AFC4-6F175D3DCCD1}">
+              <a14:hiddenFill xmlns:a14="http://schemas.microsoft.com/office/drawing/2010/main">
+                <a:solidFill>
+                  <a:schemeClr val="accent1"/>
+                </a:solidFill>
+              </a14:hiddenFill>
+            </a:ext>
+            <a:ext uri="{91240B29-F687-4F45-9708-019B960494DF}">
+              <a14:hiddenLine xmlns:a14="http://schemas.microsoft.com/office/drawing/2010/main" w="9525">
+                <a:solidFill>
+                  <a:schemeClr val="tx1"/>
+                </a:solidFill>
+                <a:miter lim="800000"/>
+                <a:headEnd/>
+                <a:tailEnd/>
+              </a14:hiddenLine>
+            </a:ext>
+            <a:ext uri="{AF507438-7753-43E0-B8FC-AC1667EBCBE1}">
+              <a14:hiddenEffects xmlns:a14="http://schemas.microsoft.com/office/drawing/2010/main">
+                <a:effectLst>
+                  <a:outerShdw dist="35921" dir="2700000" algn="ctr" rotWithShape="0">
+                    <a:schemeClr val="bg2"/>
+                  </a:outerShdw>
+                </a:effectLst>
+              </a14:hiddenEffects>
+            </a:ext>
+          </a:extLst>
+        </p:spPr>
+      </p:pic>
+      <p:grpSp>
+        <p:nvGrpSpPr>
+          <p:cNvPr id="30" name="Group 29"/>
+          <p:cNvGrpSpPr/>
+          <p:nvPr/>
+        </p:nvGrpSpPr>
+        <p:grpSpPr>
+          <a:xfrm>
+            <a:off x="24612600" y="21097874"/>
+            <a:ext cx="11430000" cy="5419726"/>
+            <a:chOff x="412568" y="1967675"/>
+            <a:chExt cx="8572500" cy="4457990"/>
+          </a:xfrm>
+        </p:grpSpPr>
+        <p:sp>
+          <p:nvSpPr>
+            <p:cNvPr id="31" name="Rectangle 30"/>
+            <p:cNvSpPr/>
+            <p:nvPr/>
+          </p:nvSpPr>
+          <p:spPr>
+            <a:xfrm>
+              <a:off x="412568" y="2428875"/>
+              <a:ext cx="8572500" cy="3996790"/>
+            </a:xfrm>
+            <a:prstGeom prst="rect">
+              <a:avLst/>
+            </a:prstGeom>
+            <a:ln/>
+          </p:spPr>
+          <p:style>
+            <a:lnRef idx="1">
+              <a:schemeClr val="dk1"/>
+            </a:lnRef>
+            <a:fillRef idx="2">
+              <a:schemeClr val="dk1"/>
+            </a:fillRef>
+            <a:effectRef idx="1">
+              <a:schemeClr val="dk1"/>
+            </a:effectRef>
+            <a:fontRef idx="minor">
+              <a:schemeClr val="dk1"/>
+            </a:fontRef>
+          </p:style>
+          <p:txBody>
+            <a:bodyPr lIns="457200" tIns="365760" rIns="457200" bIns="31748" spcCol="0" rtlCol="0" anchor="ctr"/>
+            <a:lstStyle/>
+            <a:p>
+              <a:r>
+                <a:rPr lang="en-US" sz="2800" b="1" dirty="0" smtClean="0"/>
+                <a:t>[1] </a:t>
+              </a:r>
+              <a:r>
+                <a:rPr lang="en-US" sz="2800" dirty="0" smtClean="0"/>
+                <a:t>R</a:t>
+              </a:r>
+              <a:r>
+                <a:rPr lang="en-US" sz="2800" dirty="0"/>
+                <a:t>.-E. </a:t>
+              </a:r>
+              <a:r>
+                <a:rPr lang="en-US" sz="2800" dirty="0" smtClean="0"/>
+                <a:t>Fan, </a:t>
+              </a:r>
+              <a:r>
+                <a:rPr lang="en-US" sz="2800" i="1" dirty="0" smtClean="0"/>
+                <a:t>et al</a:t>
+              </a:r>
+              <a:r>
+                <a:rPr lang="en-US" sz="2800" dirty="0" smtClean="0"/>
+                <a:t>. </a:t>
+              </a:r>
+              <a:r>
+                <a:rPr lang="en-US" sz="2800" dirty="0"/>
+                <a:t>LIBLINEAR: A Library for Large Linear Classification, Journal of Machine Learning Research 9(2008), 1871-1874. Software available at </a:t>
+              </a:r>
+              <a:r>
+                <a:rPr lang="en-US" sz="2800" dirty="0">
+                  <a:hlinkClick r:id="rId6"/>
+                </a:rPr>
+                <a:t>http://www.csie.ntu.edu.tw/~</a:t>
+              </a:r>
+              <a:r>
+                <a:rPr lang="en-US" sz="2800" dirty="0" smtClean="0">
+                  <a:hlinkClick r:id="rId6"/>
+                </a:rPr>
+                <a:t>cjlin/liblinear</a:t>
+              </a:r>
+              <a:endParaRPr lang="en-US" sz="2800" dirty="0"/>
+            </a:p>
+            <a:p>
+              <a:r>
+                <a:rPr lang="en-US" sz="2800" b="1" dirty="0" smtClean="0"/>
+                <a:t>[2] </a:t>
+              </a:r>
+              <a:r>
+                <a:rPr lang="en-US" sz="2800" dirty="0" smtClean="0"/>
+                <a:t>Mark </a:t>
+              </a:r>
+              <a:r>
+                <a:rPr lang="en-US" sz="2800" dirty="0"/>
+                <a:t>Hall, </a:t>
+              </a:r>
+              <a:r>
+                <a:rPr lang="en-US" sz="2800" i="1" dirty="0" smtClean="0"/>
+                <a:t>et al</a:t>
+              </a:r>
+              <a:r>
+                <a:rPr lang="en-US" sz="2800" dirty="0" smtClean="0"/>
+                <a:t>. (2009</a:t>
+              </a:r>
+              <a:r>
+                <a:rPr lang="en-US" sz="2800" dirty="0"/>
+                <a:t>); The WEKA Data Mining Software: An Update; SIGKDD Explorations, Volume 11, Issue 1</a:t>
+              </a:r>
+              <a:r>
+                <a:rPr lang="en-US" sz="2800" dirty="0" smtClean="0"/>
+                <a:t>.</a:t>
+              </a:r>
+            </a:p>
+            <a:p>
+              <a:r>
+                <a:rPr lang="en-US" sz="2800" b="1" dirty="0" smtClean="0"/>
+                <a:t>[3] </a:t>
+              </a:r>
+              <a:r>
+                <a:rPr lang="en-US" sz="2800" dirty="0" err="1"/>
+                <a:t>Xiong</a:t>
+              </a:r>
+              <a:r>
+                <a:rPr lang="en-US" sz="2800" dirty="0"/>
+                <a:t>, </a:t>
+              </a:r>
+              <a:r>
+                <a:rPr lang="en-US" sz="2800" dirty="0" err="1"/>
+                <a:t>Haitao</a:t>
+              </a:r>
+              <a:r>
+                <a:rPr lang="en-US" sz="2800" dirty="0"/>
+                <a:t>, </a:t>
+              </a:r>
+              <a:r>
+                <a:rPr lang="en-US" sz="2800" dirty="0" err="1" smtClean="0"/>
+                <a:t>Junjie</a:t>
+              </a:r>
+              <a:r>
+                <a:rPr lang="en-US" sz="2800" dirty="0" smtClean="0"/>
+                <a:t> Wu, and Lu Liu. "</a:t>
+              </a:r>
+              <a:r>
+                <a:rPr lang="en-US" sz="2800" dirty="0"/>
+                <a:t>Classification with Class Overlapping: A Systematic Study</a:t>
+              </a:r>
+              <a:r>
+                <a:rPr lang="en-US" sz="2800" dirty="0" smtClean="0"/>
+                <a:t>."</a:t>
+              </a:r>
+            </a:p>
+            <a:p>
+              <a:r>
+                <a:rPr lang="en-US" sz="2800" b="1" dirty="0" smtClean="0"/>
+                <a:t>[4]</a:t>
+              </a:r>
+              <a:r>
+                <a:rPr lang="en-US" sz="2800" dirty="0" smtClean="0"/>
+                <a:t> </a:t>
+              </a:r>
+              <a:r>
+                <a:rPr lang="en-US" sz="2800" dirty="0"/>
+                <a:t>Friedman, Jerome, </a:t>
+              </a:r>
+              <a:r>
+                <a:rPr lang="en-US" sz="2800" i="1" dirty="0" smtClean="0"/>
+                <a:t>et </a:t>
+              </a:r>
+              <a:r>
+                <a:rPr lang="en-US" sz="2800" i="1" dirty="0" err="1" smtClean="0"/>
+                <a:t>al</a:t>
+              </a:r>
+              <a:r>
+                <a:rPr lang="en-US" sz="2800" dirty="0" err="1" smtClean="0"/>
+                <a:t>."Additive</a:t>
+              </a:r>
+              <a:r>
+                <a:rPr lang="en-US" sz="2800" dirty="0" smtClean="0"/>
+                <a:t> </a:t>
+              </a:r>
+              <a:r>
+                <a:rPr lang="en-US" sz="2800" dirty="0"/>
+                <a:t>logistic regression: a statistical view of </a:t>
+              </a:r>
+              <a:r>
+                <a:rPr lang="en-US" sz="2800" dirty="0" smtClean="0"/>
+                <a:t>boosting”.</a:t>
+              </a:r>
+              <a:r>
+                <a:rPr lang="en-US" sz="2800" dirty="0"/>
+                <a:t> </a:t>
+              </a:r>
+              <a:r>
+                <a:rPr lang="en-US" sz="2800" i="1" dirty="0"/>
+                <a:t>The annals of statistics</a:t>
+              </a:r>
+              <a:r>
+                <a:rPr lang="en-US" sz="2800" dirty="0"/>
+                <a:t> 28.2 (2000): 337-407</a:t>
+              </a:r>
+              <a:r>
+                <a:rPr lang="en-US" sz="2800" dirty="0" smtClean="0"/>
+                <a:t>.</a:t>
+              </a:r>
+              <a:endParaRPr lang="en-US" sz="2800" dirty="0"/>
+            </a:p>
+          </p:txBody>
+        </p:sp>
+        <p:sp>
+          <p:nvSpPr>
+            <p:cNvPr id="32" name="Freeform 31"/>
+            <p:cNvSpPr/>
+            <p:nvPr/>
+          </p:nvSpPr>
+          <p:spPr>
+            <a:xfrm>
+              <a:off x="812618" y="1967675"/>
+              <a:ext cx="7772400" cy="879780"/>
+            </a:xfrm>
+            <a:custGeom>
+              <a:avLst/>
+              <a:gdLst>
+                <a:gd name="connsiteX0" fmla="*/ 0 w 12070039"/>
+                <a:gd name="connsiteY0" fmla="*/ 0 h 1287190"/>
+                <a:gd name="connsiteX1" fmla="*/ 12070039 w 12070039"/>
+                <a:gd name="connsiteY1" fmla="*/ 0 h 1287190"/>
+                <a:gd name="connsiteX2" fmla="*/ 12070039 w 12070039"/>
+                <a:gd name="connsiteY2" fmla="*/ 1287190 h 1287190"/>
+                <a:gd name="connsiteX3" fmla="*/ 0 w 12070039"/>
+                <a:gd name="connsiteY3" fmla="*/ 1287190 h 1287190"/>
+                <a:gd name="connsiteX4" fmla="*/ 0 w 12070039"/>
+                <a:gd name="connsiteY4" fmla="*/ 0 h 1287190"/>
+              </a:gdLst>
+              <a:ahLst/>
+              <a:cxnLst>
+                <a:cxn ang="0">
+                  <a:pos x="connsiteX0" y="connsiteY0"/>
+                </a:cxn>
+                <a:cxn ang="0">
+                  <a:pos x="connsiteX1" y="connsiteY1"/>
+                </a:cxn>
+                <a:cxn ang="0">
+                  <a:pos x="connsiteX2" y="connsiteY2"/>
+                </a:cxn>
+                <a:cxn ang="0">
+                  <a:pos x="connsiteX3" y="connsiteY3"/>
+                </a:cxn>
+                <a:cxn ang="0">
+                  <a:pos x="connsiteX4" y="connsiteY4"/>
+                </a:cxn>
+              </a:cxnLst>
+              <a:rect l="l" t="t" r="r" b="b"/>
+              <a:pathLst>
+                <a:path w="12070039" h="1287190">
+                  <a:moveTo>
+                    <a:pt x="0" y="0"/>
+                  </a:moveTo>
+                  <a:lnTo>
+                    <a:pt x="12070039" y="0"/>
+                  </a:lnTo>
+                  <a:lnTo>
+                    <a:pt x="12070039" y="1287190"/>
+                  </a:lnTo>
+                  <a:lnTo>
+                    <a:pt x="0" y="1287190"/>
+                  </a:lnTo>
+                  <a:lnTo>
+                    <a:pt x="0" y="0"/>
+                  </a:lnTo>
+                  <a:close/>
+                </a:path>
+              </a:pathLst>
+            </a:custGeom>
+          </p:spPr>
+          <p:style>
+            <a:lnRef idx="0">
+              <a:schemeClr val="accent6"/>
+            </a:lnRef>
+            <a:fillRef idx="3">
+              <a:schemeClr val="accent6"/>
+            </a:fillRef>
+            <a:effectRef idx="3">
+              <a:schemeClr val="accent6"/>
+            </a:effectRef>
+            <a:fontRef idx="minor">
+              <a:schemeClr val="lt1"/>
+            </a:fontRef>
+          </p:style>
+          <p:txBody>
+            <a:bodyPr spcFirstLastPara="0" vert="horz" wrap="square" lIns="548386" tIns="0" rIns="548386" bIns="0" numCol="1" spcCol="1270" anchor="ctr" anchorCtr="0">
+              <a:noAutofit/>
+            </a:bodyPr>
+            <a:lstStyle/>
+            <a:p>
+              <a:pPr algn="ctr" defTabSz="2987040">
+                <a:lnSpc>
+                  <a:spcPct val="90000"/>
+                </a:lnSpc>
+                <a:spcBef>
+                  <a:spcPct val="0"/>
+                </a:spcBef>
+                <a:spcAft>
+                  <a:spcPct val="35000"/>
+                </a:spcAft>
+              </a:pPr>
+              <a:r>
+                <a:rPr lang="en-US" sz="5000" dirty="0" smtClean="0">
+                  <a:latin typeface="Times New Roman" pitchFamily="18" charset="0"/>
+                  <a:cs typeface="Times New Roman" pitchFamily="18" charset="0"/>
+                </a:rPr>
+                <a:t>Citations</a:t>
+              </a:r>
+              <a:endParaRPr lang="en-US" sz="5000" dirty="0">
                 <a:latin typeface="Times New Roman" pitchFamily="18" charset="0"/>
                 <a:cs typeface="Times New Roman" pitchFamily="18" charset="0"/>
               </a:endParaRPr>

--- a/Poster Session 121312.pptx
+++ b/Poster Session 121312.pptx
@@ -3665,45 +3665,8 @@
                 <a:latin typeface="Times New Roman" pitchFamily="18" charset="0"/>
                 <a:cs typeface="Times New Roman" pitchFamily="18" charset="0"/>
               </a:rPr>
-              <a:t> Alice </a:t>
-            </a:r>
-            <a:r>
-              <a:rPr lang="en-US" sz="3500" i="1" dirty="0">
-                <a:solidFill>
-                  <a:schemeClr val="tx1"/>
-                </a:solidFill>
-                <a:latin typeface="Times New Roman" pitchFamily="18" charset="0"/>
-                <a:cs typeface="Times New Roman" pitchFamily="18" charset="0"/>
-              </a:rPr>
-              <a:t>Wu – Department of Mechanical Engineering, </a:t>
-            </a:r>
-            <a:r>
-              <a:rPr lang="en-US" sz="3500" i="1" dirty="0">
-                <a:solidFill>
-                  <a:schemeClr val="tx1"/>
-                </a:solidFill>
-                <a:latin typeface="Times New Roman" pitchFamily="18" charset="0"/>
-                <a:cs typeface="Times New Roman" pitchFamily="18" charset="0"/>
-              </a:rPr>
-              <a:t>Stanford </a:t>
-            </a:r>
-            <a:r>
-              <a:rPr lang="en-US" sz="3500" i="1" dirty="0">
-                <a:solidFill>
-                  <a:schemeClr val="tx1"/>
-                </a:solidFill>
-                <a:latin typeface="Times New Roman" pitchFamily="18" charset="0"/>
-                <a:cs typeface="Times New Roman" pitchFamily="18" charset="0"/>
-              </a:rPr>
-              <a:t>University – CS229: Machine Learning</a:t>
-            </a:r>
-            <a:endParaRPr lang="en-US" sz="3500" i="1" dirty="0">
-              <a:solidFill>
-                <a:schemeClr val="tx1"/>
-              </a:solidFill>
-              <a:latin typeface="Times New Roman" pitchFamily="18" charset="0"/>
-              <a:cs typeface="Times New Roman" pitchFamily="18" charset="0"/>
-            </a:endParaRPr>
+              <a:t> Alice Wu – Department of Mechanical Engineering, Stanford University – CS229: Machine Learning</a:t>
+            </a:r>
           </a:p>
         </p:txBody>
       </p:sp>
@@ -3775,10 +3738,10 @@
         </p:nvGrpSpPr>
         <p:grpSpPr>
           <a:xfrm>
-            <a:off x="550091" y="3094673"/>
-            <a:ext cx="11430000" cy="5896926"/>
-            <a:chOff x="412568" y="2063115"/>
-            <a:chExt cx="8572500" cy="4397145"/>
+            <a:off x="550091" y="3094671"/>
+            <a:ext cx="10058400" cy="6159840"/>
+            <a:chOff x="412568" y="2063114"/>
+            <a:chExt cx="7543800" cy="4593192"/>
           </a:xfrm>
         </p:grpSpPr>
         <p:sp>
@@ -3789,8 +3752,8 @@
           </p:nvSpPr>
           <p:spPr>
             <a:xfrm>
-              <a:off x="412568" y="2428875"/>
-              <a:ext cx="8572500" cy="4031385"/>
+              <a:off x="412568" y="2428874"/>
+              <a:ext cx="7543800" cy="4227432"/>
             </a:xfrm>
             <a:prstGeom prst="rect">
               <a:avLst/>
@@ -3831,8 +3794,8 @@
           </p:nvSpPr>
           <p:spPr>
             <a:xfrm>
-              <a:off x="812618" y="2063115"/>
-              <a:ext cx="7772400" cy="731520"/>
+              <a:off x="876027" y="2063114"/>
+              <a:ext cx="6616882" cy="731520"/>
             </a:xfrm>
             <a:custGeom>
               <a:avLst/>
@@ -3927,10 +3890,6 @@
                 </a:rPr>
                 <a:t>Introduction</a:t>
               </a:r>
-              <a:endParaRPr lang="en-US" sz="5000" dirty="0">
-                <a:latin typeface="Times New Roman" pitchFamily="18" charset="0"/>
-                <a:cs typeface="Times New Roman" pitchFamily="18" charset="0"/>
-              </a:endParaRPr>
             </a:p>
           </p:txBody>
         </p:sp>
@@ -3943,10 +3902,10 @@
         </p:nvGrpSpPr>
         <p:grpSpPr>
           <a:xfrm>
-            <a:off x="550091" y="9254513"/>
-            <a:ext cx="11430000" cy="17263089"/>
+            <a:off x="550091" y="9635511"/>
+            <a:ext cx="10058400" cy="16882089"/>
             <a:chOff x="412568" y="2130370"/>
-            <a:chExt cx="8572500" cy="10366430"/>
+            <a:chExt cx="7543800" cy="10137641"/>
           </a:xfrm>
         </p:grpSpPr>
         <p:sp>
@@ -3958,7 +3917,7 @@
           <p:spPr>
             <a:xfrm>
               <a:off x="412568" y="2428875"/>
-              <a:ext cx="8572500" cy="10067925"/>
+              <a:ext cx="7543800" cy="9839136"/>
             </a:xfrm>
             <a:prstGeom prst="rect">
               <a:avLst/>
@@ -3985,7 +3944,7 @@
             <a:p>
               <a:pPr algn="just"/>
               <a:r>
-                <a:rPr lang="en-US" sz="3600" b="1" dirty="0"/>
+                <a:rPr lang="en-US" sz="3600" b="1" dirty="0" smtClean="0"/>
                 <a:t>Data </a:t>
               </a:r>
               <a:r>
@@ -4002,8 +3961,9 @@
               </a:r>
               <a:r>
                 <a:rPr lang="en-US" sz="3600" dirty="0" smtClean="0"/>
-                <a:t>Our data had the following characteristics:</a:t>
-              </a:r>
+                <a:t>It could be described as follows:</a:t>
+              </a:r>
+              <a:endParaRPr lang="en-US" sz="3600" dirty="0" smtClean="0"/>
             </a:p>
             <a:p>
               <a:pPr algn="just"/>
@@ -4050,8 +4010,13 @@
               <a:pPr algn="just"/>
               <a:r>
                 <a:rPr lang="en-US" sz="3600" dirty="0" smtClean="0"/>
-                <a:t>The steps we took to preprocess out data changed throughout the project and were as follows:</a:t>
-              </a:r>
+                <a:t>The steps we took to preprocess out data changed throughout the project </a:t>
+              </a:r>
+              <a:r>
+                <a:rPr lang="en-US" sz="3600" dirty="0" smtClean="0"/>
+                <a:t>as follows:</a:t>
+              </a:r>
+              <a:endParaRPr lang="en-US" sz="3600" dirty="0" smtClean="0"/>
             </a:p>
             <a:p>
               <a:pPr algn="just"/>
@@ -4125,7 +4090,7 @@
           <p:spPr>
             <a:xfrm>
               <a:off x="812619" y="2130370"/>
-              <a:ext cx="7772400" cy="597010"/>
+              <a:ext cx="6680290" cy="597010"/>
             </a:xfrm>
             <a:custGeom>
               <a:avLst/>
@@ -4214,16 +4179,12 @@
                 </a:spcAft>
               </a:pPr>
               <a:r>
-                <a:rPr lang="en-US" sz="5000" dirty="0">
+                <a:rPr lang="en-US" sz="4400" dirty="0">
                   <a:latin typeface="Times New Roman" pitchFamily="18" charset="0"/>
                   <a:cs typeface="Times New Roman" pitchFamily="18" charset="0"/>
                 </a:rPr>
                 <a:t>Data Preprocessing/Visualization</a:t>
               </a:r>
-              <a:endParaRPr lang="en-US" sz="5000" dirty="0">
-                <a:latin typeface="Times New Roman" pitchFamily="18" charset="0"/>
-                <a:cs typeface="Times New Roman" pitchFamily="18" charset="0"/>
-              </a:endParaRPr>
             </a:p>
           </p:txBody>
         </p:sp>
@@ -4236,10 +4197,10 @@
         </p:nvGrpSpPr>
         <p:grpSpPr>
           <a:xfrm>
-            <a:off x="12573000" y="3094673"/>
-            <a:ext cx="11430000" cy="10773727"/>
-            <a:chOff x="9429750" y="2063115"/>
-            <a:chExt cx="8572500" cy="5383824"/>
+            <a:off x="11049000" y="3094673"/>
+            <a:ext cx="14478000" cy="9097327"/>
+            <a:chOff x="8286750" y="2063115"/>
+            <a:chExt cx="10858500" cy="4546097"/>
           </a:xfrm>
         </p:grpSpPr>
         <p:sp>
@@ -4250,8 +4211,8 @@
           </p:nvSpPr>
           <p:spPr>
             <a:xfrm>
-              <a:off x="9429750" y="2308238"/>
-              <a:ext cx="8572500" cy="5138701"/>
+              <a:off x="8286750" y="2308238"/>
+              <a:ext cx="10858500" cy="4300974"/>
             </a:xfrm>
             <a:prstGeom prst="rect">
               <a:avLst/>
@@ -4311,15 +4272,15 @@
               </a:r>
               <a:r>
                 <a:rPr lang="en-US" sz="3600" dirty="0" smtClean="0"/>
-                <a:t>. Initial attempts at classification went poorly due to heavy overlap between our good and bad training sets</a:t>
-              </a:r>
-              <a:r>
-                <a:rPr lang="en-US" sz="3600" baseline="30000" dirty="0" smtClean="0"/>
-                <a:t>3</a:t>
+                <a:t>. Initial attempts at classification went poorly due to heavy overlap between our good and bad training </a:t>
               </a:r>
               <a:r>
                 <a:rPr lang="en-US" sz="3600" dirty="0" smtClean="0"/>
-                <a:t>. We decided to follow a different approach based on the concept of </a:t>
+                <a:t>sets. </a:t>
+              </a:r>
+              <a:r>
+                <a:rPr lang="en-US" sz="3600" dirty="0" smtClean="0"/>
+                <a:t>We decided to follow a different approach based on the concept of </a:t>
               </a:r>
               <a:r>
                 <a:rPr lang="en-US" sz="3600" u="sng" dirty="0" smtClean="0"/>
@@ -4327,16 +4288,21 @@
               </a:r>
               <a:r>
                 <a:rPr lang="en-US" sz="3600" dirty="0" smtClean="0"/>
-                <a:t>, which combines various weak classifiers to create a strong classifier</a:t>
-              </a:r>
-              <a:r>
-                <a:rPr lang="en-US" sz="3600" baseline="30000" dirty="0" smtClean="0"/>
-                <a:t>4</a:t>
+                <a:t>, which combines various weak classifiers to create a strong </a:t>
+              </a:r>
+              <a:r>
+                <a:rPr lang="en-US" sz="3600" dirty="0" smtClean="0"/>
+                <a:t>classifier</a:t>
+              </a:r>
+              <a:r>
+                <a:rPr lang="en-US" sz="3600" baseline="30000" dirty="0"/>
+                <a:t>3</a:t>
               </a:r>
               <a:r>
                 <a:rPr lang="en-US" sz="3600" dirty="0" smtClean="0"/>
                 <a:t>.</a:t>
               </a:r>
+              <a:endParaRPr lang="en-US" sz="3600" dirty="0" smtClean="0"/>
             </a:p>
             <a:p>
               <a:pPr algn="just"/>
@@ -4524,10 +4490,6 @@
                 </a:rPr>
                 <a:t>Algorithm Selection</a:t>
               </a:r>
-              <a:endParaRPr lang="en-US" sz="5000" dirty="0">
-                <a:latin typeface="Times New Roman" pitchFamily="18" charset="0"/>
-                <a:cs typeface="Times New Roman" pitchFamily="18" charset="0"/>
-              </a:endParaRPr>
             </a:p>
           </p:txBody>
         </p:sp>
@@ -4540,10 +4502,10 @@
         </p:nvGrpSpPr>
         <p:grpSpPr>
           <a:xfrm>
-            <a:off x="12573000" y="14092154"/>
-            <a:ext cx="11430000" cy="12425448"/>
-            <a:chOff x="9429750" y="8652358"/>
-            <a:chExt cx="8572500" cy="9140342"/>
+            <a:off x="11049000" y="12573000"/>
+            <a:ext cx="14478000" cy="13944599"/>
+            <a:chOff x="8286750" y="8652358"/>
+            <a:chExt cx="10858500" cy="10257852"/>
           </a:xfrm>
         </p:grpSpPr>
         <p:sp>
@@ -4554,8 +4516,8 @@
           </p:nvSpPr>
           <p:spPr>
             <a:xfrm>
-              <a:off x="9429750" y="9045757"/>
-              <a:ext cx="8572500" cy="8746943"/>
+              <a:off x="8286750" y="9045756"/>
+              <a:ext cx="10858500" cy="9864454"/>
             </a:xfrm>
             <a:prstGeom prst="rect">
               <a:avLst/>
@@ -4689,10 +4651,6 @@
                 </a:rPr>
                 <a:t>Performance Evaluation</a:t>
               </a:r>
-              <a:endParaRPr lang="en-US" sz="5000" dirty="0">
-                <a:latin typeface="Times New Roman" pitchFamily="18" charset="0"/>
-                <a:cs typeface="Times New Roman" pitchFamily="18" charset="0"/>
-              </a:endParaRPr>
             </a:p>
           </p:txBody>
         </p:sp>
@@ -4705,10 +4663,10 @@
         </p:nvGrpSpPr>
         <p:grpSpPr>
           <a:xfrm>
-            <a:off x="24612600" y="3094673"/>
-            <a:ext cx="11430000" cy="13288326"/>
+            <a:off x="25984200" y="3094673"/>
+            <a:ext cx="10058400" cy="12373926"/>
             <a:chOff x="18459450" y="2063115"/>
-            <a:chExt cx="8572500" cy="11805316"/>
+            <a:chExt cx="8572500" cy="10992966"/>
           </a:xfrm>
         </p:grpSpPr>
         <p:sp>
@@ -4719,8 +4677,8 @@
           </p:nvSpPr>
           <p:spPr>
             <a:xfrm>
-              <a:off x="18459450" y="2390124"/>
-              <a:ext cx="8572500" cy="11478307"/>
+              <a:off x="18459450" y="2390125"/>
+              <a:ext cx="8572500" cy="10665956"/>
             </a:xfrm>
             <a:prstGeom prst="rect">
               <a:avLst/>
@@ -4781,7 +4739,7 @@
           <p:spPr>
             <a:xfrm>
               <a:off x="18852356" y="2063115"/>
-              <a:ext cx="7772400" cy="654018"/>
+              <a:ext cx="7772400" cy="871543"/>
             </a:xfrm>
             <a:custGeom>
               <a:avLst/>
@@ -4876,10 +4834,6 @@
                 </a:rPr>
                 <a:t>Discussion</a:t>
               </a:r>
-              <a:endParaRPr lang="en-US" sz="5000" dirty="0">
-                <a:latin typeface="Times New Roman" pitchFamily="18" charset="0"/>
-                <a:cs typeface="Times New Roman" pitchFamily="18" charset="0"/>
-              </a:endParaRPr>
             </a:p>
           </p:txBody>
         </p:sp>
@@ -4892,10 +4846,10 @@
         </p:nvGrpSpPr>
         <p:grpSpPr>
           <a:xfrm>
-            <a:off x="24612600" y="16659225"/>
-            <a:ext cx="11430000" cy="4143375"/>
-            <a:chOff x="412568" y="1967675"/>
-            <a:chExt cx="8572500" cy="3408129"/>
+            <a:off x="25984200" y="15811500"/>
+            <a:ext cx="10058400" cy="4953000"/>
+            <a:chOff x="1441268" y="1967675"/>
+            <a:chExt cx="7543800" cy="4074085"/>
           </a:xfrm>
         </p:grpSpPr>
         <p:sp>
@@ -4906,8 +4860,8 @@
           </p:nvSpPr>
           <p:spPr>
             <a:xfrm>
-              <a:off x="412568" y="2428875"/>
-              <a:ext cx="8572500" cy="2946929"/>
+              <a:off x="1441268" y="2428875"/>
+              <a:ext cx="7543800" cy="3612885"/>
             </a:xfrm>
             <a:prstGeom prst="rect">
               <a:avLst/>
@@ -4957,8 +4911,8 @@
           </p:nvSpPr>
           <p:spPr>
             <a:xfrm>
-              <a:off x="812618" y="1967675"/>
-              <a:ext cx="7772400" cy="879780"/>
+              <a:off x="1787026" y="1967675"/>
+              <a:ext cx="6797993" cy="879780"/>
             </a:xfrm>
             <a:custGeom>
               <a:avLst/>
@@ -5053,78 +5007,10 @@
                 </a:rPr>
                 <a:t>Acknowledgement</a:t>
               </a:r>
-              <a:endParaRPr lang="en-US" sz="5000" dirty="0">
-                <a:latin typeface="Times New Roman" pitchFamily="18" charset="0"/>
-                <a:cs typeface="Times New Roman" pitchFamily="18" charset="0"/>
-              </a:endParaRPr>
             </a:p>
           </p:txBody>
         </p:sp>
       </p:grpSp>
-      <p:pic>
-        <p:nvPicPr>
-          <p:cNvPr id="1027" name="Picture 3"/>
-          <p:cNvPicPr>
-            <a:picLocks noChangeAspect="1" noChangeArrowheads="1"/>
-          </p:cNvPicPr>
-          <p:nvPr/>
-        </p:nvPicPr>
-        <p:blipFill>
-          <a:blip r:embed="rId5" cstate="print">
-            <a:extLst>
-              <a:ext uri="{28A0092B-C50C-407E-A947-70E740481C1C}">
-                <a14:useLocalDpi xmlns:a14="http://schemas.microsoft.com/office/drawing/2010/main" val="0"/>
-              </a:ext>
-            </a:extLst>
-          </a:blip>
-          <a:srcRect/>
-          <a:stretch>
-            <a:fillRect/>
-          </a:stretch>
-        </p:blipFill>
-        <p:spPr bwMode="auto">
-          <a:xfrm>
-            <a:off x="1083492" y="21846268"/>
-            <a:ext cx="5926908" cy="4445181"/>
-          </a:xfrm>
-          <a:prstGeom prst="rect">
-            <a:avLst/>
-          </a:prstGeom>
-          <a:noFill/>
-          <a:ln>
-            <a:noFill/>
-          </a:ln>
-          <a:effectLst/>
-          <a:extLst>
-            <a:ext uri="{909E8E84-426E-40DD-AFC4-6F175D3DCCD1}">
-              <a14:hiddenFill xmlns:a14="http://schemas.microsoft.com/office/drawing/2010/main">
-                <a:solidFill>
-                  <a:schemeClr val="accent1"/>
-                </a:solidFill>
-              </a14:hiddenFill>
-            </a:ext>
-            <a:ext uri="{91240B29-F687-4F45-9708-019B960494DF}">
-              <a14:hiddenLine xmlns:a14="http://schemas.microsoft.com/office/drawing/2010/main" w="9525">
-                <a:solidFill>
-                  <a:schemeClr val="tx1"/>
-                </a:solidFill>
-                <a:miter lim="800000"/>
-                <a:headEnd/>
-                <a:tailEnd/>
-              </a14:hiddenLine>
-            </a:ext>
-            <a:ext uri="{AF507438-7753-43E0-B8FC-AC1667EBCBE1}">
-              <a14:hiddenEffects xmlns:a14="http://schemas.microsoft.com/office/drawing/2010/main">
-                <a:effectLst>
-                  <a:outerShdw dist="35921" dir="2700000" algn="ctr" rotWithShape="0">
-                    <a:schemeClr val="bg2"/>
-                  </a:outerShdw>
-                </a:effectLst>
-              </a14:hiddenEffects>
-            </a:ext>
-          </a:extLst>
-        </p:spPr>
-      </p:pic>
       <p:grpSp>
         <p:nvGrpSpPr>
           <p:cNvPr id="30" name="Group 29"/>
@@ -5133,10 +5019,10 @@
         </p:nvGrpSpPr>
         <p:grpSpPr>
           <a:xfrm>
-            <a:off x="24612600" y="21097874"/>
-            <a:ext cx="11430000" cy="5419726"/>
-            <a:chOff x="412568" y="1967675"/>
-            <a:chExt cx="8572500" cy="4457990"/>
+            <a:off x="25984200" y="21097874"/>
+            <a:ext cx="10058400" cy="5419726"/>
+            <a:chOff x="1441268" y="1967675"/>
+            <a:chExt cx="7543800" cy="4457990"/>
           </a:xfrm>
         </p:grpSpPr>
         <p:sp>
@@ -5147,8 +5033,8 @@
           </p:nvSpPr>
           <p:spPr>
             <a:xfrm>
-              <a:off x="412568" y="2428875"/>
-              <a:ext cx="8572500" cy="3996790"/>
+              <a:off x="1441268" y="2428875"/>
+              <a:ext cx="7543800" cy="3996790"/>
             </a:xfrm>
             <a:prstGeom prst="rect">
               <a:avLst/>
@@ -5203,13 +5089,13 @@
               </a:r>
               <a:r>
                 <a:rPr lang="en-US" sz="2800" dirty="0">
-                  <a:hlinkClick r:id="rId6"/>
+                  <a:hlinkClick r:id="rId5"/>
                 </a:rPr>
                 <a:t>http://www.csie.ntu.edu.tw/~</a:t>
               </a:r>
               <a:r>
                 <a:rPr lang="en-US" sz="2800" dirty="0" smtClean="0">
-                  <a:hlinkClick r:id="rId6"/>
+                  <a:hlinkClick r:id="rId5"/>
                 </a:rPr>
                 <a:t>cjlin/liblinear</a:t>
               </a:r>
@@ -5248,45 +5134,15 @@
             <a:p>
               <a:r>
                 <a:rPr lang="en-US" sz="2800" b="1" dirty="0" smtClean="0"/>
-                <a:t>[3] </a:t>
-              </a:r>
-              <a:r>
-                <a:rPr lang="en-US" sz="2800" dirty="0" err="1"/>
-                <a:t>Xiong</a:t>
-              </a:r>
-              <a:r>
-                <a:rPr lang="en-US" sz="2800" dirty="0"/>
-                <a:t>, </a:t>
-              </a:r>
-              <a:r>
-                <a:rPr lang="en-US" sz="2800" dirty="0" err="1"/>
-                <a:t>Haitao</a:t>
-              </a:r>
-              <a:r>
-                <a:rPr lang="en-US" sz="2800" dirty="0"/>
-                <a:t>, </a:t>
-              </a:r>
-              <a:r>
-                <a:rPr lang="en-US" sz="2800" dirty="0" err="1" smtClean="0"/>
-                <a:t>Junjie</a:t>
-              </a:r>
-              <a:r>
-                <a:rPr lang="en-US" sz="2800" dirty="0" smtClean="0"/>
-                <a:t> Wu, and Lu Liu. "</a:t>
-              </a:r>
-              <a:r>
-                <a:rPr lang="en-US" sz="2800" dirty="0"/>
-                <a:t>Classification with Class Overlapping: A Systematic Study</a:t>
-              </a:r>
-              <a:r>
-                <a:rPr lang="en-US" sz="2800" dirty="0" smtClean="0"/>
-                <a:t>."</a:t>
-              </a:r>
-            </a:p>
-            <a:p>
+                <a:t>[</a:t>
+              </a:r>
+              <a:r>
+                <a:rPr lang="en-US" sz="2800" b="1" dirty="0"/>
+                <a:t>3</a:t>
+              </a:r>
               <a:r>
                 <a:rPr lang="en-US" sz="2800" b="1" dirty="0" smtClean="0"/>
-                <a:t>[4]</a:t>
+                <a:t>]</a:t>
               </a:r>
               <a:r>
                 <a:rPr lang="en-US" sz="2800" dirty="0" smtClean="0"/>
@@ -5348,8 +5204,8 @@
           </p:nvSpPr>
           <p:spPr>
             <a:xfrm>
-              <a:off x="812618" y="1967675"/>
-              <a:ext cx="7772400" cy="879780"/>
+              <a:off x="1787026" y="1967675"/>
+              <a:ext cx="6797992" cy="879780"/>
             </a:xfrm>
             <a:custGeom>
               <a:avLst/>
@@ -5452,6 +5308,323 @@
           </p:txBody>
         </p:sp>
       </p:grpSp>
+      <p:graphicFrame>
+        <p:nvGraphicFramePr>
+          <p:cNvPr id="2" name="Table 1"/>
+          <p:cNvGraphicFramePr>
+            <a:graphicFrameLocks noGrp="1"/>
+          </p:cNvGraphicFramePr>
+          <p:nvPr>
+            <p:extLst>
+              <p:ext uri="{D42A27DB-BD31-4B8C-83A1-F6EECF244321}">
+                <p14:modId xmlns:p14="http://schemas.microsoft.com/office/powerpoint/2010/main" val="454412332"/>
+              </p:ext>
+            </p:extLst>
+          </p:nvPr>
+        </p:nvGraphicFramePr>
+        <p:xfrm>
+          <a:off x="11382375" y="13839825"/>
+          <a:ext cx="13868403" cy="2253615"/>
+        </p:xfrm>
+        <a:graphic>
+          <a:graphicData uri="http://schemas.openxmlformats.org/drawingml/2006/table">
+            <a:tbl>
+              <a:tblPr firstRow="1" bandRow="1">
+                <a:tableStyleId>{7DF18680-E054-41AD-8BC1-D1AEF772440D}</a:tableStyleId>
+              </a:tblPr>
+              <a:tblGrid>
+                <a:gridCol w="2714625"/>
+                <a:gridCol w="1858963"/>
+                <a:gridCol w="1858963"/>
+                <a:gridCol w="1858963"/>
+                <a:gridCol w="1858963"/>
+                <a:gridCol w="1858963"/>
+                <a:gridCol w="1858963"/>
+              </a:tblGrid>
+              <a:tr h="485775">
+                <a:tc rowSpan="2">
+                  <a:txBody>
+                    <a:bodyPr/>
+                    <a:lstStyle/>
+                    <a:p>
+                      <a:pPr marL="0" marR="0" indent="0" algn="ctr" defTabSz="2612219" rtl="0" eaLnBrk="1" fontAlgn="auto" latinLnBrk="0" hangingPunct="1">
+                        <a:lnSpc>
+                          <a:spcPct val="100000"/>
+                        </a:lnSpc>
+                        <a:spcBef>
+                          <a:spcPts val="0"/>
+                        </a:spcBef>
+                        <a:spcAft>
+                          <a:spcPts val="0"/>
+                        </a:spcAft>
+                        <a:buClrTx/>
+                        <a:buSzTx/>
+                        <a:buFontTx/>
+                        <a:buNone/>
+                        <a:tabLst/>
+                        <a:defRPr/>
+                      </a:pPr>
+                      <a:r>
+                        <a:rPr lang="en-US" sz="3200" dirty="0" smtClean="0"/>
+                        <a:t>Algorithms</a:t>
+                      </a:r>
+                    </a:p>
+                  </a:txBody>
+                  <a:tcPr anchor="b"/>
+                </a:tc>
+                <a:tc gridSpan="3">
+                  <a:txBody>
+                    <a:bodyPr/>
+                    <a:lstStyle/>
+                    <a:p>
+                      <a:pPr algn="ctr"/>
+                      <a:r>
+                        <a:rPr lang="en-US" sz="2400" dirty="0" smtClean="0"/>
+                        <a:t>Performance</a:t>
+                      </a:r>
+                      <a:r>
+                        <a:rPr lang="en-US" sz="2400" baseline="0" dirty="0" smtClean="0"/>
+                        <a:t> on Unbalanced Training Set</a:t>
+                      </a:r>
+                      <a:endParaRPr lang="en-US" sz="2400" dirty="0"/>
+                    </a:p>
+                  </a:txBody>
+                  <a:tcPr/>
+                </a:tc>
+                <a:tc hMerge="1">
+                  <a:txBody>
+                    <a:bodyPr/>
+                    <a:lstStyle/>
+                    <a:p>
+                      <a:endParaRPr lang="en-US"/>
+                    </a:p>
+                  </a:txBody>
+                  <a:tcPr/>
+                </a:tc>
+                <a:tc hMerge="1">
+                  <a:txBody>
+                    <a:bodyPr/>
+                    <a:lstStyle/>
+                    <a:p>
+                      <a:endParaRPr lang="en-US"/>
+                    </a:p>
+                  </a:txBody>
+                  <a:tcPr/>
+                </a:tc>
+                <a:tc gridSpan="3">
+                  <a:txBody>
+                    <a:bodyPr/>
+                    <a:lstStyle/>
+                    <a:p>
+                      <a:pPr algn="ctr"/>
+                      <a:r>
+                        <a:rPr lang="en-US" sz="2400" dirty="0" smtClean="0"/>
+                        <a:t>Performance on Balanced Training Set</a:t>
+                      </a:r>
+                      <a:endParaRPr lang="en-US" sz="2400" dirty="0"/>
+                    </a:p>
+                  </a:txBody>
+                  <a:tcPr/>
+                </a:tc>
+                <a:tc hMerge="1">
+                  <a:txBody>
+                    <a:bodyPr/>
+                    <a:lstStyle/>
+                    <a:p>
+                      <a:endParaRPr lang="en-US"/>
+                    </a:p>
+                  </a:txBody>
+                  <a:tcPr/>
+                </a:tc>
+                <a:tc hMerge="1">
+                  <a:txBody>
+                    <a:bodyPr/>
+                    <a:lstStyle/>
+                    <a:p>
+                      <a:endParaRPr lang="en-US"/>
+                    </a:p>
+                  </a:txBody>
+                  <a:tcPr/>
+                </a:tc>
+              </a:tr>
+              <a:tr h="370840">
+                <a:tc vMerge="1">
+                  <a:txBody>
+                    <a:bodyPr/>
+                    <a:lstStyle/>
+                    <a:p>
+                      <a:endParaRPr lang="en-US" sz="3200" dirty="0"/>
+                    </a:p>
+                  </a:txBody>
+                  <a:tcPr/>
+                </a:tc>
+                <a:tc>
+                  <a:txBody>
+                    <a:bodyPr/>
+                    <a:lstStyle/>
+                    <a:p>
+                      <a:pPr algn="ctr"/>
+                      <a:r>
+                        <a:rPr lang="en-US" sz="2400" dirty="0" smtClean="0"/>
+                        <a:t>Correctly Classified Instances (%)</a:t>
+                      </a:r>
+                      <a:endParaRPr lang="en-US" sz="2400" dirty="0"/>
+                    </a:p>
+                  </a:txBody>
+                  <a:tcPr anchor="b"/>
+                </a:tc>
+                <a:tc>
+                  <a:txBody>
+                    <a:bodyPr/>
+                    <a:lstStyle/>
+                    <a:p>
+                      <a:pPr algn="ctr"/>
+                      <a:r>
+                        <a:rPr lang="en-US" sz="2400" dirty="0" smtClean="0"/>
+                        <a:t>AUC</a:t>
+                      </a:r>
+                      <a:endParaRPr lang="en-US" sz="2400" dirty="0"/>
+                    </a:p>
+                  </a:txBody>
+                  <a:tcPr anchor="b"/>
+                </a:tc>
+                <a:tc>
+                  <a:txBody>
+                    <a:bodyPr/>
+                    <a:lstStyle/>
+                    <a:p>
+                      <a:pPr algn="ctr"/>
+                      <a:r>
+                        <a:rPr lang="en-US" sz="2400" dirty="0" smtClean="0"/>
+                        <a:t>F1 Score</a:t>
+                      </a:r>
+                      <a:endParaRPr lang="en-US" sz="2400" dirty="0"/>
+                    </a:p>
+                  </a:txBody>
+                  <a:tcPr anchor="b"/>
+                </a:tc>
+                <a:tc>
+                  <a:txBody>
+                    <a:bodyPr/>
+                    <a:lstStyle/>
+                    <a:p>
+                      <a:pPr algn="ctr"/>
+                      <a:r>
+                        <a:rPr lang="en-US" sz="2400" dirty="0" smtClean="0"/>
+                        <a:t>Correctly Classified Instances (%)</a:t>
+                      </a:r>
+                      <a:endParaRPr lang="en-US" sz="2400" dirty="0"/>
+                    </a:p>
+                  </a:txBody>
+                  <a:tcPr anchor="b"/>
+                </a:tc>
+                <a:tc>
+                  <a:txBody>
+                    <a:bodyPr/>
+                    <a:lstStyle/>
+                    <a:p>
+                      <a:pPr algn="ctr"/>
+                      <a:r>
+                        <a:rPr lang="en-US" sz="2400" dirty="0" smtClean="0"/>
+                        <a:t>AUC</a:t>
+                      </a:r>
+                      <a:endParaRPr lang="en-US" sz="2400" dirty="0"/>
+                    </a:p>
+                  </a:txBody>
+                  <a:tcPr anchor="b"/>
+                </a:tc>
+                <a:tc>
+                  <a:txBody>
+                    <a:bodyPr/>
+                    <a:lstStyle/>
+                    <a:p>
+                      <a:pPr algn="ctr"/>
+                      <a:r>
+                        <a:rPr lang="en-US" sz="2400" dirty="0" smtClean="0"/>
+                        <a:t>F1 Score</a:t>
+                      </a:r>
+                      <a:endParaRPr lang="en-US" sz="2400" dirty="0"/>
+                    </a:p>
+                  </a:txBody>
+                  <a:tcPr anchor="b"/>
+                </a:tc>
+              </a:tr>
+              <a:tr h="370840">
+                <a:tc>
+                  <a:txBody>
+                    <a:bodyPr/>
+                    <a:lstStyle/>
+                    <a:p>
+                      <a:endParaRPr lang="en-US" sz="3200"/>
+                    </a:p>
+                  </a:txBody>
+                  <a:tcPr/>
+                </a:tc>
+                <a:tc>
+                  <a:txBody>
+                    <a:bodyPr/>
+                    <a:lstStyle/>
+                    <a:p>
+                      <a:endParaRPr lang="en-US" sz="3200" dirty="0"/>
+                    </a:p>
+                  </a:txBody>
+                  <a:tcPr/>
+                </a:tc>
+                <a:tc>
+                  <a:txBody>
+                    <a:bodyPr/>
+                    <a:lstStyle/>
+                    <a:p>
+                      <a:endParaRPr lang="en-US" sz="3200" dirty="0"/>
+                    </a:p>
+                  </a:txBody>
+                  <a:tcPr/>
+                </a:tc>
+                <a:tc>
+                  <a:txBody>
+                    <a:bodyPr/>
+                    <a:lstStyle/>
+                    <a:p>
+                      <a:endParaRPr lang="en-US" sz="3200" dirty="0"/>
+                    </a:p>
+                  </a:txBody>
+                  <a:tcPr/>
+                </a:tc>
+                <a:tc>
+                  <a:txBody>
+                    <a:bodyPr/>
+                    <a:lstStyle/>
+                    <a:p>
+                      <a:endParaRPr lang="en-US" sz="3200" dirty="0"/>
+                    </a:p>
+                  </a:txBody>
+                  <a:tcPr/>
+                </a:tc>
+                <a:tc>
+                  <a:txBody>
+                    <a:bodyPr/>
+                    <a:lstStyle/>
+                    <a:p>
+                      <a:endParaRPr lang="en-US" sz="3200" dirty="0"/>
+                    </a:p>
+                  </a:txBody>
+                  <a:tcPr/>
+                </a:tc>
+                <a:tc>
+                  <a:txBody>
+                    <a:bodyPr/>
+                    <a:lstStyle/>
+                    <a:p>
+                      <a:endParaRPr lang="en-US" sz="3200" dirty="0"/>
+                    </a:p>
+                  </a:txBody>
+                  <a:tcPr/>
+                </a:tc>
+              </a:tr>
+            </a:tbl>
+          </a:graphicData>
+        </a:graphic>
+      </p:graphicFrame>
     </p:spTree>
     <p:extLst>
       <p:ext uri="{BB962C8B-B14F-4D97-AF65-F5344CB8AC3E}">

--- a/Poster Session 121312.pptx
+++ b/Poster Session 121312.pptx
@@ -3945,11 +3945,7 @@
               <a:pPr algn="just"/>
               <a:r>
                 <a:rPr lang="en-US" sz="3600" b="1" dirty="0" smtClean="0"/>
-                <a:t>Data </a:t>
-              </a:r>
-              <a:r>
-                <a:rPr lang="en-US" sz="3600" b="1" dirty="0" smtClean="0"/>
-                <a:t>Characteristics</a:t>
+                <a:t>Data Characteristics</a:t>
               </a:r>
               <a:endParaRPr lang="en-US" sz="3600" dirty="0" smtClean="0"/>
             </a:p>
@@ -3957,16 +3953,12 @@
               <a:pPr algn="just"/>
               <a:r>
                 <a:rPr lang="en-US" sz="3600" dirty="0" smtClean="0"/>
-                <a:t>All of our data was obtained from the Kaggle.com challenge “Don’t Get Kicked” hosted by Carvana. </a:t>
+                <a:t>All of our data was obtained from the Kaggle.com challenge “Don’t Get Kicked” hosted by Carvana. It could be described as follows</a:t>
               </a:r>
               <a:r>
                 <a:rPr lang="en-US" sz="3600" dirty="0" smtClean="0"/>
-                <a:t>It could be described as follows:</a:t>
-              </a:r>
-              <a:endParaRPr lang="en-US" sz="3600" dirty="0" smtClean="0"/>
-            </a:p>
-            <a:p>
-              <a:pPr algn="just"/>
+                <a:t>:</a:t>
+              </a:r>
               <a:endParaRPr lang="en-US" sz="3600" dirty="0" smtClean="0"/>
             </a:p>
             <a:p>
@@ -4010,16 +4002,12 @@
               <a:pPr algn="just"/>
               <a:r>
                 <a:rPr lang="en-US" sz="3600" dirty="0" smtClean="0"/>
-                <a:t>The steps we took to preprocess out data changed throughout the project </a:t>
+                <a:t>The steps we took to preprocess out data changed throughout the project as follows</a:t>
               </a:r>
               <a:r>
                 <a:rPr lang="en-US" sz="3600" dirty="0" smtClean="0"/>
-                <a:t>as follows:</a:t>
-              </a:r>
-              <a:endParaRPr lang="en-US" sz="3600" dirty="0" smtClean="0"/>
-            </a:p>
-            <a:p>
-              <a:pPr algn="just"/>
+                <a:t>:</a:t>
+              </a:r>
               <a:endParaRPr lang="en-US" sz="3600" dirty="0" smtClean="0"/>
             </a:p>
             <a:p>
@@ -4272,15 +4260,7 @@
               </a:r>
               <a:r>
                 <a:rPr lang="en-US" sz="3600" dirty="0" smtClean="0"/>
-                <a:t>. Initial attempts at classification went poorly due to heavy overlap between our good and bad training </a:t>
-              </a:r>
-              <a:r>
-                <a:rPr lang="en-US" sz="3600" dirty="0" smtClean="0"/>
-                <a:t>sets. </a:t>
-              </a:r>
-              <a:r>
-                <a:rPr lang="en-US" sz="3600" dirty="0" smtClean="0"/>
-                <a:t>We decided to follow a different approach based on the concept of </a:t>
+                <a:t>. Initial attempts at classification went poorly due to heavy overlap between our good and bad training sets. We decided to follow a different approach based on the concept of </a:t>
               </a:r>
               <a:r>
                 <a:rPr lang="en-US" sz="3600" u="sng" dirty="0" smtClean="0"/>
@@ -4288,11 +4268,7 @@
               </a:r>
               <a:r>
                 <a:rPr lang="en-US" sz="3600" dirty="0" smtClean="0"/>
-                <a:t>, which combines various weak classifiers to create a strong </a:t>
-              </a:r>
-              <a:r>
-                <a:rPr lang="en-US" sz="3600" dirty="0" smtClean="0"/>
-                <a:t>classifier</a:t>
+                <a:t>, which combines various weak classifiers to create a strong classifier</a:t>
               </a:r>
               <a:r>
                 <a:rPr lang="en-US" sz="3600" baseline="30000" dirty="0"/>
@@ -4302,7 +4278,6 @@
                 <a:rPr lang="en-US" sz="3600" dirty="0" smtClean="0"/>
                 <a:t>.</a:t>
               </a:r>
-              <a:endParaRPr lang="en-US" sz="3600" dirty="0" smtClean="0"/>
             </a:p>
             <a:p>
               <a:pPr algn="just"/>
@@ -5317,14 +5292,14 @@
           <p:nvPr>
             <p:extLst>
               <p:ext uri="{D42A27DB-BD31-4B8C-83A1-F6EECF244321}">
-                <p14:modId xmlns:p14="http://schemas.microsoft.com/office/powerpoint/2010/main" val="454412332"/>
+                <p14:modId xmlns:p14="http://schemas.microsoft.com/office/powerpoint/2010/main" val="3622995639"/>
               </p:ext>
             </p:extLst>
           </p:nvPr>
         </p:nvGraphicFramePr>
         <p:xfrm>
           <a:off x="11382375" y="13839825"/>
-          <a:ext cx="13868403" cy="2253615"/>
+          <a:ext cx="13868403" cy="7861935"/>
         </p:xfrm>
         <a:graphic>
           <a:graphicData uri="http://schemas.openxmlformats.org/drawingml/2006/table">
@@ -5465,10 +5440,10 @@
                     <a:p>
                       <a:pPr algn="ctr"/>
                       <a:r>
-                        <a:rPr lang="en-US" sz="2400" dirty="0" smtClean="0"/>
+                        <a:rPr lang="en-US" sz="2400" b="1" dirty="0" smtClean="0"/>
                         <a:t>Correctly Classified Instances (%)</a:t>
                       </a:r>
-                      <a:endParaRPr lang="en-US" sz="2400" dirty="0"/>
+                      <a:endParaRPr lang="en-US" sz="2400" b="1" dirty="0"/>
                     </a:p>
                   </a:txBody>
                   <a:tcPr anchor="b"/>
@@ -5480,10 +5455,10 @@
                     <a:p>
                       <a:pPr algn="ctr"/>
                       <a:r>
-                        <a:rPr lang="en-US" sz="2400" dirty="0" smtClean="0"/>
+                        <a:rPr lang="en-US" sz="2400" b="1" dirty="0" smtClean="0"/>
                         <a:t>AUC</a:t>
                       </a:r>
-                      <a:endParaRPr lang="en-US" sz="2400" dirty="0"/>
+                      <a:endParaRPr lang="en-US" sz="2400" b="1" dirty="0"/>
                     </a:p>
                   </a:txBody>
                   <a:tcPr anchor="b"/>
@@ -5495,10 +5470,10 @@
                     <a:p>
                       <a:pPr algn="ctr"/>
                       <a:r>
-                        <a:rPr lang="en-US" sz="2400" dirty="0" smtClean="0"/>
+                        <a:rPr lang="en-US" sz="2400" b="1" dirty="0" smtClean="0"/>
                         <a:t>F1 Score</a:t>
                       </a:r>
-                      <a:endParaRPr lang="en-US" sz="2400" dirty="0"/>
+                      <a:endParaRPr lang="en-US" sz="2400" b="1" dirty="0"/>
                     </a:p>
                   </a:txBody>
                   <a:tcPr anchor="b"/>
@@ -5510,10 +5485,10 @@
                     <a:p>
                       <a:pPr algn="ctr"/>
                       <a:r>
-                        <a:rPr lang="en-US" sz="2400" dirty="0" smtClean="0"/>
+                        <a:rPr lang="en-US" sz="2400" b="1" dirty="0" smtClean="0"/>
                         <a:t>Correctly Classified Instances (%)</a:t>
                       </a:r>
-                      <a:endParaRPr lang="en-US" sz="2400" dirty="0"/>
+                      <a:endParaRPr lang="en-US" sz="2400" b="1" dirty="0"/>
                     </a:p>
                   </a:txBody>
                   <a:tcPr anchor="b"/>
@@ -5525,10 +5500,10 @@
                     <a:p>
                       <a:pPr algn="ctr"/>
                       <a:r>
-                        <a:rPr lang="en-US" sz="2400" dirty="0" smtClean="0"/>
+                        <a:rPr lang="en-US" sz="2400" b="1" dirty="0" smtClean="0"/>
                         <a:t>AUC</a:t>
                       </a:r>
-                      <a:endParaRPr lang="en-US" sz="2400" dirty="0"/>
+                      <a:endParaRPr lang="en-US" sz="2400" b="1" dirty="0"/>
                     </a:p>
                   </a:txBody>
                   <a:tcPr anchor="b"/>
@@ -5540,10 +5515,10 @@
                     <a:p>
                       <a:pPr algn="ctr"/>
                       <a:r>
-                        <a:rPr lang="en-US" sz="2400" dirty="0" smtClean="0"/>
+                        <a:rPr lang="en-US" sz="2400" b="1" dirty="0" smtClean="0"/>
                         <a:t>F1 Score</a:t>
                       </a:r>
-                      <a:endParaRPr lang="en-US" sz="2400" dirty="0"/>
+                      <a:endParaRPr lang="en-US" sz="2400" b="1" dirty="0"/>
                     </a:p>
                   </a:txBody>
                   <a:tcPr anchor="b"/>
@@ -5555,7 +5530,15 @@
                     <a:bodyPr/>
                     <a:lstStyle/>
                     <a:p>
-                      <a:endParaRPr lang="en-US" sz="3200"/>
+                      <a:pPr algn="ctr"/>
+                      <a:r>
+                        <a:rPr lang="en-US" sz="3200" dirty="0" err="1" smtClean="0"/>
+                        <a:t>naÏve</a:t>
+                      </a:r>
+                      <a:r>
+                        <a:rPr lang="en-US" sz="3200" dirty="0" smtClean="0"/>
+                        <a:t> Bayes</a:t>
+                      </a:r>
                     </a:p>
                   </a:txBody>
                   <a:tcPr/>
@@ -5565,6 +5548,39 @@
                     <a:bodyPr/>
                     <a:lstStyle/>
                     <a:p>
+                      <a:pPr algn="ctr"/>
+                      <a:r>
+                        <a:rPr lang="en-US" sz="3200" dirty="0" smtClean="0"/>
+                        <a:t>89.41</a:t>
+                      </a:r>
+                    </a:p>
+                  </a:txBody>
+                  <a:tcPr/>
+                </a:tc>
+                <a:tc>
+                  <a:txBody>
+                    <a:bodyPr/>
+                    <a:lstStyle/>
+                    <a:p>
+                      <a:pPr algn="ctr"/>
+                      <a:r>
+                        <a:rPr lang="en-US" sz="3200" dirty="0" smtClean="0"/>
+                        <a:t>0.746</a:t>
+                      </a:r>
+                    </a:p>
+                  </a:txBody>
+                  <a:tcPr/>
+                </a:tc>
+                <a:tc>
+                  <a:txBody>
+                    <a:bodyPr/>
+                    <a:lstStyle/>
+                    <a:p>
+                      <a:pPr algn="ctr"/>
+                      <a:r>
+                        <a:rPr lang="en-US" sz="3200" dirty="0" smtClean="0"/>
+                        <a:t>0.351</a:t>
+                      </a:r>
                       <a:endParaRPr lang="en-US" sz="3200" dirty="0"/>
                     </a:p>
                   </a:txBody>
@@ -5575,16 +5591,201 @@
                     <a:bodyPr/>
                     <a:lstStyle/>
                     <a:p>
+                      <a:pPr algn="ctr"/>
+                      <a:r>
+                        <a:rPr lang="en-US" sz="3200" dirty="0" smtClean="0"/>
+                        <a:t>66.46</a:t>
+                      </a:r>
+                    </a:p>
+                  </a:txBody>
+                  <a:tcPr/>
+                </a:tc>
+                <a:tc>
+                  <a:txBody>
+                    <a:bodyPr/>
+                    <a:lstStyle/>
+                    <a:p>
+                      <a:pPr algn="ctr"/>
+                      <a:r>
+                        <a:rPr lang="en-US" sz="3200" dirty="0" smtClean="0"/>
+                        <a:t>0.745</a:t>
+                      </a:r>
+                    </a:p>
+                  </a:txBody>
+                  <a:tcPr/>
+                </a:tc>
+                <a:tc>
+                  <a:txBody>
+                    <a:bodyPr/>
+                    <a:lstStyle/>
+                    <a:p>
+                      <a:pPr algn="ctr"/>
+                      <a:r>
+                        <a:rPr lang="en-US" sz="3200" dirty="0" smtClean="0"/>
+                        <a:t>0.332</a:t>
+                      </a:r>
                       <a:endParaRPr lang="en-US" sz="3200" dirty="0"/>
                     </a:p>
                   </a:txBody>
                   <a:tcPr/>
                 </a:tc>
+              </a:tr>
+              <a:tr h="370840">
                 <a:tc>
                   <a:txBody>
                     <a:bodyPr/>
                     <a:lstStyle/>
                     <a:p>
+                      <a:pPr algn="ctr"/>
+                      <a:r>
+                        <a:rPr lang="en-US" sz="3200" dirty="0" err="1" smtClean="0"/>
+                        <a:t>libLinear</a:t>
+                      </a:r>
+                      <a:endParaRPr lang="en-US" sz="3200" dirty="0" smtClean="0"/>
+                    </a:p>
+                  </a:txBody>
+                  <a:tcPr/>
+                </a:tc>
+                <a:tc>
+                  <a:txBody>
+                    <a:bodyPr/>
+                    <a:lstStyle/>
+                    <a:p>
+                      <a:pPr algn="ctr"/>
+                      <a:r>
+                        <a:rPr lang="en-US" sz="3200" dirty="0" smtClean="0"/>
+                        <a:t>87.33</a:t>
+                      </a:r>
+                    </a:p>
+                  </a:txBody>
+                  <a:tcPr/>
+                </a:tc>
+                <a:tc>
+                  <a:txBody>
+                    <a:bodyPr/>
+                    <a:lstStyle/>
+                    <a:p>
+                      <a:pPr marL="0" marR="0" indent="0" algn="ctr" defTabSz="2612219" rtl="0" eaLnBrk="1" fontAlgn="auto" latinLnBrk="0" hangingPunct="1">
+                        <a:lnSpc>
+                          <a:spcPct val="100000"/>
+                        </a:lnSpc>
+                        <a:spcBef>
+                          <a:spcPts val="0"/>
+                        </a:spcBef>
+                        <a:spcAft>
+                          <a:spcPts val="0"/>
+                        </a:spcAft>
+                        <a:buClrTx/>
+                        <a:buSzTx/>
+                        <a:buFontTx/>
+                        <a:buNone/>
+                        <a:tabLst/>
+                        <a:defRPr/>
+                      </a:pPr>
+                      <a:r>
+                        <a:rPr lang="en-US" sz="3200" dirty="0" smtClean="0"/>
+                        <a:t>0.509</a:t>
+                      </a:r>
+                    </a:p>
+                  </a:txBody>
+                  <a:tcPr/>
+                </a:tc>
+                <a:tc>
+                  <a:txBody>
+                    <a:bodyPr/>
+                    <a:lstStyle/>
+                    <a:p>
+                      <a:pPr algn="ctr"/>
+                      <a:r>
+                        <a:rPr lang="en-US" sz="3200" dirty="0" smtClean="0"/>
+                        <a:t>0.050</a:t>
+                      </a:r>
+                    </a:p>
+                  </a:txBody>
+                  <a:tcPr/>
+                </a:tc>
+                <a:tc>
+                  <a:txBody>
+                    <a:bodyPr/>
+                    <a:lstStyle/>
+                    <a:p>
+                      <a:pPr algn="ctr"/>
+                      <a:r>
+                        <a:rPr lang="en-US" sz="3200" dirty="0" smtClean="0"/>
+                        <a:t>25.72</a:t>
+                      </a:r>
+                    </a:p>
+                  </a:txBody>
+                  <a:tcPr/>
+                </a:tc>
+                <a:tc>
+                  <a:txBody>
+                    <a:bodyPr/>
+                    <a:lstStyle/>
+                    <a:p>
+                      <a:pPr algn="ctr"/>
+                      <a:r>
+                        <a:rPr lang="en-US" sz="3200" dirty="0" smtClean="0"/>
+                        <a:t>0.548</a:t>
+                      </a:r>
+                    </a:p>
+                  </a:txBody>
+                  <a:tcPr/>
+                </a:tc>
+                <a:tc>
+                  <a:txBody>
+                    <a:bodyPr/>
+                    <a:lstStyle/>
+                    <a:p>
+                      <a:pPr algn="ctr"/>
+                      <a:r>
+                        <a:rPr lang="en-US" sz="3200" dirty="0" smtClean="0"/>
+                        <a:t>0.236</a:t>
+                      </a:r>
+                    </a:p>
+                  </a:txBody>
+                  <a:tcPr/>
+                </a:tc>
+              </a:tr>
+              <a:tr h="370840">
+                <a:tc>
+                  <a:txBody>
+                    <a:bodyPr/>
+                    <a:lstStyle/>
+                    <a:p>
+                      <a:pPr algn="ctr"/>
+                      <a:r>
+                        <a:rPr lang="en-US" sz="3200" dirty="0" smtClean="0"/>
+                        <a:t>logistic</a:t>
+                      </a:r>
+                    </a:p>
+                  </a:txBody>
+                  <a:tcPr/>
+                </a:tc>
+                <a:tc>
+                  <a:txBody>
+                    <a:bodyPr/>
+                    <a:lstStyle/>
+                    <a:p>
+                      <a:pPr algn="ctr"/>
+                      <a:r>
+                        <a:rPr lang="en-US" sz="3200" dirty="0" smtClean="0"/>
+                        <a:t>82.84</a:t>
+                      </a:r>
+                    </a:p>
+                  </a:txBody>
+                  <a:tcPr/>
+                </a:tc>
+                <a:tc>
+                  <a:txBody>
+                    <a:bodyPr/>
+                    <a:lstStyle/>
+                    <a:p>
+                      <a:pPr algn="ctr"/>
+                      <a:r>
+                        <a:rPr lang="en-US" sz="3200" dirty="0" smtClean="0"/>
+                        <a:t>0.708</a:t>
+                      </a:r>
                       <a:endParaRPr lang="en-US" sz="3200" dirty="0"/>
                     </a:p>
                   </a:txBody>
@@ -5595,6 +5796,11 @@
                     <a:bodyPr/>
                     <a:lstStyle/>
                     <a:p>
+                      <a:pPr algn="ctr"/>
+                      <a:r>
+                        <a:rPr lang="en-US" sz="3200" dirty="0" smtClean="0"/>
+                        <a:t>0.350</a:t>
+                      </a:r>
                       <a:endParaRPr lang="en-US" sz="3200" dirty="0"/>
                     </a:p>
                   </a:txBody>
@@ -5605,6 +5811,25 @@
                     <a:bodyPr/>
                     <a:lstStyle/>
                     <a:p>
+                      <a:pPr algn="ctr"/>
+                      <a:r>
+                        <a:rPr lang="en-US" sz="3200" dirty="0" smtClean="0"/>
+                        <a:t>83.81</a:t>
+                      </a:r>
+                    </a:p>
+                  </a:txBody>
+                  <a:tcPr/>
+                </a:tc>
+                <a:tc>
+                  <a:txBody>
+                    <a:bodyPr/>
+                    <a:lstStyle/>
+                    <a:p>
+                      <a:pPr algn="ctr"/>
+                      <a:r>
+                        <a:rPr lang="en-US" sz="3200" dirty="0" smtClean="0"/>
+                        <a:t>0.713</a:t>
+                      </a:r>
                       <a:endParaRPr lang="en-US" sz="3200" dirty="0"/>
                     </a:p>
                   </a:txBody>
@@ -5615,6 +5840,736 @@
                     <a:bodyPr/>
                     <a:lstStyle/>
                     <a:p>
+                      <a:pPr algn="ctr"/>
+                      <a:r>
+                        <a:rPr lang="en-US" sz="3200" dirty="0" smtClean="0"/>
+                        <a:t>0.347</a:t>
+                      </a:r>
+                    </a:p>
+                  </a:txBody>
+                  <a:tcPr/>
+                </a:tc>
+              </a:tr>
+              <a:tr h="370840">
+                <a:tc>
+                  <a:txBody>
+                    <a:bodyPr/>
+                    <a:lstStyle/>
+                    <a:p>
+                      <a:pPr algn="ctr"/>
+                      <a:r>
+                        <a:rPr lang="en-US" sz="3200" dirty="0" err="1" smtClean="0"/>
+                        <a:t>logitBoost</a:t>
+                      </a:r>
+                      <a:r>
+                        <a:rPr lang="en-US" sz="3200" baseline="30000" dirty="0" err="1" smtClean="0"/>
+                        <a:t>a</a:t>
+                      </a:r>
+                      <a:endParaRPr lang="en-US" sz="3200" dirty="0" smtClean="0"/>
+                    </a:p>
+                  </a:txBody>
+                  <a:tcPr/>
+                </a:tc>
+                <a:tc>
+                  <a:txBody>
+                    <a:bodyPr/>
+                    <a:lstStyle/>
+                    <a:p>
+                      <a:pPr algn="ctr"/>
+                      <a:r>
+                        <a:rPr lang="en-US" sz="3200" dirty="0" smtClean="0"/>
+                        <a:t>89.41</a:t>
+                      </a:r>
+                      <a:endParaRPr lang="en-US" sz="3200" dirty="0"/>
+                    </a:p>
+                  </a:txBody>
+                  <a:tcPr/>
+                </a:tc>
+                <a:tc>
+                  <a:txBody>
+                    <a:bodyPr/>
+                    <a:lstStyle/>
+                    <a:p>
+                      <a:pPr algn="ctr"/>
+                      <a:r>
+                        <a:rPr lang="en-US" sz="3200" dirty="0" smtClean="0"/>
+                        <a:t>0.746</a:t>
+                      </a:r>
+                    </a:p>
+                  </a:txBody>
+                  <a:tcPr/>
+                </a:tc>
+                <a:tc>
+                  <a:txBody>
+                    <a:bodyPr/>
+                    <a:lstStyle/>
+                    <a:p>
+                      <a:pPr algn="ctr"/>
+                      <a:r>
+                        <a:rPr lang="en-US" sz="3200" dirty="0" smtClean="0"/>
+                        <a:t>0.351</a:t>
+                      </a:r>
+                      <a:endParaRPr lang="en-US" sz="3200" dirty="0"/>
+                    </a:p>
+                  </a:txBody>
+                  <a:tcPr/>
+                </a:tc>
+                <a:tc>
+                  <a:txBody>
+                    <a:bodyPr/>
+                    <a:lstStyle/>
+                    <a:p>
+                      <a:pPr algn="ctr"/>
+                      <a:r>
+                        <a:rPr lang="en-US" sz="3200" dirty="0" smtClean="0"/>
+                        <a:t>66.46</a:t>
+                      </a:r>
+                      <a:endParaRPr lang="en-US" sz="3200" dirty="0"/>
+                    </a:p>
+                  </a:txBody>
+                  <a:tcPr/>
+                </a:tc>
+                <a:tc>
+                  <a:txBody>
+                    <a:bodyPr/>
+                    <a:lstStyle/>
+                    <a:p>
+                      <a:pPr algn="ctr"/>
+                      <a:r>
+                        <a:rPr lang="en-US" sz="3200" dirty="0" smtClean="0"/>
+                        <a:t>0.745</a:t>
+                      </a:r>
+                    </a:p>
+                  </a:txBody>
+                  <a:tcPr/>
+                </a:tc>
+                <a:tc>
+                  <a:txBody>
+                    <a:bodyPr/>
+                    <a:lstStyle/>
+                    <a:p>
+                      <a:pPr algn="ctr"/>
+                      <a:r>
+                        <a:rPr lang="en-US" sz="3200" dirty="0" smtClean="0"/>
+                        <a:t>0.332</a:t>
+                      </a:r>
+                      <a:endParaRPr lang="en-US" sz="3200" dirty="0"/>
+                    </a:p>
+                  </a:txBody>
+                  <a:tcPr/>
+                </a:tc>
+              </a:tr>
+              <a:tr h="370840">
+                <a:tc>
+                  <a:txBody>
+                    <a:bodyPr/>
+                    <a:lstStyle/>
+                    <a:p>
+                      <a:pPr algn="ctr"/>
+                      <a:r>
+                        <a:rPr lang="en-US" sz="3200" dirty="0" err="1" smtClean="0"/>
+                        <a:t>logitBoost</a:t>
+                      </a:r>
+                      <a:r>
+                        <a:rPr lang="en-US" sz="3200" baseline="30000" dirty="0" err="1" smtClean="0"/>
+                        <a:t>b</a:t>
+                      </a:r>
+                      <a:endParaRPr lang="en-US" sz="3200" dirty="0" smtClean="0"/>
+                    </a:p>
+                  </a:txBody>
+                  <a:tcPr/>
+                </a:tc>
+                <a:tc>
+                  <a:txBody>
+                    <a:bodyPr/>
+                    <a:lstStyle/>
+                    <a:p>
+                      <a:pPr algn="ctr"/>
+                      <a:r>
+                        <a:rPr lang="en-US" sz="3200" dirty="0" smtClean="0"/>
+                        <a:t>89.55</a:t>
+                      </a:r>
+                      <a:endParaRPr lang="en-US" sz="3200" dirty="0"/>
+                    </a:p>
+                  </a:txBody>
+                  <a:tcPr/>
+                </a:tc>
+                <a:tc>
+                  <a:txBody>
+                    <a:bodyPr/>
+                    <a:lstStyle/>
+                    <a:p>
+                      <a:pPr algn="ctr"/>
+                      <a:r>
+                        <a:rPr lang="en-US" sz="3200" dirty="0" smtClean="0"/>
+                        <a:t>0.757</a:t>
+                      </a:r>
+                      <a:endParaRPr lang="en-US" sz="3200" dirty="0"/>
+                    </a:p>
+                  </a:txBody>
+                  <a:tcPr/>
+                </a:tc>
+                <a:tc>
+                  <a:txBody>
+                    <a:bodyPr/>
+                    <a:lstStyle/>
+                    <a:p>
+                      <a:pPr algn="ctr"/>
+                      <a:r>
+                        <a:rPr lang="en-US" sz="3200" dirty="0" smtClean="0"/>
+                        <a:t>0.364</a:t>
+                      </a:r>
+                      <a:endParaRPr lang="en-US" sz="3200" dirty="0"/>
+                    </a:p>
+                  </a:txBody>
+                  <a:tcPr/>
+                </a:tc>
+                <a:tc>
+                  <a:txBody>
+                    <a:bodyPr/>
+                    <a:lstStyle/>
+                    <a:p>
+                      <a:pPr algn="ctr"/>
+                      <a:r>
+                        <a:rPr lang="en-US" sz="3200" dirty="0" smtClean="0"/>
+                        <a:t>73.37</a:t>
+                      </a:r>
+                      <a:endParaRPr lang="en-US" sz="3200" dirty="0"/>
+                    </a:p>
+                  </a:txBody>
+                  <a:tcPr/>
+                </a:tc>
+                <a:tc>
+                  <a:txBody>
+                    <a:bodyPr/>
+                    <a:lstStyle/>
+                    <a:p>
+                      <a:pPr algn="ctr"/>
+                      <a:r>
+                        <a:rPr lang="en-US" sz="3200" dirty="0" smtClean="0"/>
+                        <a:t>0.759</a:t>
+                      </a:r>
+                      <a:endParaRPr lang="en-US" sz="3200" dirty="0"/>
+                    </a:p>
+                  </a:txBody>
+                  <a:tcPr/>
+                </a:tc>
+                <a:tc>
+                  <a:txBody>
+                    <a:bodyPr/>
+                    <a:lstStyle/>
+                    <a:p>
+                      <a:pPr algn="ctr"/>
+                      <a:r>
+                        <a:rPr lang="en-US" sz="3200" dirty="0" smtClean="0"/>
+                        <a:t>0.365</a:t>
+                      </a:r>
+                      <a:endParaRPr lang="en-US" sz="3200" dirty="0"/>
+                    </a:p>
+                  </a:txBody>
+                  <a:tcPr/>
+                </a:tc>
+              </a:tr>
+              <a:tr h="370840">
+                <a:tc>
+                  <a:txBody>
+                    <a:bodyPr/>
+                    <a:lstStyle/>
+                    <a:p>
+                      <a:pPr marL="0" marR="0" indent="0" algn="ctr" defTabSz="2612219" rtl="0" eaLnBrk="1" fontAlgn="auto" latinLnBrk="0" hangingPunct="1">
+                        <a:lnSpc>
+                          <a:spcPct val="100000"/>
+                        </a:lnSpc>
+                        <a:spcBef>
+                          <a:spcPts val="0"/>
+                        </a:spcBef>
+                        <a:spcAft>
+                          <a:spcPts val="0"/>
+                        </a:spcAft>
+                        <a:buClrTx/>
+                        <a:buSzTx/>
+                        <a:buFontTx/>
+                        <a:buNone/>
+                        <a:tabLst/>
+                        <a:defRPr/>
+                      </a:pPr>
+                      <a:r>
+                        <a:rPr lang="en-US" sz="3200" dirty="0" err="1" smtClean="0"/>
+                        <a:t>logitBoost</a:t>
+                      </a:r>
+                      <a:r>
+                        <a:rPr lang="en-US" sz="3200" baseline="30000" dirty="0" err="1" smtClean="0"/>
+                        <a:t>c</a:t>
+                      </a:r>
+                      <a:endParaRPr lang="en-US" sz="3200" dirty="0" smtClean="0"/>
+                    </a:p>
+                  </a:txBody>
+                  <a:tcPr/>
+                </a:tc>
+                <a:tc>
+                  <a:txBody>
+                    <a:bodyPr/>
+                    <a:lstStyle/>
+                    <a:p>
+                      <a:pPr algn="ctr"/>
+                      <a:r>
+                        <a:rPr lang="en-US" sz="3200" dirty="0" smtClean="0"/>
+                        <a:t>90.11</a:t>
+                      </a:r>
+                      <a:endParaRPr lang="en-US" sz="3200" dirty="0"/>
+                    </a:p>
+                  </a:txBody>
+                  <a:tcPr/>
+                </a:tc>
+                <a:tc>
+                  <a:txBody>
+                    <a:bodyPr/>
+                    <a:lstStyle/>
+                    <a:p>
+                      <a:pPr algn="ctr"/>
+                      <a:r>
+                        <a:rPr lang="en-US" sz="3200" dirty="0" smtClean="0"/>
+                        <a:t>0.758</a:t>
+                      </a:r>
+                      <a:endParaRPr lang="en-US" sz="3200" dirty="0"/>
+                    </a:p>
+                  </a:txBody>
+                  <a:tcPr/>
+                </a:tc>
+                <a:tc>
+                  <a:txBody>
+                    <a:bodyPr/>
+                    <a:lstStyle/>
+                    <a:p>
+                      <a:pPr algn="ctr"/>
+                      <a:r>
+                        <a:rPr lang="en-US" sz="3200" dirty="0" smtClean="0"/>
+                        <a:t>0.368</a:t>
+                      </a:r>
+                      <a:endParaRPr lang="en-US" sz="3200" dirty="0"/>
+                    </a:p>
+                  </a:txBody>
+                  <a:tcPr/>
+                </a:tc>
+                <a:tc>
+                  <a:txBody>
+                    <a:bodyPr/>
+                    <a:lstStyle/>
+                    <a:p>
+                      <a:pPr algn="ctr"/>
+                      <a:r>
+                        <a:rPr lang="en-US" sz="3200" dirty="0" smtClean="0"/>
+                        <a:t>84.45</a:t>
+                      </a:r>
+                      <a:endParaRPr lang="en-US" sz="3200" dirty="0"/>
+                    </a:p>
+                  </a:txBody>
+                  <a:tcPr/>
+                </a:tc>
+                <a:tc>
+                  <a:txBody>
+                    <a:bodyPr/>
+                    <a:lstStyle/>
+                    <a:p>
+                      <a:pPr algn="ctr"/>
+                      <a:r>
+                        <a:rPr lang="en-US" sz="3200" dirty="0" smtClean="0"/>
+                        <a:t>0.686</a:t>
+                      </a:r>
+                      <a:endParaRPr lang="en-US" sz="3200" dirty="0"/>
+                    </a:p>
+                  </a:txBody>
+                  <a:tcPr/>
+                </a:tc>
+                <a:tc>
+                  <a:txBody>
+                    <a:bodyPr/>
+                    <a:lstStyle/>
+                    <a:p>
+                      <a:pPr algn="ctr"/>
+                      <a:r>
+                        <a:rPr lang="en-US" sz="3200" dirty="0" smtClean="0"/>
+                        <a:t>0.338</a:t>
+                      </a:r>
+                      <a:endParaRPr lang="en-US" sz="3200" dirty="0"/>
+                    </a:p>
+                  </a:txBody>
+                  <a:tcPr/>
+                </a:tc>
+              </a:tr>
+              <a:tr h="370840">
+                <a:tc>
+                  <a:txBody>
+                    <a:bodyPr/>
+                    <a:lstStyle/>
+                    <a:p>
+                      <a:pPr marL="0" marR="0" indent="0" algn="ctr" defTabSz="2612219" rtl="0" eaLnBrk="1" fontAlgn="auto" latinLnBrk="0" hangingPunct="1">
+                        <a:lnSpc>
+                          <a:spcPct val="100000"/>
+                        </a:lnSpc>
+                        <a:spcBef>
+                          <a:spcPts val="0"/>
+                        </a:spcBef>
+                        <a:spcAft>
+                          <a:spcPts val="0"/>
+                        </a:spcAft>
+                        <a:buClrTx/>
+                        <a:buSzTx/>
+                        <a:buFontTx/>
+                        <a:buNone/>
+                        <a:tabLst/>
+                        <a:defRPr/>
+                      </a:pPr>
+                      <a:r>
+                        <a:rPr lang="en-US" sz="3200" dirty="0" smtClean="0"/>
+                        <a:t>adaBoostM1</a:t>
+                      </a:r>
+                      <a:r>
+                        <a:rPr lang="en-US" sz="3200" baseline="30000" dirty="0" smtClean="0"/>
+                        <a:t>a</a:t>
+                      </a:r>
+                      <a:endParaRPr lang="en-US" sz="3200" dirty="0" smtClean="0"/>
+                    </a:p>
+                  </a:txBody>
+                  <a:tcPr/>
+                </a:tc>
+                <a:tc>
+                  <a:txBody>
+                    <a:bodyPr/>
+                    <a:lstStyle/>
+                    <a:p>
+                      <a:pPr algn="ctr"/>
+                      <a:r>
+                        <a:rPr lang="en-US" sz="3200" dirty="0" smtClean="0"/>
+                        <a:t>89.51</a:t>
+                      </a:r>
+                      <a:endParaRPr lang="en-US" sz="3200" dirty="0"/>
+                    </a:p>
+                  </a:txBody>
+                  <a:tcPr/>
+                </a:tc>
+                <a:tc>
+                  <a:txBody>
+                    <a:bodyPr/>
+                    <a:lstStyle/>
+                    <a:p>
+                      <a:pPr algn="ctr"/>
+                      <a:r>
+                        <a:rPr lang="en-US" sz="3200" dirty="0" smtClean="0"/>
+                        <a:t>0.724</a:t>
+                      </a:r>
+                      <a:endParaRPr lang="en-US" sz="3200" dirty="0"/>
+                    </a:p>
+                  </a:txBody>
+                  <a:tcPr/>
+                </a:tc>
+                <a:tc>
+                  <a:txBody>
+                    <a:bodyPr/>
+                    <a:lstStyle/>
+                    <a:p>
+                      <a:pPr algn="ctr"/>
+                      <a:r>
+                        <a:rPr lang="en-US" sz="3200" dirty="0" smtClean="0"/>
+                        <a:t>0.370</a:t>
+                      </a:r>
+                      <a:endParaRPr lang="en-US" sz="3200" dirty="0"/>
+                    </a:p>
+                  </a:txBody>
+                  <a:tcPr/>
+                </a:tc>
+                <a:tc>
+                  <a:txBody>
+                    <a:bodyPr/>
+                    <a:lstStyle/>
+                    <a:p>
+                      <a:pPr algn="ctr"/>
+                      <a:r>
+                        <a:rPr lang="en-US" sz="3200" dirty="0" smtClean="0"/>
+                        <a:t>63.21</a:t>
+                      </a:r>
+                      <a:endParaRPr lang="en-US" sz="3200" dirty="0"/>
+                    </a:p>
+                  </a:txBody>
+                  <a:tcPr/>
+                </a:tc>
+                <a:tc>
+                  <a:txBody>
+                    <a:bodyPr/>
+                    <a:lstStyle/>
+                    <a:p>
+                      <a:pPr algn="ctr"/>
+                      <a:r>
+                        <a:rPr lang="en-US" sz="3200" dirty="0" smtClean="0"/>
+                        <a:t>0.719</a:t>
+                      </a:r>
+                    </a:p>
+                  </a:txBody>
+                  <a:tcPr/>
+                </a:tc>
+                <a:tc>
+                  <a:txBody>
+                    <a:bodyPr/>
+                    <a:lstStyle/>
+                    <a:p>
+                      <a:pPr algn="ctr"/>
+                      <a:r>
+                        <a:rPr lang="en-US" sz="3200" dirty="0" smtClean="0"/>
+                        <a:t>0.316</a:t>
+                      </a:r>
+                      <a:endParaRPr lang="en-US" sz="3200" dirty="0"/>
+                    </a:p>
+                  </a:txBody>
+                  <a:tcPr/>
+                </a:tc>
+              </a:tr>
+              <a:tr h="370840">
+                <a:tc>
+                  <a:txBody>
+                    <a:bodyPr/>
+                    <a:lstStyle/>
+                    <a:p>
+                      <a:pPr algn="ctr"/>
+                      <a:r>
+                        <a:rPr lang="en-US" sz="3200" dirty="0" smtClean="0"/>
+                        <a:t>Ensemble</a:t>
+                      </a:r>
+                    </a:p>
+                    <a:p>
+                      <a:pPr marL="0" marR="0" indent="0" algn="ctr" defTabSz="2612219" rtl="0" eaLnBrk="1" fontAlgn="auto" latinLnBrk="0" hangingPunct="1">
+                        <a:lnSpc>
+                          <a:spcPct val="100000"/>
+                        </a:lnSpc>
+                        <a:spcBef>
+                          <a:spcPts val="0"/>
+                        </a:spcBef>
+                        <a:spcAft>
+                          <a:spcPts val="0"/>
+                        </a:spcAft>
+                        <a:buClrTx/>
+                        <a:buSzTx/>
+                        <a:buFontTx/>
+                        <a:buNone/>
+                        <a:tabLst/>
+                        <a:defRPr/>
+                      </a:pPr>
+                      <a:r>
+                        <a:rPr lang="en-US" sz="3200" dirty="0" err="1" smtClean="0"/>
+                        <a:t>Selection</a:t>
+                      </a:r>
+                      <a:r>
+                        <a:rPr lang="en-US" sz="3200" baseline="30000" dirty="0" err="1" smtClean="0"/>
+                        <a:t>e</a:t>
+                      </a:r>
+                      <a:endParaRPr lang="en-US" sz="3200" dirty="0" smtClean="0"/>
+                    </a:p>
+                  </a:txBody>
+                  <a:tcPr/>
+                </a:tc>
+                <a:tc>
+                  <a:txBody>
+                    <a:bodyPr/>
+                    <a:lstStyle/>
+                    <a:p>
+                      <a:pPr algn="ctr"/>
+                      <a:r>
+                        <a:rPr lang="en-US" sz="3200" dirty="0" smtClean="0"/>
+                        <a:t>90.12</a:t>
+                      </a:r>
+                      <a:endParaRPr lang="en-US" sz="3200" dirty="0"/>
+                    </a:p>
+                  </a:txBody>
+                  <a:tcPr/>
+                </a:tc>
+                <a:tc>
+                  <a:txBody>
+                    <a:bodyPr/>
+                    <a:lstStyle/>
+                    <a:p>
+                      <a:pPr algn="ctr"/>
+                      <a:r>
+                        <a:rPr lang="en-US" sz="3200" dirty="0" smtClean="0"/>
+                        <a:t>0.691</a:t>
+                      </a:r>
+                      <a:endParaRPr lang="en-US" sz="3200" dirty="0"/>
+                    </a:p>
+                  </a:txBody>
+                  <a:tcPr/>
+                </a:tc>
+                <a:tc>
+                  <a:txBody>
+                    <a:bodyPr/>
+                    <a:lstStyle/>
+                    <a:p>
+                      <a:pPr algn="ctr"/>
+                      <a:r>
+                        <a:rPr lang="en-US" sz="3200" dirty="0" smtClean="0"/>
+                        <a:t>0.359</a:t>
+                      </a:r>
+                      <a:endParaRPr lang="en-US" sz="3200" dirty="0"/>
+                    </a:p>
+                  </a:txBody>
+                  <a:tcPr/>
+                </a:tc>
+                <a:tc>
+                  <a:txBody>
+                    <a:bodyPr/>
+                    <a:lstStyle/>
+                    <a:p>
+                      <a:pPr algn="ctr"/>
+                      <a:r>
+                        <a:rPr lang="en-US" sz="3200" dirty="0" smtClean="0"/>
+                        <a:t>81.47</a:t>
+                      </a:r>
+                      <a:endParaRPr lang="en-US" sz="3200" dirty="0"/>
+                    </a:p>
+                  </a:txBody>
+                  <a:tcPr/>
+                </a:tc>
+                <a:tc>
+                  <a:txBody>
+                    <a:bodyPr/>
+                    <a:lstStyle/>
+                    <a:p>
+                      <a:pPr algn="ctr"/>
+                      <a:r>
+                        <a:rPr lang="en-US" sz="3200" dirty="0" smtClean="0"/>
+                        <a:t>0.650</a:t>
+                      </a:r>
+                      <a:endParaRPr lang="en-US" sz="3200" dirty="0"/>
+                    </a:p>
+                  </a:txBody>
+                  <a:tcPr/>
+                </a:tc>
+                <a:tc>
+                  <a:txBody>
+                    <a:bodyPr/>
+                    <a:lstStyle/>
+                    <a:p>
+                      <a:pPr algn="ctr"/>
+                      <a:r>
+                        <a:rPr lang="en-US" sz="3200" dirty="0" smtClean="0"/>
+                        <a:t>0.327</a:t>
+                      </a:r>
+                      <a:endParaRPr lang="en-US" sz="3200" dirty="0"/>
+                    </a:p>
+                  </a:txBody>
+                  <a:tcPr/>
+                </a:tc>
+              </a:tr>
+              <a:tr h="370840">
+                <a:tc>
+                  <a:txBody>
+                    <a:bodyPr/>
+                    <a:lstStyle/>
+                    <a:p>
+                      <a:pPr algn="ctr"/>
+                      <a:r>
+                        <a:rPr lang="en-US" sz="3200" dirty="0" smtClean="0"/>
+                        <a:t>Ensemble</a:t>
+                      </a:r>
+                      <a:endParaRPr lang="en-US" sz="3200" baseline="30000" dirty="0" smtClean="0"/>
+                    </a:p>
+                    <a:p>
+                      <a:pPr algn="ctr"/>
+                      <a:r>
+                        <a:rPr lang="en-US" sz="3200" dirty="0" err="1" smtClean="0"/>
+                        <a:t>Selection</a:t>
+                      </a:r>
+                      <a:r>
+                        <a:rPr lang="en-US" sz="3200" baseline="30000" dirty="0" err="1" smtClean="0"/>
+                        <a:t>d,e</a:t>
+                      </a:r>
+                      <a:endParaRPr lang="en-US" sz="3200" dirty="0" smtClean="0"/>
+                    </a:p>
+                  </a:txBody>
+                  <a:tcPr/>
+                </a:tc>
+                <a:tc>
+                  <a:txBody>
+                    <a:bodyPr/>
+                    <a:lstStyle/>
+                    <a:p>
+                      <a:pPr algn="ctr"/>
+                      <a:r>
+                        <a:rPr lang="en-US" sz="3200" dirty="0" smtClean="0"/>
+                        <a:t>89.88</a:t>
+                      </a:r>
+                      <a:endParaRPr lang="en-US" sz="3200" dirty="0"/>
+                    </a:p>
+                  </a:txBody>
+                  <a:tcPr/>
+                </a:tc>
+                <a:tc>
+                  <a:txBody>
+                    <a:bodyPr/>
+                    <a:lstStyle/>
+                    <a:p>
+                      <a:pPr algn="ctr"/>
+                      <a:r>
+                        <a:rPr lang="en-US" sz="3200" dirty="0" smtClean="0"/>
+                        <a:t>0.73</a:t>
+                      </a:r>
+                      <a:endParaRPr lang="en-US" sz="3200" dirty="0"/>
+                    </a:p>
+                  </a:txBody>
+                  <a:tcPr/>
+                </a:tc>
+                <a:tc>
+                  <a:txBody>
+                    <a:bodyPr/>
+                    <a:lstStyle/>
+                    <a:p>
+                      <a:pPr algn="ctr"/>
+                      <a:r>
+                        <a:rPr lang="en-US" sz="3200" dirty="0" smtClean="0"/>
+                        <a:t>0.358</a:t>
+                      </a:r>
+                      <a:endParaRPr lang="en-US" sz="3200" dirty="0"/>
+                    </a:p>
+                  </a:txBody>
+                  <a:tcPr/>
+                </a:tc>
+                <a:tc>
+                  <a:txBody>
+                    <a:bodyPr/>
+                    <a:lstStyle/>
+                    <a:p>
+                      <a:pPr algn="ctr"/>
+                      <a:r>
+                        <a:rPr lang="en-US" sz="3200" dirty="0" smtClean="0"/>
+                        <a:t>83.75</a:t>
+                      </a:r>
+                      <a:endParaRPr lang="en-US" sz="3200" dirty="0"/>
+                    </a:p>
+                  </a:txBody>
+                  <a:tcPr/>
+                </a:tc>
+                <a:tc>
+                  <a:txBody>
+                    <a:bodyPr/>
+                    <a:lstStyle/>
+                    <a:p>
+                      <a:pPr algn="ctr"/>
+                      <a:r>
+                        <a:rPr lang="en-US" sz="3200" dirty="0" smtClean="0"/>
+                        <a:t>0.694</a:t>
+                      </a:r>
+                      <a:endParaRPr lang="en-US" sz="3200" dirty="0"/>
+                    </a:p>
+                  </a:txBody>
+                  <a:tcPr/>
+                </a:tc>
+                <a:tc>
+                  <a:txBody>
+                    <a:bodyPr/>
+                    <a:lstStyle/>
+                    <a:p>
+                      <a:pPr algn="ctr"/>
+                      <a:r>
+                        <a:rPr lang="en-US" sz="3200" smtClean="0"/>
+                        <a:t>0.350</a:t>
+                      </a:r>
                       <a:endParaRPr lang="en-US" sz="3200" dirty="0"/>
                     </a:p>
                   </a:txBody>
@@ -5625,6 +6580,60 @@
           </a:graphicData>
         </a:graphic>
       </p:graphicFrame>
+      <p:sp>
+        <p:nvSpPr>
+          <p:cNvPr id="7" name="TextBox 6"/>
+          <p:cNvSpPr txBox="1"/>
+          <p:nvPr/>
+        </p:nvSpPr>
+        <p:spPr>
+          <a:xfrm>
+            <a:off x="11258550" y="23012400"/>
+            <a:ext cx="14020800" cy="461665"/>
+          </a:xfrm>
+          <a:prstGeom prst="rect">
+            <a:avLst/>
+          </a:prstGeom>
+          <a:noFill/>
+        </p:spPr>
+        <p:txBody>
+          <a:bodyPr wrap="square" rtlCol="0">
+            <a:spAutoFit/>
+          </a:bodyPr>
+          <a:lstStyle/>
+          <a:p>
+            <a:r>
+              <a:rPr lang="en-US" sz="2400" dirty="0" smtClean="0"/>
+              <a:t>a. Decision Stump, b. Decision Stump 100 Iterations, c. Decision </a:t>
+            </a:r>
+            <a:r>
+              <a:rPr lang="en-US" sz="2400" dirty="0"/>
+              <a:t>Table, </a:t>
+            </a:r>
+            <a:r>
+              <a:rPr lang="en-US" sz="2400" dirty="0" smtClean="0"/>
+              <a:t>d. J48 </a:t>
+            </a:r>
+            <a:r>
+              <a:rPr lang="en-US" sz="2400" dirty="0"/>
+              <a:t>Decision </a:t>
+            </a:r>
+            <a:r>
+              <a:rPr lang="en-US" sz="2400" dirty="0" smtClean="0"/>
+              <a:t>Tree, e. </a:t>
+            </a:r>
+            <a:r>
+              <a:rPr lang="en-US" sz="2400" dirty="0"/>
+              <a:t>M</a:t>
+            </a:r>
+            <a:r>
+              <a:rPr lang="en-US" sz="2400" dirty="0" smtClean="0"/>
+              <a:t>aximize for ROC</a:t>
+            </a:r>
+            <a:endParaRPr lang="en-US" sz="2400" dirty="0"/>
+          </a:p>
+        </p:txBody>
+      </p:sp>
     </p:spTree>
     <p:extLst>
       <p:ext uri="{BB962C8B-B14F-4D97-AF65-F5344CB8AC3E}">

--- a/Poster Session 121312.pptx
+++ b/Poster Session 121312.pptx
@@ -108,6 +108,270 @@
     </a:lvl9pPr>
   </p:defaultTextStyle>
 </p:presentation>
+</file>
+
+<file path=ppt/charts/chart1.xml><?xml version="1.0" encoding="utf-8"?>
+<c:chartSpace xmlns:c="http://schemas.openxmlformats.org/drawingml/2006/chart" xmlns:a="http://schemas.openxmlformats.org/drawingml/2006/main" xmlns:r="http://schemas.openxmlformats.org/officeDocument/2006/relationships">
+  <c:date1904 val="0"/>
+  <c:lang val="en-US"/>
+  <c:roundedCorners val="0"/>
+  <mc:AlternateContent xmlns:mc="http://schemas.openxmlformats.org/markup-compatibility/2006">
+    <mc:Choice xmlns:c14="http://schemas.microsoft.com/office/drawing/2007/8/2/chart" Requires="c14">
+      <c14:style val="102"/>
+    </mc:Choice>
+    <mc:Fallback>
+      <c:style val="2"/>
+    </mc:Fallback>
+  </mc:AlternateContent>
+  <c:chart>
+    <c:title>
+      <c:tx>
+        <c:rich>
+          <a:bodyPr/>
+          <a:lstStyle/>
+          <a:p>
+            <a:pPr>
+              <a:defRPr sz="1800"/>
+            </a:pPr>
+            <a:r>
+              <a:rPr lang="en-US" sz="1800"/>
+              <a:t>FN</a:t>
+            </a:r>
+            <a:r>
+              <a:rPr lang="en-US" sz="1800" baseline="0"/>
+              <a:t>/FP Trade-Off with Data Balancing</a:t>
+            </a:r>
+            <a:endParaRPr lang="en-US" sz="1800"/>
+          </a:p>
+        </c:rich>
+      </c:tx>
+      <c:layout/>
+      <c:overlay val="0"/>
+    </c:title>
+    <c:autoTitleDeleted val="0"/>
+    <c:view3D>
+      <c:rotX val="15"/>
+      <c:rotY val="20"/>
+      <c:rAngAx val="1"/>
+    </c:view3D>
+    <c:floor>
+      <c:thickness val="0"/>
+    </c:floor>
+    <c:sideWall>
+      <c:thickness val="0"/>
+    </c:sideWall>
+    <c:backWall>
+      <c:thickness val="0"/>
+    </c:backWall>
+    <c:plotArea>
+      <c:layout/>
+      <c:bar3DChart>
+        <c:barDir val="bar"/>
+        <c:grouping val="clustered"/>
+        <c:varyColors val="0"/>
+        <c:ser>
+          <c:idx val="0"/>
+          <c:order val="0"/>
+          <c:tx>
+            <c:v>FP</c:v>
+          </c:tx>
+          <c:invertIfNegative val="0"/>
+          <c:cat>
+            <c:strRef>
+              <c:f>Sheet3!$F$14:$F$17</c:f>
+              <c:strCache>
+                <c:ptCount val="4"/>
+                <c:pt idx="0">
+                  <c:v>libLinear (Unbalanced)</c:v>
+                </c:pt>
+                <c:pt idx="1">
+                  <c:v>libLinear (Balanced)</c:v>
+                </c:pt>
+                <c:pt idx="2">
+                  <c:v>logitBoost(Unbalanced)</c:v>
+                </c:pt>
+                <c:pt idx="3">
+                  <c:v>logitBoost(Balanced)</c:v>
+                </c:pt>
+              </c:strCache>
+            </c:strRef>
+          </c:cat>
+          <c:val>
+            <c:numRef>
+              <c:f>Sheet3!$C$14:$C$17</c:f>
+              <c:numCache>
+                <c:formatCode>General</c:formatCode>
+                <c:ptCount val="4"/>
+                <c:pt idx="0">
+                  <c:v>169</c:v>
+                </c:pt>
+                <c:pt idx="1">
+                  <c:v>1920</c:v>
+                </c:pt>
+                <c:pt idx="2">
+                  <c:v>118</c:v>
+                </c:pt>
+                <c:pt idx="3">
+                  <c:v>1670</c:v>
+                </c:pt>
+              </c:numCache>
+            </c:numRef>
+          </c:val>
+        </c:ser>
+        <c:ser>
+          <c:idx val="1"/>
+          <c:order val="1"/>
+          <c:tx>
+            <c:v>FN</c:v>
+          </c:tx>
+          <c:invertIfNegative val="0"/>
+          <c:cat>
+            <c:strRef>
+              <c:f>Sheet3!$F$14:$F$17</c:f>
+              <c:strCache>
+                <c:ptCount val="4"/>
+                <c:pt idx="0">
+                  <c:v>libLinear (Unbalanced)</c:v>
+                </c:pt>
+                <c:pt idx="1">
+                  <c:v>libLinear (Balanced)</c:v>
+                </c:pt>
+                <c:pt idx="2">
+                  <c:v>logitBoost(Unbalanced)</c:v>
+                </c:pt>
+                <c:pt idx="3">
+                  <c:v>logitBoost(Balanced)</c:v>
+                </c:pt>
+              </c:strCache>
+            </c:strRef>
+          </c:cat>
+          <c:val>
+            <c:numRef>
+              <c:f>Sheet3!$D$14:$D$17</c:f>
+              <c:numCache>
+                <c:formatCode>General</c:formatCode>
+                <c:ptCount val="4"/>
+                <c:pt idx="0">
+                  <c:v>2742</c:v>
+                </c:pt>
+                <c:pt idx="1">
+                  <c:v>1814</c:v>
+                </c:pt>
+                <c:pt idx="2">
+                  <c:v>2155</c:v>
+                </c:pt>
+                <c:pt idx="3">
+                  <c:v>1904</c:v>
+                </c:pt>
+              </c:numCache>
+            </c:numRef>
+          </c:val>
+        </c:ser>
+        <c:dLbls>
+          <c:showLegendKey val="0"/>
+          <c:showVal val="0"/>
+          <c:showCatName val="0"/>
+          <c:showSerName val="0"/>
+          <c:showPercent val="0"/>
+          <c:showBubbleSize val="0"/>
+        </c:dLbls>
+        <c:gapWidth val="150"/>
+        <c:shape val="box"/>
+        <c:axId val="140063488"/>
+        <c:axId val="140065024"/>
+        <c:axId val="0"/>
+      </c:bar3DChart>
+      <c:catAx>
+        <c:axId val="140063488"/>
+        <c:scaling>
+          <c:orientation val="minMax"/>
+        </c:scaling>
+        <c:delete val="0"/>
+        <c:axPos val="l"/>
+        <c:majorTickMark val="out"/>
+        <c:minorTickMark val="none"/>
+        <c:tickLblPos val="nextTo"/>
+        <c:txPr>
+          <a:bodyPr/>
+          <a:lstStyle/>
+          <a:p>
+            <a:pPr>
+              <a:defRPr sz="1400"/>
+            </a:pPr>
+            <a:endParaRPr lang="en-US"/>
+          </a:p>
+        </c:txPr>
+        <c:crossAx val="140065024"/>
+        <c:crosses val="autoZero"/>
+        <c:auto val="1"/>
+        <c:lblAlgn val="ctr"/>
+        <c:lblOffset val="100"/>
+        <c:noMultiLvlLbl val="0"/>
+      </c:catAx>
+      <c:valAx>
+        <c:axId val="140065024"/>
+        <c:scaling>
+          <c:orientation val="minMax"/>
+        </c:scaling>
+        <c:delete val="0"/>
+        <c:axPos val="b"/>
+        <c:majorGridlines/>
+        <c:numFmt formatCode="General" sourceLinked="1"/>
+        <c:majorTickMark val="out"/>
+        <c:minorTickMark val="none"/>
+        <c:tickLblPos val="nextTo"/>
+        <c:txPr>
+          <a:bodyPr/>
+          <a:lstStyle/>
+          <a:p>
+            <a:pPr>
+              <a:defRPr sz="1200"/>
+            </a:pPr>
+            <a:endParaRPr lang="en-US"/>
+          </a:p>
+        </c:txPr>
+        <c:crossAx val="140063488"/>
+        <c:crosses val="autoZero"/>
+        <c:crossBetween val="between"/>
+      </c:valAx>
+    </c:plotArea>
+    <c:legend>
+      <c:legendPos val="r"/>
+      <c:layout>
+        <c:manualLayout>
+          <c:xMode val="edge"/>
+          <c:yMode val="edge"/>
+          <c:x val="0.88050011369724157"/>
+          <c:y val="0.45543187376319871"/>
+          <c:w val="0.10775245605312551"/>
+          <c:h val="0.12959982385117338"/>
+        </c:manualLayout>
+      </c:layout>
+      <c:overlay val="0"/>
+      <c:txPr>
+        <a:bodyPr/>
+        <a:lstStyle/>
+        <a:p>
+          <a:pPr>
+            <a:defRPr sz="1400"/>
+          </a:pPr>
+          <a:endParaRPr lang="en-US"/>
+        </a:p>
+      </c:txPr>
+    </c:legend>
+    <c:plotVisOnly val="1"/>
+    <c:dispBlanksAs val="gap"/>
+    <c:showDLblsOverMax val="0"/>
+  </c:chart>
+  <c:spPr>
+    <a:solidFill>
+      <a:schemeClr val="bg1"/>
+    </a:solidFill>
+  </c:spPr>
+  <c:externalData r:id="rId1">
+    <c:autoUpdate val="0"/>
+  </c:externalData>
+</c:chartSpace>
 </file>
 
 <file path=ppt/notesMasters/notesMaster1.xml><?xml version="1.0" encoding="utf-8"?>
@@ -3638,7 +3902,7 @@
           <a:lstStyle/>
           <a:p>
             <a:r>
-              <a:rPr lang="en-US" sz="3500" i="1" dirty="0">
+              <a:rPr lang="en-US" sz="4000" i="1" dirty="0">
                 <a:solidFill>
                   <a:schemeClr val="tx1"/>
                 </a:solidFill>
@@ -3648,7 +3912,7 @@
               <a:t>Albert Ho, Robert Romano, </a:t>
             </a:r>
             <a:r>
-              <a:rPr lang="en-US" sz="3500" i="1" dirty="0" err="1">
+              <a:rPr lang="en-US" sz="4000" i="1" dirty="0" err="1">
                 <a:solidFill>
                   <a:schemeClr val="tx1"/>
                 </a:solidFill>
@@ -3658,7 +3922,7 @@
               <a:t>Xin</a:t>
             </a:r>
             <a:r>
-              <a:rPr lang="en-US" sz="3500" i="1" dirty="0">
+              <a:rPr lang="en-US" sz="4000" i="1" dirty="0">
                 <a:solidFill>
                   <a:schemeClr val="tx1"/>
                 </a:solidFill>
@@ -3775,7 +4039,7 @@
             </a:fontRef>
           </p:style>
           <p:txBody>
-            <a:bodyPr lIns="457200" tIns="457200" rIns="457200" bIns="0" spcCol="0" rtlCol="0" anchor="ctr"/>
+            <a:bodyPr lIns="457200" tIns="548640" rIns="457200" bIns="0" spcCol="0" rtlCol="0" anchor="t" anchorCtr="0"/>
             <a:lstStyle/>
             <a:p>
               <a:pPr algn="just"/>
@@ -3794,8 +4058,8 @@
           </p:nvSpPr>
           <p:spPr>
             <a:xfrm>
-              <a:off x="876027" y="2063114"/>
-              <a:ext cx="6616882" cy="731520"/>
+              <a:off x="876028" y="2063114"/>
+              <a:ext cx="6616882" cy="681838"/>
             </a:xfrm>
             <a:custGeom>
               <a:avLst/>
@@ -3939,7 +4203,7 @@
             </a:fontRef>
           </p:style>
           <p:txBody>
-            <a:bodyPr lIns="457200" tIns="31748" rIns="457200" bIns="31748" spcCol="0" rtlCol="0" anchor="ctr"/>
+            <a:bodyPr lIns="457200" tIns="548640" rIns="457200" bIns="31748" spcCol="0" rtlCol="0" anchor="t" anchorCtr="0"/>
             <a:lstStyle/>
             <a:p>
               <a:pPr algn="just"/>
@@ -3953,45 +4217,36 @@
               <a:pPr algn="just"/>
               <a:r>
                 <a:rPr lang="en-US" sz="3600" dirty="0" smtClean="0"/>
-                <a:t>All of our data was obtained from the Kaggle.com challenge “Don’t Get Kicked” hosted by Carvana. It could be described as follows</a:t>
+                <a:t>All of our data was obtained from the Kaggle.com challenge “Don’t Get Kicked” hosted by </a:t>
               </a:r>
               <a:r>
                 <a:rPr lang="en-US" sz="3600" dirty="0" smtClean="0"/>
-                <a:t>:</a:t>
-              </a:r>
-              <a:endParaRPr lang="en-US" sz="3600" dirty="0" smtClean="0"/>
-            </a:p>
-            <a:p>
-              <a:pPr marL="742950" indent="-742950">
-                <a:buAutoNum type="arabicParenR"/>
-              </a:pPr>
+                <a:t>CARVANA. </a:t>
+              </a:r>
               <a:r>
                 <a:rPr lang="en-US" sz="3600" dirty="0" smtClean="0"/>
-                <a:t>Contained  32 features and 73041 samples</a:t>
-              </a:r>
-            </a:p>
-            <a:p>
-              <a:pPr marL="742950" indent="-742950">
-                <a:buAutoNum type="arabicParenR"/>
-              </a:pPr>
-              <a:r>
-                <a:rPr lang="en-US" sz="3600" dirty="0" smtClean="0"/>
-                <a:t>Contained binary, nominal, and numeric data</a:t>
-              </a:r>
-            </a:p>
-            <a:p>
-              <a:pPr marL="742950" indent="-742950">
-                <a:buAutoNum type="arabicParenR"/>
-              </a:pPr>
-              <a:r>
-                <a:rPr lang="en-US" sz="3600" dirty="0" smtClean="0"/>
-                <a:t>Was heavily skewed towards good cars, which represented 87.7% of our training data</a:t>
+                <a:t>It could be described as follows:</a:t>
               </a:r>
             </a:p>
             <a:p>
               <a:endParaRPr lang="en-US" sz="3600" dirty="0" smtClean="0"/>
             </a:p>
             <a:p>
+              <a:endParaRPr lang="en-US" sz="3600" dirty="0"/>
+            </a:p>
+            <a:p>
+              <a:endParaRPr lang="en-US" sz="3600" dirty="0" smtClean="0"/>
+            </a:p>
+            <a:p>
+              <a:endParaRPr lang="en-US" sz="3600" dirty="0"/>
+            </a:p>
+            <a:p>
+              <a:endParaRPr lang="en-US" sz="3600" dirty="0" smtClean="0"/>
+            </a:p>
+            <a:p>
+              <a:endParaRPr lang="en-US" sz="3600" dirty="0" smtClean="0"/>
+            </a:p>
+            <a:p>
               <a:r>
                 <a:rPr lang="en-US" sz="3600" b="1" dirty="0" smtClean="0"/>
                 <a:t>Preprocessing</a:t>
@@ -4002,49 +4257,30 @@
               <a:pPr algn="just"/>
               <a:r>
                 <a:rPr lang="en-US" sz="3600" dirty="0" smtClean="0"/>
-                <a:t>The steps we took to preprocess out data changed throughout the project as follows</a:t>
-              </a:r>
-              <a:r>
-                <a:rPr lang="en-US" sz="3600" dirty="0" smtClean="0"/>
-                <a:t>:</a:t>
-              </a:r>
-              <a:endParaRPr lang="en-US" sz="3600" dirty="0" smtClean="0"/>
+                <a:t>The steps we took to preprocess our data changed throughout the project as follows:</a:t>
+              </a:r>
             </a:p>
             <a:p>
-              <a:pPr marL="742950" indent="-742950" algn="just">
-                <a:buAutoNum type="arabicParenR"/>
-              </a:pPr>
-              <a:r>
-                <a:rPr lang="en-US" sz="3600" dirty="0" smtClean="0"/>
-                <a:t>Converting nominal data to numeric and filling in missing data fields</a:t>
-              </a:r>
-            </a:p>
-            <a:p>
-              <a:pPr marL="742950" indent="-742950" algn="just">
-                <a:buAutoNum type="arabicParenR"/>
-              </a:pPr>
-              <a:r>
-                <a:rPr lang="en-US" sz="3600" dirty="0" smtClean="0"/>
-                <a:t>Normalizing numeric data from 0 to 1</a:t>
-              </a:r>
-            </a:p>
-            <a:p>
-              <a:pPr marL="742950" indent="-742950" algn="just">
-                <a:buAutoNum type="arabicParenR"/>
-              </a:pPr>
-              <a:r>
-                <a:rPr lang="en-US" sz="3600" dirty="0" smtClean="0"/>
-                <a:t>Balancing the data</a:t>
-              </a:r>
+              <a:endParaRPr lang="en-US" sz="3600" b="1" dirty="0" smtClean="0"/>
             </a:p>
             <a:p>
               <a:endParaRPr lang="en-US" sz="3600" b="1" dirty="0"/>
             </a:p>
             <a:p>
+              <a:endParaRPr lang="en-US" sz="3600" b="1" dirty="0" smtClean="0"/>
+            </a:p>
+            <a:p>
+              <a:endParaRPr lang="en-US" sz="3600" b="1" dirty="0"/>
+            </a:p>
+            <a:p>
+              <a:endParaRPr lang="en-US" sz="3600" b="1" dirty="0"/>
+            </a:p>
+            <a:p>
               <a:r>
                 <a:rPr lang="en-US" sz="3600" b="1" dirty="0" smtClean="0"/>
-                <a:t>Early Data Visualization</a:t>
-              </a:r>
+                <a:t>Visualization</a:t>
+              </a:r>
+              <a:endParaRPr lang="en-US" sz="3600" b="1" dirty="0" smtClean="0"/>
             </a:p>
             <a:p>
               <a:endParaRPr lang="en-US" sz="3600" b="1" dirty="0" smtClean="0"/>
@@ -4077,8 +4313,8 @@
           </p:nvSpPr>
           <p:spPr>
             <a:xfrm>
-              <a:off x="812619" y="2130370"/>
-              <a:ext cx="6680290" cy="597010"/>
+              <a:off x="844324" y="2130370"/>
+              <a:ext cx="6680290" cy="549094"/>
             </a:xfrm>
             <a:custGeom>
               <a:avLst/>
@@ -4179,7 +4415,7 @@
       </p:grpSp>
       <p:grpSp>
         <p:nvGrpSpPr>
-          <p:cNvPr id="5" name="Group 4"/>
+          <p:cNvPr id="13" name="Group 12"/>
           <p:cNvGrpSpPr/>
           <p:nvPr/>
         </p:nvGrpSpPr>
@@ -4187,8 +4423,8 @@
           <a:xfrm>
             <a:off x="11049000" y="3094673"/>
             <a:ext cx="14478000" cy="9097327"/>
-            <a:chOff x="8286750" y="2063115"/>
-            <a:chExt cx="10858500" cy="4546097"/>
+            <a:chOff x="11049000" y="3094673"/>
+            <a:chExt cx="14478000" cy="9097327"/>
           </a:xfrm>
         </p:grpSpPr>
         <p:sp>
@@ -4199,8 +4435,8 @@
           </p:nvSpPr>
           <p:spPr>
             <a:xfrm>
-              <a:off x="8286750" y="2308238"/>
-              <a:ext cx="10858500" cy="4300974"/>
+              <a:off x="11049000" y="3585196"/>
+              <a:ext cx="14478000" cy="8606804"/>
             </a:xfrm>
             <a:prstGeom prst="rect">
               <a:avLst/>
@@ -4222,7 +4458,7 @@
             </a:fontRef>
           </p:style>
           <p:txBody>
-            <a:bodyPr lIns="457200" tIns="365760" rIns="457200" bIns="0" spcCol="0" rtlCol="0" anchor="ctr"/>
+            <a:bodyPr lIns="457200" tIns="548640" rIns="457200" bIns="0" spcCol="0" rtlCol="0" anchor="t" anchorCtr="0"/>
             <a:lstStyle/>
             <a:p>
               <a:pPr algn="just"/>
@@ -4331,7 +4567,15 @@
               </a:r>
               <a:r>
                 <a:rPr lang="en-US" sz="3600" dirty="0" smtClean="0"/>
-                <a:t> along with boosting algorithms such as </a:t>
+                <a:t> along with </a:t>
+              </a:r>
+              <a:r>
+                <a:rPr lang="en-US" sz="3600" dirty="0" smtClean="0"/>
+                <a:t>a slew of boosting </a:t>
+              </a:r>
+              <a:r>
+                <a:rPr lang="en-US" sz="3600" dirty="0" smtClean="0"/>
+                <a:t>algorithms such as </a:t>
               </a:r>
               <a:r>
                 <a:rPr lang="en-US" sz="3600" u="sng" dirty="0" smtClean="0"/>
@@ -4369,8 +4613,8 @@
           </p:nvSpPr>
           <p:spPr>
             <a:xfrm>
-              <a:off x="9829800" y="2063115"/>
-              <a:ext cx="7772400" cy="490237"/>
+              <a:off x="13106400" y="3094673"/>
+              <a:ext cx="10363200" cy="914400"/>
             </a:xfrm>
             <a:custGeom>
               <a:avLst/>
@@ -4531,7 +4775,7 @@
           <p:spPr>
             <a:xfrm>
               <a:off x="9829800" y="8652358"/>
-              <a:ext cx="7772400" cy="786797"/>
+              <a:ext cx="7772400" cy="672646"/>
             </a:xfrm>
             <a:custGeom>
               <a:avLst/>
@@ -4632,16 +4876,16 @@
       </p:grpSp>
       <p:grpSp>
         <p:nvGrpSpPr>
-          <p:cNvPr id="8" name="Group 7"/>
+          <p:cNvPr id="22" name="Group 21"/>
           <p:cNvGrpSpPr/>
           <p:nvPr/>
         </p:nvGrpSpPr>
         <p:grpSpPr>
           <a:xfrm>
             <a:off x="25984200" y="3094673"/>
-            <a:ext cx="10058400" cy="12373926"/>
-            <a:chOff x="18459450" y="2063115"/>
-            <a:chExt cx="8572500" cy="10992966"/>
+            <a:ext cx="10058400" cy="11900088"/>
+            <a:chOff x="25984200" y="3094673"/>
+            <a:chExt cx="10058400" cy="11900088"/>
           </a:xfrm>
         </p:grpSpPr>
         <p:sp>
@@ -4652,8 +4896,8 @@
           </p:nvSpPr>
           <p:spPr>
             <a:xfrm>
-              <a:off x="18459450" y="2390125"/>
-              <a:ext cx="8572500" cy="10665956"/>
+              <a:off x="25984200" y="3585196"/>
+              <a:ext cx="10058400" cy="11409565"/>
             </a:xfrm>
             <a:prstGeom prst="rect">
               <a:avLst/>
@@ -4697,10 +4941,94 @@
             </a:fontRef>
           </p:style>
           <p:txBody>
-            <a:bodyPr lIns="63496" tIns="31748" rIns="63496" bIns="31748" spcCol="0" rtlCol="0" anchor="ctr"/>
+            <a:bodyPr lIns="457200" tIns="548640" rIns="457200" bIns="31748" spcCol="0" rtlCol="0" anchor="t" anchorCtr="0"/>
             <a:lstStyle/>
             <a:p>
-              <a:pPr algn="ctr"/>
+              <a:pPr algn="just"/>
+              <a:r>
+                <a:rPr lang="en-US" sz="3600" b="1" dirty="0" smtClean="0"/>
+                <a:t>Performance Metric</a:t>
+              </a:r>
+              <a:endParaRPr lang="en-US" sz="3600" dirty="0" smtClean="0"/>
+            </a:p>
+            <a:p>
+              <a:pPr algn="just"/>
+              <a:r>
+                <a:rPr lang="en-US" sz="3600" dirty="0" smtClean="0"/>
+                <a:t>Initially, we evaluated the success of our algorithms based on </a:t>
+              </a:r>
+              <a:r>
+                <a:rPr lang="en-US" sz="3600" u="sng" dirty="0" smtClean="0"/>
+                <a:t>correctly classified instances(%)</a:t>
+              </a:r>
+              <a:r>
+                <a:rPr lang="en-US" sz="3600" dirty="0" smtClean="0"/>
+                <a:t>, but soon realized that even the null hypothesis could achieve 87.7%. We then switched our metrics to </a:t>
+              </a:r>
+              <a:r>
+                <a:rPr lang="en-US" sz="3600" u="sng" dirty="0" smtClean="0"/>
+                <a:t>AUC</a:t>
+              </a:r>
+              <a:r>
+                <a:rPr lang="en-US" sz="3600" dirty="0" smtClean="0"/>
+                <a:t>, a generally accepted metric for classification performance, and </a:t>
+              </a:r>
+              <a:r>
+                <a:rPr lang="en-US" sz="3600" u="sng" dirty="0" smtClean="0"/>
+                <a:t>F1</a:t>
+              </a:r>
+              <a:r>
+                <a:rPr lang="en-US" sz="3600" dirty="0" smtClean="0"/>
+                <a:t>, which accounts for the tradeoff between precision/recall. </a:t>
+              </a:r>
+              <a:r>
+                <a:rPr lang="en-US" sz="3600" dirty="0"/>
+                <a:t>FN and FP may be more important metrics in application because has a direct impact on profit and loss for a car </a:t>
+              </a:r>
+              <a:r>
+                <a:rPr lang="en-US" sz="3600" dirty="0" smtClean="0"/>
+                <a:t>dealership, as illustrated below:</a:t>
+              </a:r>
+              <a:endParaRPr lang="en-US" sz="3600" dirty="0" smtClean="0"/>
+            </a:p>
+            <a:p>
+              <a:pPr algn="just"/>
+              <a:endParaRPr lang="en-US" sz="3600" b="1" dirty="0" smtClean="0"/>
+            </a:p>
+            <a:p>
+              <a:pPr algn="just"/>
+              <a:endParaRPr lang="en-US" sz="3600" b="1" dirty="0"/>
+            </a:p>
+            <a:p>
+              <a:pPr algn="just"/>
+              <a:endParaRPr lang="en-US" sz="3600" b="1" dirty="0" smtClean="0"/>
+            </a:p>
+            <a:p>
+              <a:pPr algn="just"/>
+              <a:r>
+                <a:rPr lang="en-US" sz="3600" b="1" dirty="0" smtClean="0"/>
+                <a:t>Final </a:t>
+              </a:r>
+              <a:r>
+                <a:rPr lang="en-US" sz="3600" b="1" dirty="0" smtClean="0"/>
+                <a:t>Result</a:t>
+              </a:r>
+              <a:endParaRPr lang="en-US" sz="3600" dirty="0" smtClean="0"/>
+            </a:p>
+            <a:p>
+              <a:pPr algn="just"/>
+              <a:r>
+                <a:rPr lang="en-US" sz="3600" dirty="0" smtClean="0"/>
+                <a:t>Based on metrics of AUC and F1, </a:t>
+              </a:r>
+              <a:r>
+                <a:rPr lang="en-US" sz="3600" dirty="0" err="1" smtClean="0"/>
+                <a:t>LogitBoost</a:t>
+              </a:r>
+              <a:r>
+                <a:rPr lang="en-US" sz="3600" dirty="0" smtClean="0"/>
+                <a:t> did the best for both balanced and unbalanced data sets.</a:t>
+              </a:r>
               <a:endParaRPr lang="en-US" sz="3600" dirty="0"/>
             </a:p>
           </p:txBody>
@@ -4713,8 +5041,8 @@
           </p:nvSpPr>
           <p:spPr>
             <a:xfrm>
-              <a:off x="18852356" y="2063115"/>
-              <a:ext cx="7772400" cy="871543"/>
+              <a:off x="26453592" y="3094673"/>
+              <a:ext cx="9119616" cy="914400"/>
             </a:xfrm>
             <a:custGeom>
               <a:avLst/>
@@ -4821,10 +5149,10 @@
         </p:nvGrpSpPr>
         <p:grpSpPr>
           <a:xfrm>
-            <a:off x="25984200" y="15811500"/>
-            <a:ext cx="10058400" cy="4953000"/>
+            <a:off x="25999440" y="15268575"/>
+            <a:ext cx="10058400" cy="3476626"/>
             <a:chOff x="1441268" y="1967675"/>
-            <a:chExt cx="7543800" cy="4074085"/>
+            <a:chExt cx="7543800" cy="2859694"/>
           </a:xfrm>
         </p:grpSpPr>
         <p:sp>
@@ -4835,8 +5163,8 @@
           </p:nvSpPr>
           <p:spPr>
             <a:xfrm>
-              <a:off x="1441268" y="2428875"/>
-              <a:ext cx="7543800" cy="3612885"/>
+              <a:off x="1441268" y="2428876"/>
+              <a:ext cx="7543800" cy="2398493"/>
             </a:xfrm>
             <a:prstGeom prst="rect">
               <a:avLst/>
@@ -4858,21 +5186,63 @@
             </a:fontRef>
           </p:style>
           <p:txBody>
-            <a:bodyPr lIns="457200" tIns="365760" rIns="457200" bIns="0" spcCol="0" rtlCol="0" anchor="ctr"/>
+            <a:bodyPr lIns="457200" tIns="548640" rIns="457200" bIns="0" spcCol="0" rtlCol="0" anchor="t" anchorCtr="0"/>
             <a:lstStyle/>
             <a:p>
               <a:pPr algn="just"/>
               <a:r>
                 <a:rPr lang="en-US" sz="3600" dirty="0" smtClean="0"/>
-                <a:t>We would like to thank Andrew Ng for teaching CS 229 this quarter along with all the TA’s for their great help on our project. Without them, we would never have learned about boosting, using the AUC metric, or using </a:t>
+                <a:t>1) Evaluate models on separated data</a:t>
+              </a:r>
+              <a:endParaRPr lang="en-US" sz="3600" dirty="0"/>
+            </a:p>
+            <a:p>
+              <a:r>
+                <a:rPr lang="en-US" sz="3600" dirty="0" smtClean="0"/>
+                <a:t>2) Run </a:t>
+              </a:r>
+              <a:r>
+                <a:rPr lang="en-US" sz="3600" dirty="0" err="1" smtClean="0"/>
+                <a:t>RUSBoost</a:t>
+              </a:r>
+              <a:r>
+                <a:rPr lang="en-US" sz="3600" dirty="0" smtClean="0"/>
+                <a:t>, </a:t>
+              </a:r>
+              <a:r>
+                <a:rPr lang="en-US" sz="3600" dirty="0"/>
+                <a:t>which </a:t>
+              </a:r>
+              <a:r>
+                <a:rPr lang="en-US" sz="3600" dirty="0" smtClean="0"/>
+                <a:t>improves classification performance </a:t>
+              </a:r>
+              <a:r>
+                <a:rPr lang="en-US" sz="3600" dirty="0"/>
+                <a:t>when </a:t>
+              </a:r>
+              <a:r>
+                <a:rPr lang="en-US" sz="3600" dirty="0" smtClean="0"/>
+                <a:t>training data </a:t>
+              </a:r>
+              <a:r>
+                <a:rPr lang="en-US" sz="3600" dirty="0"/>
+                <a:t>is s</a:t>
+              </a:r>
+              <a:r>
+                <a:rPr lang="en-US" sz="3600" dirty="0" smtClean="0"/>
+                <a:t>kewed</a:t>
+              </a:r>
+            </a:p>
+            <a:p>
+              <a:pPr algn="just"/>
+              <a:r>
+                <a:rPr lang="en-US" sz="3600" dirty="0" smtClean="0"/>
+                <a:t>3) Purchase server farms on which to run </a:t>
               </a:r>
               <a:r>
                 <a:rPr lang="en-US" sz="3600" dirty="0" err="1" smtClean="0"/>
                 <a:t>Weka</a:t>
-              </a:r>
-              <a:r>
-                <a:rPr lang="en-US" sz="3600" dirty="0" smtClean="0"/>
-                <a:t>, which all helped greatly.</a:t>
               </a:r>
               <a:endParaRPr lang="en-US" sz="3600" dirty="0"/>
             </a:p>
@@ -4887,7 +5257,7 @@
           <p:spPr>
             <a:xfrm>
               <a:off x="1787026" y="1967675"/>
-              <a:ext cx="6797993" cy="879780"/>
+              <a:ext cx="6797993" cy="752139"/>
             </a:xfrm>
             <a:custGeom>
               <a:avLst/>
@@ -4976,12 +5346,16 @@
                 </a:spcAft>
               </a:pPr>
               <a:r>
-                <a:rPr lang="en-US" sz="5000" dirty="0">
+                <a:rPr lang="en-US" sz="5000" dirty="0" smtClean="0">
                   <a:latin typeface="Times New Roman" pitchFamily="18" charset="0"/>
                   <a:cs typeface="Times New Roman" pitchFamily="18" charset="0"/>
                 </a:rPr>
-                <a:t>Acknowledgement</a:t>
-              </a:r>
+                <a:t>Future Work</a:t>
+              </a:r>
+              <a:endParaRPr lang="en-US" sz="5000" dirty="0">
+                <a:latin typeface="Times New Roman" pitchFamily="18" charset="0"/>
+                <a:cs typeface="Times New Roman" pitchFamily="18" charset="0"/>
+              </a:endParaRPr>
             </a:p>
           </p:txBody>
         </p:sp>
@@ -4994,10 +5368,10 @@
         </p:nvGrpSpPr>
         <p:grpSpPr>
           <a:xfrm>
-            <a:off x="25984200" y="21097874"/>
-            <a:ext cx="10058400" cy="5419726"/>
+            <a:off x="25984200" y="22250400"/>
+            <a:ext cx="10058400" cy="4267200"/>
             <a:chOff x="1441268" y="1967675"/>
-            <a:chExt cx="7543800" cy="4457990"/>
+            <a:chExt cx="7543800" cy="3509981"/>
           </a:xfrm>
         </p:grpSpPr>
         <p:sp>
@@ -5009,7 +5383,7 @@
           <p:spPr>
             <a:xfrm>
               <a:off x="1441268" y="2428875"/>
-              <a:ext cx="7543800" cy="3996790"/>
+              <a:ext cx="7543800" cy="3048781"/>
             </a:xfrm>
             <a:prstGeom prst="rect">
               <a:avLst/>
@@ -5031,143 +5405,143 @@
             </a:fontRef>
           </p:style>
           <p:txBody>
-            <a:bodyPr lIns="457200" tIns="365760" rIns="457200" bIns="31748" spcCol="0" rtlCol="0" anchor="ctr"/>
+            <a:bodyPr lIns="457200" tIns="548640" rIns="457200" bIns="31748" spcCol="0" rtlCol="0" anchor="t" anchorCtr="0"/>
             <a:lstStyle/>
             <a:p>
               <a:r>
-                <a:rPr lang="en-US" sz="2800" b="1" dirty="0" smtClean="0"/>
+                <a:rPr lang="en-US" sz="2500" b="1" dirty="0" smtClean="0"/>
                 <a:t>[1] </a:t>
               </a:r>
               <a:r>
-                <a:rPr lang="en-US" sz="2800" dirty="0" smtClean="0"/>
+                <a:rPr lang="en-US" sz="2500" dirty="0" smtClean="0"/>
                 <a:t>R</a:t>
               </a:r>
               <a:r>
-                <a:rPr lang="en-US" sz="2800" dirty="0"/>
+                <a:rPr lang="en-US" sz="2500" dirty="0"/>
                 <a:t>.-E. </a:t>
               </a:r>
               <a:r>
-                <a:rPr lang="en-US" sz="2800" dirty="0" smtClean="0"/>
+                <a:rPr lang="en-US" sz="2500" dirty="0" smtClean="0"/>
                 <a:t>Fan, </a:t>
               </a:r>
               <a:r>
-                <a:rPr lang="en-US" sz="2800" i="1" dirty="0" smtClean="0"/>
+                <a:rPr lang="en-US" sz="2500" i="1" dirty="0" smtClean="0"/>
                 <a:t>et al</a:t>
               </a:r>
               <a:r>
-                <a:rPr lang="en-US" sz="2800" dirty="0" smtClean="0"/>
+                <a:rPr lang="en-US" sz="2500" dirty="0" smtClean="0"/>
                 <a:t>. </a:t>
               </a:r>
               <a:r>
-                <a:rPr lang="en-US" sz="2800" dirty="0"/>
+                <a:rPr lang="en-US" sz="2500" dirty="0"/>
                 <a:t>LIBLINEAR: A Library for Large Linear Classification, Journal of Machine Learning Research 9(2008), 1871-1874. Software available at </a:t>
               </a:r>
               <a:r>
-                <a:rPr lang="en-US" sz="2800" dirty="0">
+                <a:rPr lang="en-US" sz="2500" dirty="0">
                   <a:hlinkClick r:id="rId5"/>
                 </a:rPr>
                 <a:t>http://www.csie.ntu.edu.tw/~</a:t>
               </a:r>
               <a:r>
-                <a:rPr lang="en-US" sz="2800" dirty="0" smtClean="0">
+                <a:rPr lang="en-US" sz="2500" dirty="0" smtClean="0">
                   <a:hlinkClick r:id="rId5"/>
                 </a:rPr>
                 <a:t>cjlin/liblinear</a:t>
               </a:r>
-              <a:endParaRPr lang="en-US" sz="2800" dirty="0"/>
+              <a:endParaRPr lang="en-US" sz="2500" dirty="0"/>
             </a:p>
             <a:p>
               <a:r>
-                <a:rPr lang="en-US" sz="2800" b="1" dirty="0" smtClean="0"/>
+                <a:rPr lang="en-US" sz="2500" b="1" dirty="0" smtClean="0"/>
                 <a:t>[2] </a:t>
               </a:r>
               <a:r>
-                <a:rPr lang="en-US" sz="2800" dirty="0" smtClean="0"/>
+                <a:rPr lang="en-US" sz="2500" dirty="0" smtClean="0"/>
                 <a:t>Mark </a:t>
               </a:r>
               <a:r>
-                <a:rPr lang="en-US" sz="2800" dirty="0"/>
+                <a:rPr lang="en-US" sz="2500" dirty="0"/>
                 <a:t>Hall, </a:t>
               </a:r>
               <a:r>
-                <a:rPr lang="en-US" sz="2800" i="1" dirty="0" smtClean="0"/>
+                <a:rPr lang="en-US" sz="2500" i="1" dirty="0" smtClean="0"/>
                 <a:t>et al</a:t>
               </a:r>
               <a:r>
-                <a:rPr lang="en-US" sz="2800" dirty="0" smtClean="0"/>
+                <a:rPr lang="en-US" sz="2500" dirty="0" smtClean="0"/>
                 <a:t>. (2009</a:t>
               </a:r>
               <a:r>
-                <a:rPr lang="en-US" sz="2800" dirty="0"/>
+                <a:rPr lang="en-US" sz="2500" dirty="0"/>
                 <a:t>); The WEKA Data Mining Software: An Update; SIGKDD Explorations, Volume 11, Issue 1</a:t>
               </a:r>
               <a:r>
-                <a:rPr lang="en-US" sz="2800" dirty="0" smtClean="0"/>
+                <a:rPr lang="en-US" sz="2500" dirty="0" smtClean="0"/>
                 <a:t>.</a:t>
               </a:r>
             </a:p>
             <a:p>
               <a:r>
-                <a:rPr lang="en-US" sz="2800" b="1" dirty="0" smtClean="0"/>
+                <a:rPr lang="en-US" sz="2500" b="1" dirty="0" smtClean="0"/>
                 <a:t>[</a:t>
               </a:r>
               <a:r>
-                <a:rPr lang="en-US" sz="2800" b="1" dirty="0"/>
+                <a:rPr lang="en-US" sz="2500" b="1" dirty="0"/>
                 <a:t>3</a:t>
               </a:r>
               <a:r>
-                <a:rPr lang="en-US" sz="2800" b="1" dirty="0" smtClean="0"/>
+                <a:rPr lang="en-US" sz="2500" b="1" dirty="0" smtClean="0"/>
                 <a:t>]</a:t>
               </a:r>
               <a:r>
-                <a:rPr lang="en-US" sz="2800" dirty="0" smtClean="0"/>
+                <a:rPr lang="en-US" sz="2500" dirty="0" smtClean="0"/>
                 <a:t> </a:t>
               </a:r>
               <a:r>
-                <a:rPr lang="en-US" sz="2800" dirty="0"/>
+                <a:rPr lang="en-US" sz="2500" dirty="0"/>
                 <a:t>Friedman, Jerome, </a:t>
               </a:r>
               <a:r>
-                <a:rPr lang="en-US" sz="2800" i="1" dirty="0" smtClean="0"/>
+                <a:rPr lang="en-US" sz="2500" i="1" dirty="0" smtClean="0"/>
                 <a:t>et </a:t>
               </a:r>
               <a:r>
-                <a:rPr lang="en-US" sz="2800" i="1" dirty="0" err="1" smtClean="0"/>
+                <a:rPr lang="en-US" sz="2500" i="1" dirty="0" err="1" smtClean="0"/>
                 <a:t>al</a:t>
               </a:r>
               <a:r>
-                <a:rPr lang="en-US" sz="2800" dirty="0" err="1" smtClean="0"/>
+                <a:rPr lang="en-US" sz="2500" dirty="0" err="1" smtClean="0"/>
                 <a:t>."Additive</a:t>
               </a:r>
               <a:r>
-                <a:rPr lang="en-US" sz="2800" dirty="0" smtClean="0"/>
+                <a:rPr lang="en-US" sz="2500" dirty="0" smtClean="0"/>
                 <a:t> </a:t>
               </a:r>
               <a:r>
-                <a:rPr lang="en-US" sz="2800" dirty="0"/>
+                <a:rPr lang="en-US" sz="2500" dirty="0"/>
                 <a:t>logistic regression: a statistical view of </a:t>
               </a:r>
               <a:r>
-                <a:rPr lang="en-US" sz="2800" dirty="0" smtClean="0"/>
+                <a:rPr lang="en-US" sz="2500" dirty="0" smtClean="0"/>
                 <a:t>boosting”.</a:t>
               </a:r>
               <a:r>
-                <a:rPr lang="en-US" sz="2800" dirty="0"/>
+                <a:rPr lang="en-US" sz="2500" dirty="0"/>
                 <a:t> </a:t>
               </a:r>
               <a:r>
-                <a:rPr lang="en-US" sz="2800" i="1" dirty="0"/>
+                <a:rPr lang="en-US" sz="2500" i="1" dirty="0"/>
                 <a:t>The annals of statistics</a:t>
               </a:r>
               <a:r>
-                <a:rPr lang="en-US" sz="2800" dirty="0"/>
+                <a:rPr lang="en-US" sz="2500" dirty="0"/>
                 <a:t> 28.2 (2000): 337-407</a:t>
               </a:r>
               <a:r>
-                <a:rPr lang="en-US" sz="2800" dirty="0" smtClean="0"/>
+                <a:rPr lang="en-US" sz="2500" dirty="0" smtClean="0"/>
                 <a:t>.</a:t>
               </a:r>
-              <a:endParaRPr lang="en-US" sz="2800" dirty="0"/>
+              <a:endParaRPr lang="en-US" sz="2500" dirty="0"/>
             </a:p>
           </p:txBody>
         </p:sp>
@@ -5180,7 +5554,7 @@
           <p:spPr>
             <a:xfrm>
               <a:off x="1787026" y="1967675"/>
-              <a:ext cx="6797992" cy="879780"/>
+              <a:ext cx="6797992" cy="752139"/>
             </a:xfrm>
             <a:custGeom>
               <a:avLst/>
@@ -5273,7 +5647,7 @@
                   <a:latin typeface="Times New Roman" pitchFamily="18" charset="0"/>
                   <a:cs typeface="Times New Roman" pitchFamily="18" charset="0"/>
                 </a:rPr>
-                <a:t>Citations</a:t>
+                <a:t>References</a:t>
               </a:r>
               <a:endParaRPr lang="en-US" sz="5000" dirty="0">
                 <a:latin typeface="Times New Roman" pitchFamily="18" charset="0"/>
@@ -5292,14 +5666,14 @@
           <p:nvPr>
             <p:extLst>
               <p:ext uri="{D42A27DB-BD31-4B8C-83A1-F6EECF244321}">
-                <p14:modId xmlns:p14="http://schemas.microsoft.com/office/powerpoint/2010/main" val="3622995639"/>
+                <p14:modId xmlns:p14="http://schemas.microsoft.com/office/powerpoint/2010/main" val="2815719545"/>
               </p:ext>
             </p:extLst>
           </p:nvPr>
         </p:nvGraphicFramePr>
         <p:xfrm>
-          <a:off x="11382375" y="13839825"/>
-          <a:ext cx="13868403" cy="7861935"/>
+          <a:off x="11401424" y="13839825"/>
+          <a:ext cx="13868403" cy="6886575"/>
         </p:xfrm>
         <a:graphic>
           <a:graphicData uri="http://schemas.openxmlformats.org/drawingml/2006/table">
@@ -5446,7 +5820,35 @@
                       <a:endParaRPr lang="en-US" sz="2400" b="1" dirty="0"/>
                     </a:p>
                   </a:txBody>
-                  <a:tcPr anchor="b"/>
+                  <a:tcPr anchor="b">
+                    <a:gradFill flip="none" rotWithShape="1">
+                      <a:gsLst>
+                        <a:gs pos="0">
+                          <a:schemeClr val="bg2">
+                            <a:lumMod val="50000"/>
+                            <a:tint val="66000"/>
+                            <a:satMod val="160000"/>
+                          </a:schemeClr>
+                        </a:gs>
+                        <a:gs pos="50000">
+                          <a:schemeClr val="bg2">
+                            <a:lumMod val="50000"/>
+                            <a:tint val="44500"/>
+                            <a:satMod val="160000"/>
+                          </a:schemeClr>
+                        </a:gs>
+                        <a:gs pos="100000">
+                          <a:schemeClr val="bg2">
+                            <a:lumMod val="50000"/>
+                            <a:tint val="23500"/>
+                            <a:satMod val="160000"/>
+                          </a:schemeClr>
+                        </a:gs>
+                      </a:gsLst>
+                      <a:lin ang="16200000" scaled="1"/>
+                      <a:tileRect/>
+                    </a:gradFill>
+                  </a:tcPr>
                 </a:tc>
                 <a:tc>
                   <a:txBody>
@@ -5461,7 +5863,35 @@
                       <a:endParaRPr lang="en-US" sz="2400" b="1" dirty="0"/>
                     </a:p>
                   </a:txBody>
-                  <a:tcPr anchor="b"/>
+                  <a:tcPr anchor="b">
+                    <a:gradFill flip="none" rotWithShape="1">
+                      <a:gsLst>
+                        <a:gs pos="0">
+                          <a:schemeClr val="bg2">
+                            <a:lumMod val="50000"/>
+                            <a:tint val="66000"/>
+                            <a:satMod val="160000"/>
+                          </a:schemeClr>
+                        </a:gs>
+                        <a:gs pos="50000">
+                          <a:schemeClr val="bg2">
+                            <a:lumMod val="50000"/>
+                            <a:tint val="44500"/>
+                            <a:satMod val="160000"/>
+                          </a:schemeClr>
+                        </a:gs>
+                        <a:gs pos="100000">
+                          <a:schemeClr val="bg2">
+                            <a:lumMod val="50000"/>
+                            <a:tint val="23500"/>
+                            <a:satMod val="160000"/>
+                          </a:schemeClr>
+                        </a:gs>
+                      </a:gsLst>
+                      <a:lin ang="16200000" scaled="1"/>
+                      <a:tileRect/>
+                    </a:gradFill>
+                  </a:tcPr>
                 </a:tc>
                 <a:tc>
                   <a:txBody>
@@ -5476,7 +5906,35 @@
                       <a:endParaRPr lang="en-US" sz="2400" b="1" dirty="0"/>
                     </a:p>
                   </a:txBody>
-                  <a:tcPr anchor="b"/>
+                  <a:tcPr anchor="b">
+                    <a:gradFill flip="none" rotWithShape="1">
+                      <a:gsLst>
+                        <a:gs pos="0">
+                          <a:schemeClr val="bg2">
+                            <a:lumMod val="50000"/>
+                            <a:tint val="66000"/>
+                            <a:satMod val="160000"/>
+                          </a:schemeClr>
+                        </a:gs>
+                        <a:gs pos="50000">
+                          <a:schemeClr val="bg2">
+                            <a:lumMod val="50000"/>
+                            <a:tint val="44500"/>
+                            <a:satMod val="160000"/>
+                          </a:schemeClr>
+                        </a:gs>
+                        <a:gs pos="100000">
+                          <a:schemeClr val="bg2">
+                            <a:lumMod val="50000"/>
+                            <a:tint val="23500"/>
+                            <a:satMod val="160000"/>
+                          </a:schemeClr>
+                        </a:gs>
+                      </a:gsLst>
+                      <a:lin ang="16200000" scaled="1"/>
+                      <a:tileRect/>
+                    </a:gradFill>
+                  </a:tcPr>
                 </a:tc>
                 <a:tc>
                   <a:txBody>
@@ -5491,7 +5949,35 @@
                       <a:endParaRPr lang="en-US" sz="2400" b="1" dirty="0"/>
                     </a:p>
                   </a:txBody>
-                  <a:tcPr anchor="b"/>
+                  <a:tcPr anchor="b">
+                    <a:gradFill flip="none" rotWithShape="1">
+                      <a:gsLst>
+                        <a:gs pos="0">
+                          <a:schemeClr val="bg2">
+                            <a:lumMod val="50000"/>
+                            <a:tint val="66000"/>
+                            <a:satMod val="160000"/>
+                          </a:schemeClr>
+                        </a:gs>
+                        <a:gs pos="50000">
+                          <a:schemeClr val="bg2">
+                            <a:lumMod val="50000"/>
+                            <a:tint val="44500"/>
+                            <a:satMod val="160000"/>
+                          </a:schemeClr>
+                        </a:gs>
+                        <a:gs pos="100000">
+                          <a:schemeClr val="bg2">
+                            <a:lumMod val="50000"/>
+                            <a:tint val="23500"/>
+                            <a:satMod val="160000"/>
+                          </a:schemeClr>
+                        </a:gs>
+                      </a:gsLst>
+                      <a:lin ang="16200000" scaled="1"/>
+                      <a:tileRect/>
+                    </a:gradFill>
+                  </a:tcPr>
                 </a:tc>
                 <a:tc>
                   <a:txBody>
@@ -5506,7 +5992,35 @@
                       <a:endParaRPr lang="en-US" sz="2400" b="1" dirty="0"/>
                     </a:p>
                   </a:txBody>
-                  <a:tcPr anchor="b"/>
+                  <a:tcPr anchor="b">
+                    <a:gradFill flip="none" rotWithShape="1">
+                      <a:gsLst>
+                        <a:gs pos="0">
+                          <a:schemeClr val="bg2">
+                            <a:lumMod val="50000"/>
+                            <a:tint val="66000"/>
+                            <a:satMod val="160000"/>
+                          </a:schemeClr>
+                        </a:gs>
+                        <a:gs pos="50000">
+                          <a:schemeClr val="bg2">
+                            <a:lumMod val="50000"/>
+                            <a:tint val="44500"/>
+                            <a:satMod val="160000"/>
+                          </a:schemeClr>
+                        </a:gs>
+                        <a:gs pos="100000">
+                          <a:schemeClr val="bg2">
+                            <a:lumMod val="50000"/>
+                            <a:tint val="23500"/>
+                            <a:satMod val="160000"/>
+                          </a:schemeClr>
+                        </a:gs>
+                      </a:gsLst>
+                      <a:lin ang="16200000" scaled="1"/>
+                      <a:tileRect/>
+                    </a:gradFill>
+                  </a:tcPr>
                 </a:tc>
                 <a:tc>
                   <a:txBody>
@@ -5521,7 +6035,35 @@
                       <a:endParaRPr lang="en-US" sz="2400" b="1" dirty="0"/>
                     </a:p>
                   </a:txBody>
-                  <a:tcPr anchor="b"/>
+                  <a:tcPr anchor="b">
+                    <a:gradFill flip="none" rotWithShape="1">
+                      <a:gsLst>
+                        <a:gs pos="0">
+                          <a:schemeClr val="bg2">
+                            <a:lumMod val="50000"/>
+                            <a:tint val="66000"/>
+                            <a:satMod val="160000"/>
+                          </a:schemeClr>
+                        </a:gs>
+                        <a:gs pos="50000">
+                          <a:schemeClr val="bg2">
+                            <a:lumMod val="50000"/>
+                            <a:tint val="44500"/>
+                            <a:satMod val="160000"/>
+                          </a:schemeClr>
+                        </a:gs>
+                        <a:gs pos="100000">
+                          <a:schemeClr val="bg2">
+                            <a:lumMod val="50000"/>
+                            <a:tint val="23500"/>
+                            <a:satMod val="160000"/>
+                          </a:schemeClr>
+                        </a:gs>
+                      </a:gsLst>
+                      <a:lin ang="16200000" scaled="1"/>
+                      <a:tileRect/>
+                    </a:gradFill>
+                  </a:tcPr>
                 </a:tc>
               </a:tr>
               <a:tr h="370840">
@@ -6052,7 +6594,38 @@
                       <a:endParaRPr lang="en-US" sz="3200" dirty="0"/>
                     </a:p>
                   </a:txBody>
-                  <a:tcPr/>
+                  <a:tcPr>
+                    <a:gradFill flip="none" rotWithShape="1">
+                      <a:gsLst>
+                        <a:gs pos="0">
+                          <a:schemeClr val="accent1">
+                            <a:lumMod val="60000"/>
+                            <a:lumOff val="40000"/>
+                            <a:tint val="66000"/>
+                            <a:satMod val="160000"/>
+                          </a:schemeClr>
+                        </a:gs>
+                        <a:gs pos="50000">
+                          <a:schemeClr val="accent1">
+                            <a:lumMod val="60000"/>
+                            <a:lumOff val="40000"/>
+                            <a:tint val="44500"/>
+                            <a:satMod val="160000"/>
+                          </a:schemeClr>
+                        </a:gs>
+                        <a:gs pos="100000">
+                          <a:schemeClr val="accent1">
+                            <a:lumMod val="60000"/>
+                            <a:lumOff val="40000"/>
+                            <a:tint val="23500"/>
+                            <a:satMod val="160000"/>
+                          </a:schemeClr>
+                        </a:gs>
+                      </a:gsLst>
+                      <a:lin ang="16200000" scaled="1"/>
+                      <a:tileRect/>
+                    </a:gradFill>
+                  </a:tcPr>
                 </a:tc>
                 <a:tc>
                   <a:txBody>
@@ -6067,7 +6640,38 @@
                       <a:endParaRPr lang="en-US" sz="3200" dirty="0"/>
                     </a:p>
                   </a:txBody>
-                  <a:tcPr/>
+                  <a:tcPr>
+                    <a:gradFill flip="none" rotWithShape="1">
+                      <a:gsLst>
+                        <a:gs pos="0">
+                          <a:schemeClr val="accent1">
+                            <a:lumMod val="60000"/>
+                            <a:lumOff val="40000"/>
+                            <a:tint val="66000"/>
+                            <a:satMod val="160000"/>
+                          </a:schemeClr>
+                        </a:gs>
+                        <a:gs pos="50000">
+                          <a:schemeClr val="accent1">
+                            <a:lumMod val="60000"/>
+                            <a:lumOff val="40000"/>
+                            <a:tint val="44500"/>
+                            <a:satMod val="160000"/>
+                          </a:schemeClr>
+                        </a:gs>
+                        <a:gs pos="100000">
+                          <a:schemeClr val="accent1">
+                            <a:lumMod val="60000"/>
+                            <a:lumOff val="40000"/>
+                            <a:tint val="23500"/>
+                            <a:satMod val="160000"/>
+                          </a:schemeClr>
+                        </a:gs>
+                      </a:gsLst>
+                      <a:lin ang="16200000" scaled="1"/>
+                      <a:tileRect/>
+                    </a:gradFill>
+                  </a:tcPr>
                 </a:tc>
               </a:tr>
               <a:tr h="370840">
@@ -6134,7 +6738,38 @@
                       <a:endParaRPr lang="en-US" sz="3200" dirty="0"/>
                     </a:p>
                   </a:txBody>
-                  <a:tcPr/>
+                  <a:tcPr>
+                    <a:gradFill flip="none" rotWithShape="1">
+                      <a:gsLst>
+                        <a:gs pos="0">
+                          <a:schemeClr val="accent1">
+                            <a:lumMod val="60000"/>
+                            <a:lumOff val="40000"/>
+                            <a:tint val="66000"/>
+                            <a:satMod val="160000"/>
+                          </a:schemeClr>
+                        </a:gs>
+                        <a:gs pos="50000">
+                          <a:schemeClr val="accent1">
+                            <a:lumMod val="60000"/>
+                            <a:lumOff val="40000"/>
+                            <a:tint val="44500"/>
+                            <a:satMod val="160000"/>
+                          </a:schemeClr>
+                        </a:gs>
+                        <a:gs pos="100000">
+                          <a:schemeClr val="accent1">
+                            <a:lumMod val="60000"/>
+                            <a:lumOff val="40000"/>
+                            <a:tint val="23500"/>
+                            <a:satMod val="160000"/>
+                          </a:schemeClr>
+                        </a:gs>
+                      </a:gsLst>
+                      <a:lin ang="16200000" scaled="1"/>
+                      <a:tileRect/>
+                    </a:gradFill>
+                  </a:tcPr>
                 </a:tc>
                 <a:tc>
                   <a:txBody>
@@ -6149,7 +6784,38 @@
                       <a:endParaRPr lang="en-US" sz="3200" dirty="0"/>
                     </a:p>
                   </a:txBody>
-                  <a:tcPr/>
+                  <a:tcPr>
+                    <a:gradFill flip="none" rotWithShape="1">
+                      <a:gsLst>
+                        <a:gs pos="0">
+                          <a:schemeClr val="accent1">
+                            <a:lumMod val="60000"/>
+                            <a:lumOff val="40000"/>
+                            <a:tint val="66000"/>
+                            <a:satMod val="160000"/>
+                          </a:schemeClr>
+                        </a:gs>
+                        <a:gs pos="50000">
+                          <a:schemeClr val="accent1">
+                            <a:lumMod val="60000"/>
+                            <a:lumOff val="40000"/>
+                            <a:tint val="44500"/>
+                            <a:satMod val="160000"/>
+                          </a:schemeClr>
+                        </a:gs>
+                        <a:gs pos="100000">
+                          <a:schemeClr val="accent1">
+                            <a:lumMod val="60000"/>
+                            <a:lumOff val="40000"/>
+                            <a:tint val="23500"/>
+                            <a:satMod val="160000"/>
+                          </a:schemeClr>
+                        </a:gs>
+                      </a:gsLst>
+                      <a:lin ang="16200000" scaled="1"/>
+                      <a:tileRect/>
+                    </a:gradFill>
+                  </a:tcPr>
                 </a:tc>
                 <a:tc>
                   <a:txBody>
@@ -6164,7 +6830,38 @@
                       <a:endParaRPr lang="en-US" sz="3200" dirty="0"/>
                     </a:p>
                   </a:txBody>
-                  <a:tcPr/>
+                  <a:tcPr>
+                    <a:gradFill flip="none" rotWithShape="1">
+                      <a:gsLst>
+                        <a:gs pos="0">
+                          <a:schemeClr val="accent1">
+                            <a:lumMod val="60000"/>
+                            <a:lumOff val="40000"/>
+                            <a:tint val="66000"/>
+                            <a:satMod val="160000"/>
+                          </a:schemeClr>
+                        </a:gs>
+                        <a:gs pos="50000">
+                          <a:schemeClr val="accent1">
+                            <a:lumMod val="60000"/>
+                            <a:lumOff val="40000"/>
+                            <a:tint val="44500"/>
+                            <a:satMod val="160000"/>
+                          </a:schemeClr>
+                        </a:gs>
+                        <a:gs pos="100000">
+                          <a:schemeClr val="accent1">
+                            <a:lumMod val="60000"/>
+                            <a:lumOff val="40000"/>
+                            <a:tint val="23500"/>
+                            <a:satMod val="160000"/>
+                          </a:schemeClr>
+                        </a:gs>
+                      </a:gsLst>
+                      <a:lin ang="16200000" scaled="1"/>
+                      <a:tileRect/>
+                    </a:gradFill>
+                  </a:tcPr>
                 </a:tc>
                 <a:tc>
                   <a:txBody>
@@ -6331,31 +7028,8 @@
                     <a:p>
                       <a:pPr algn="ctr"/>
                       <a:r>
-                        <a:rPr lang="en-US" sz="3200" dirty="0" smtClean="0"/>
-                        <a:t>Ensemble</a:t>
-                      </a:r>
-                    </a:p>
-                    <a:p>
-                      <a:pPr marL="0" marR="0" indent="0" algn="ctr" defTabSz="2612219" rtl="0" eaLnBrk="1" fontAlgn="auto" latinLnBrk="0" hangingPunct="1">
-                        <a:lnSpc>
-                          <a:spcPct val="100000"/>
-                        </a:lnSpc>
-                        <a:spcBef>
-                          <a:spcPts val="0"/>
-                        </a:spcBef>
-                        <a:spcAft>
-                          <a:spcPts val="0"/>
-                        </a:spcAft>
-                        <a:buClrTx/>
-                        <a:buSzTx/>
-                        <a:buFontTx/>
-                        <a:buNone/>
-                        <a:tabLst/>
-                        <a:defRPr/>
-                      </a:pPr>
-                      <a:r>
                         <a:rPr lang="en-US" sz="3200" dirty="0" err="1" smtClean="0"/>
-                        <a:t>Selection</a:t>
+                        <a:t>ensemble</a:t>
                       </a:r>
                       <a:r>
                         <a:rPr lang="en-US" sz="3200" baseline="30000" dirty="0" err="1" smtClean="0"/>
@@ -6379,7 +7053,38 @@
                       <a:endParaRPr lang="en-US" sz="3200" dirty="0"/>
                     </a:p>
                   </a:txBody>
-                  <a:tcPr/>
+                  <a:tcPr>
+                    <a:gradFill flip="none" rotWithShape="1">
+                      <a:gsLst>
+                        <a:gs pos="0">
+                          <a:schemeClr val="accent1">
+                            <a:lumMod val="60000"/>
+                            <a:lumOff val="40000"/>
+                            <a:tint val="66000"/>
+                            <a:satMod val="160000"/>
+                          </a:schemeClr>
+                        </a:gs>
+                        <a:gs pos="50000">
+                          <a:schemeClr val="accent1">
+                            <a:lumMod val="60000"/>
+                            <a:lumOff val="40000"/>
+                            <a:tint val="44500"/>
+                            <a:satMod val="160000"/>
+                          </a:schemeClr>
+                        </a:gs>
+                        <a:gs pos="100000">
+                          <a:schemeClr val="accent1">
+                            <a:lumMod val="60000"/>
+                            <a:lumOff val="40000"/>
+                            <a:tint val="23500"/>
+                            <a:satMod val="160000"/>
+                          </a:schemeClr>
+                        </a:gs>
+                      </a:gsLst>
+                      <a:lin ang="16200000" scaled="1"/>
+                      <a:tileRect/>
+                    </a:gradFill>
+                  </a:tcPr>
                 </a:tc>
                 <a:tc>
                   <a:txBody>
@@ -6465,16 +7170,8 @@
                     <a:p>
                       <a:pPr algn="ctr"/>
                       <a:r>
-                        <a:rPr lang="en-US" sz="3200" dirty="0" smtClean="0"/>
-                        <a:t>Ensemble</a:t>
-                      </a:r>
-                      <a:endParaRPr lang="en-US" sz="3200" baseline="30000" dirty="0" smtClean="0"/>
-                    </a:p>
-                    <a:p>
-                      <a:pPr algn="ctr"/>
-                      <a:r>
                         <a:rPr lang="en-US" sz="3200" dirty="0" err="1" smtClean="0"/>
-                        <a:t>Selection</a:t>
+                        <a:t>ensemble</a:t>
                       </a:r>
                       <a:r>
                         <a:rPr lang="en-US" sz="3200" baseline="30000" dirty="0" err="1" smtClean="0"/>
@@ -6508,7 +7205,7 @@
                       <a:pPr algn="ctr"/>
                       <a:r>
                         <a:rPr lang="en-US" sz="3200" dirty="0" smtClean="0"/>
-                        <a:t>0.73</a:t>
+                        <a:t>0.730</a:t>
                       </a:r>
                       <a:endParaRPr lang="en-US" sz="3200" dirty="0"/>
                     </a:p>
@@ -6567,7 +7264,7 @@
                     <a:p>
                       <a:pPr algn="ctr"/>
                       <a:r>
-                        <a:rPr lang="en-US" sz="3200" smtClean="0"/>
+                        <a:rPr lang="en-US" sz="3200" dirty="0" smtClean="0"/>
                         <a:t>0.350</a:t>
                       </a:r>
                       <a:endParaRPr lang="en-US" sz="3200" dirty="0"/>
@@ -6588,7 +7285,7 @@
         </p:nvSpPr>
         <p:spPr>
           <a:xfrm>
-            <a:off x="11258550" y="23012400"/>
+            <a:off x="11325225" y="20802600"/>
             <a:ext cx="14020800" cy="461665"/>
           </a:xfrm>
           <a:prstGeom prst="rect">
@@ -6634,6 +7331,468 @@
           </a:p>
         </p:txBody>
       </p:sp>
+      <p:sp>
+        <p:nvSpPr>
+          <p:cNvPr id="14" name="Rectangle 13"/>
+          <p:cNvSpPr/>
+          <p:nvPr/>
+        </p:nvSpPr>
+        <p:spPr>
+          <a:xfrm>
+            <a:off x="866775" y="13063478"/>
+            <a:ext cx="9448800" cy="2862322"/>
+          </a:xfrm>
+          <a:prstGeom prst="rect">
+            <a:avLst/>
+          </a:prstGeom>
+        </p:spPr>
+        <p:style>
+          <a:lnRef idx="1">
+            <a:schemeClr val="accent3"/>
+          </a:lnRef>
+          <a:fillRef idx="2">
+            <a:schemeClr val="accent3"/>
+          </a:fillRef>
+          <a:effectRef idx="1">
+            <a:schemeClr val="accent3"/>
+          </a:effectRef>
+          <a:fontRef idx="minor">
+            <a:schemeClr val="dk1"/>
+          </a:fontRef>
+        </p:style>
+        <p:txBody>
+          <a:bodyPr wrap="square">
+            <a:spAutoFit/>
+          </a:bodyPr>
+          <a:lstStyle/>
+          <a:p>
+            <a:pPr marL="742950" indent="-742950">
+              <a:buAutoNum type="arabicParenR"/>
+            </a:pPr>
+            <a:r>
+              <a:rPr lang="en-US" sz="3600" dirty="0" smtClean="0"/>
+              <a:t>Contained  </a:t>
+            </a:r>
+            <a:r>
+              <a:rPr lang="en-US" sz="3600" dirty="0"/>
+              <a:t>32 features and 73041 samples</a:t>
+            </a:r>
+          </a:p>
+          <a:p>
+            <a:pPr marL="742950" indent="-742950">
+              <a:buAutoNum type="arabicParenR"/>
+            </a:pPr>
+            <a:r>
+              <a:rPr lang="en-US" sz="3600" dirty="0"/>
+              <a:t>Contained binary, nominal, and numeric data</a:t>
+            </a:r>
+          </a:p>
+          <a:p>
+            <a:pPr marL="742950" indent="-742950">
+              <a:buAutoNum type="arabicParenR"/>
+            </a:pPr>
+            <a:r>
+              <a:rPr lang="en-US" sz="3600" dirty="0"/>
+              <a:t>Good cars were heavily overrepresented, constituting 87.7% of our entire data set</a:t>
+            </a:r>
+          </a:p>
+          <a:p>
+            <a:pPr marL="742950" indent="-742950">
+              <a:buAutoNum type="arabicParenR"/>
+            </a:pPr>
+            <a:r>
+              <a:rPr lang="en-US" sz="3600" dirty="0"/>
+              <a:t>Data was highly inseparable/overlapping</a:t>
+            </a:r>
+          </a:p>
+        </p:txBody>
+      </p:sp>
+      <p:sp>
+        <p:nvSpPr>
+          <p:cNvPr id="21" name="Rectangle 20"/>
+          <p:cNvSpPr/>
+          <p:nvPr/>
+        </p:nvSpPr>
+        <p:spPr>
+          <a:xfrm>
+            <a:off x="868299" y="17983200"/>
+            <a:ext cx="9445752" cy="2308324"/>
+          </a:xfrm>
+          <a:prstGeom prst="rect">
+            <a:avLst/>
+          </a:prstGeom>
+        </p:spPr>
+        <p:style>
+          <a:lnRef idx="1">
+            <a:schemeClr val="accent3"/>
+          </a:lnRef>
+          <a:fillRef idx="2">
+            <a:schemeClr val="accent3"/>
+          </a:fillRef>
+          <a:effectRef idx="1">
+            <a:schemeClr val="accent3"/>
+          </a:effectRef>
+          <a:fontRef idx="minor">
+            <a:schemeClr val="dk1"/>
+          </a:fontRef>
+        </p:style>
+        <p:txBody>
+          <a:bodyPr wrap="square">
+            <a:spAutoFit/>
+          </a:bodyPr>
+          <a:lstStyle/>
+          <a:p>
+            <a:pPr marL="742950" indent="-742950" algn="just">
+              <a:buAutoNum type="arabicParenR"/>
+            </a:pPr>
+            <a:r>
+              <a:rPr lang="en-US" sz="3600" dirty="0"/>
+              <a:t>Converting nominal data to numeric and filling in missing data fields</a:t>
+            </a:r>
+          </a:p>
+          <a:p>
+            <a:pPr marL="742950" indent="-742950" algn="just">
+              <a:buAutoNum type="arabicParenR"/>
+            </a:pPr>
+            <a:r>
+              <a:rPr lang="en-US" sz="3600" dirty="0"/>
+              <a:t>Normalizing numeric data from 0 to 1</a:t>
+            </a:r>
+          </a:p>
+          <a:p>
+            <a:pPr marL="742950" indent="-742950" algn="just">
+              <a:buAutoNum type="arabicParenR"/>
+            </a:pPr>
+            <a:r>
+              <a:rPr lang="en-US" sz="3600" dirty="0"/>
+              <a:t>Balancing the data</a:t>
+            </a:r>
+          </a:p>
+        </p:txBody>
+      </p:sp>
+      <p:grpSp>
+        <p:nvGrpSpPr>
+          <p:cNvPr id="34" name="Group 33"/>
+          <p:cNvGrpSpPr/>
+          <p:nvPr/>
+        </p:nvGrpSpPr>
+        <p:grpSpPr>
+          <a:xfrm>
+            <a:off x="25984200" y="19030949"/>
+            <a:ext cx="10058400" cy="2933701"/>
+            <a:chOff x="1441268" y="1967675"/>
+            <a:chExt cx="7543800" cy="2413112"/>
+          </a:xfrm>
+        </p:grpSpPr>
+        <p:sp>
+          <p:nvSpPr>
+            <p:cNvPr id="35" name="Rectangle 34"/>
+            <p:cNvSpPr/>
+            <p:nvPr/>
+          </p:nvSpPr>
+          <p:spPr>
+            <a:xfrm>
+              <a:off x="1441268" y="2428876"/>
+              <a:ext cx="7543800" cy="1951911"/>
+            </a:xfrm>
+            <a:prstGeom prst="rect">
+              <a:avLst/>
+            </a:prstGeom>
+            <a:ln/>
+          </p:spPr>
+          <p:style>
+            <a:lnRef idx="1">
+              <a:schemeClr val="dk1"/>
+            </a:lnRef>
+            <a:fillRef idx="2">
+              <a:schemeClr val="dk1"/>
+            </a:fillRef>
+            <a:effectRef idx="1">
+              <a:schemeClr val="dk1"/>
+            </a:effectRef>
+            <a:fontRef idx="minor">
+              <a:schemeClr val="dk1"/>
+            </a:fontRef>
+          </p:style>
+          <p:txBody>
+            <a:bodyPr lIns="457200" tIns="548640" rIns="457200" bIns="0" spcCol="0" rtlCol="0" anchor="t" anchorCtr="0"/>
+            <a:lstStyle/>
+            <a:p>
+              <a:pPr algn="just"/>
+              <a:r>
+                <a:rPr lang="en-US" sz="3600" dirty="0" smtClean="0"/>
+                <a:t>We would like to thank </a:t>
+              </a:r>
+              <a:r>
+                <a:rPr lang="en-US" sz="3600" dirty="0" smtClean="0"/>
+                <a:t>Professor Andrew </a:t>
+              </a:r>
+              <a:r>
+                <a:rPr lang="en-US" sz="3600" dirty="0" smtClean="0"/>
+                <a:t>Ng </a:t>
+              </a:r>
+              <a:r>
+                <a:rPr lang="en-US" sz="3600" dirty="0" smtClean="0"/>
+                <a:t>and the </a:t>
+              </a:r>
+              <a:r>
+                <a:rPr lang="en-US" sz="3600" dirty="0" smtClean="0"/>
+                <a:t>TAs all their help on this project, </a:t>
+              </a:r>
+              <a:r>
+                <a:rPr lang="en-US" sz="3600" dirty="0" err="1" smtClean="0"/>
+                <a:t>Kaggle</a:t>
+              </a:r>
+              <a:r>
+                <a:rPr lang="en-US" sz="3600" dirty="0" smtClean="0"/>
+                <a:t> and CARVANA for providing the data set.</a:t>
+              </a:r>
+              <a:endParaRPr lang="en-US" sz="3600" dirty="0"/>
+            </a:p>
+          </p:txBody>
+        </p:sp>
+        <p:sp>
+          <p:nvSpPr>
+            <p:cNvPr id="36" name="Freeform 35"/>
+            <p:cNvSpPr/>
+            <p:nvPr/>
+          </p:nvSpPr>
+          <p:spPr>
+            <a:xfrm>
+              <a:off x="1787026" y="1967675"/>
+              <a:ext cx="6797993" cy="752139"/>
+            </a:xfrm>
+            <a:custGeom>
+              <a:avLst/>
+              <a:gdLst>
+                <a:gd name="connsiteX0" fmla="*/ 0 w 12070039"/>
+                <a:gd name="connsiteY0" fmla="*/ 0 h 1287190"/>
+                <a:gd name="connsiteX1" fmla="*/ 12070039 w 12070039"/>
+                <a:gd name="connsiteY1" fmla="*/ 0 h 1287190"/>
+                <a:gd name="connsiteX2" fmla="*/ 12070039 w 12070039"/>
+                <a:gd name="connsiteY2" fmla="*/ 1287190 h 1287190"/>
+                <a:gd name="connsiteX3" fmla="*/ 0 w 12070039"/>
+                <a:gd name="connsiteY3" fmla="*/ 1287190 h 1287190"/>
+                <a:gd name="connsiteX4" fmla="*/ 0 w 12070039"/>
+                <a:gd name="connsiteY4" fmla="*/ 0 h 1287190"/>
+              </a:gdLst>
+              <a:ahLst/>
+              <a:cxnLst>
+                <a:cxn ang="0">
+                  <a:pos x="connsiteX0" y="connsiteY0"/>
+                </a:cxn>
+                <a:cxn ang="0">
+                  <a:pos x="connsiteX1" y="connsiteY1"/>
+                </a:cxn>
+                <a:cxn ang="0">
+                  <a:pos x="connsiteX2" y="connsiteY2"/>
+                </a:cxn>
+                <a:cxn ang="0">
+                  <a:pos x="connsiteX3" y="connsiteY3"/>
+                </a:cxn>
+                <a:cxn ang="0">
+                  <a:pos x="connsiteX4" y="connsiteY4"/>
+                </a:cxn>
+              </a:cxnLst>
+              <a:rect l="l" t="t" r="r" b="b"/>
+              <a:pathLst>
+                <a:path w="12070039" h="1287190">
+                  <a:moveTo>
+                    <a:pt x="0" y="0"/>
+                  </a:moveTo>
+                  <a:lnTo>
+                    <a:pt x="12070039" y="0"/>
+                  </a:lnTo>
+                  <a:lnTo>
+                    <a:pt x="12070039" y="1287190"/>
+                  </a:lnTo>
+                  <a:lnTo>
+                    <a:pt x="0" y="1287190"/>
+                  </a:lnTo>
+                  <a:lnTo>
+                    <a:pt x="0" y="0"/>
+                  </a:lnTo>
+                  <a:close/>
+                </a:path>
+              </a:pathLst>
+            </a:custGeom>
+          </p:spPr>
+          <p:style>
+            <a:lnRef idx="0">
+              <a:schemeClr val="accent6"/>
+            </a:lnRef>
+            <a:fillRef idx="3">
+              <a:schemeClr val="accent6"/>
+            </a:fillRef>
+            <a:effectRef idx="3">
+              <a:schemeClr val="accent6"/>
+            </a:effectRef>
+            <a:fontRef idx="minor">
+              <a:schemeClr val="lt1"/>
+            </a:fontRef>
+          </p:style>
+          <p:txBody>
+            <a:bodyPr spcFirstLastPara="0" vert="horz" wrap="square" lIns="548386" tIns="0" rIns="548386" bIns="0" numCol="1" spcCol="1270" anchor="ctr" anchorCtr="0">
+              <a:noAutofit/>
+            </a:bodyPr>
+            <a:lstStyle/>
+            <a:p>
+              <a:pPr algn="ctr" defTabSz="2987040">
+                <a:lnSpc>
+                  <a:spcPct val="90000"/>
+                </a:lnSpc>
+                <a:spcBef>
+                  <a:spcPct val="0"/>
+                </a:spcBef>
+                <a:spcAft>
+                  <a:spcPct val="35000"/>
+                </a:spcAft>
+              </a:pPr>
+              <a:r>
+                <a:rPr lang="en-US" sz="5000" dirty="0">
+                  <a:latin typeface="Times New Roman" pitchFamily="18" charset="0"/>
+                  <a:cs typeface="Times New Roman" pitchFamily="18" charset="0"/>
+                </a:rPr>
+                <a:t>Acknowledgement</a:t>
+              </a:r>
+            </a:p>
+          </p:txBody>
+        </p:sp>
+      </p:grpSp>
+      <p:sp>
+        <p:nvSpPr>
+          <p:cNvPr id="26" name="Rectangle 25"/>
+          <p:cNvSpPr/>
+          <p:nvPr/>
+        </p:nvSpPr>
+        <p:spPr>
+          <a:xfrm>
+            <a:off x="26687146" y="10963095"/>
+            <a:ext cx="8610600" cy="1200329"/>
+          </a:xfrm>
+          <a:prstGeom prst="rect">
+            <a:avLst/>
+          </a:prstGeom>
+        </p:spPr>
+        <p:style>
+          <a:lnRef idx="1">
+            <a:schemeClr val="accent3"/>
+          </a:lnRef>
+          <a:fillRef idx="2">
+            <a:schemeClr val="accent3"/>
+          </a:fillRef>
+          <a:effectRef idx="1">
+            <a:schemeClr val="accent3"/>
+          </a:effectRef>
+          <a:fontRef idx="minor">
+            <a:schemeClr val="dk1"/>
+          </a:fontRef>
+        </p:style>
+        <p:txBody>
+          <a:bodyPr wrap="square">
+            <a:spAutoFit/>
+          </a:bodyPr>
+          <a:lstStyle/>
+          <a:p>
+            <a:pPr algn="ctr"/>
+            <a:r>
+              <a:rPr lang="en-US" sz="3600" i="1" dirty="0"/>
+              <a:t>Total Profit = TN*Gross Profit + FN*Loss</a:t>
+            </a:r>
+          </a:p>
+          <a:p>
+            <a:pPr algn="ctr"/>
+            <a:r>
+              <a:rPr lang="en-US" sz="3600" i="1" dirty="0"/>
+              <a:t>Opportunity Cost = FP*Gross Profit</a:t>
+            </a:r>
+          </a:p>
+        </p:txBody>
+      </p:sp>
+      <p:pic>
+        <p:nvPicPr>
+          <p:cNvPr id="33" name="Picture 32"/>
+          <p:cNvPicPr>
+            <a:picLocks noChangeAspect="1"/>
+          </p:cNvPicPr>
+          <p:nvPr/>
+        </p:nvPicPr>
+        <p:blipFill>
+          <a:blip r:embed="rId6">
+            <a:extLst>
+              <a:ext uri="{28A0092B-C50C-407E-A947-70E740481C1C}">
+                <a14:useLocalDpi xmlns:a14="http://schemas.microsoft.com/office/drawing/2010/main" val="0"/>
+              </a:ext>
+            </a:extLst>
+          </a:blip>
+          <a:stretch>
+            <a:fillRect/>
+          </a:stretch>
+        </p:blipFill>
+        <p:spPr>
+          <a:xfrm>
+            <a:off x="2103259" y="21149964"/>
+            <a:ext cx="6975831" cy="5231873"/>
+          </a:xfrm>
+          <a:prstGeom prst="rect">
+            <a:avLst/>
+          </a:prstGeom>
+        </p:spPr>
+      </p:pic>
+      <p:pic>
+        <p:nvPicPr>
+          <p:cNvPr id="40" name="Picture 39"/>
+          <p:cNvPicPr>
+            <a:picLocks noChangeAspect="1"/>
+          </p:cNvPicPr>
+          <p:nvPr/>
+        </p:nvPicPr>
+        <p:blipFill>
+          <a:blip r:embed="rId7">
+            <a:extLst>
+              <a:ext uri="{28A0092B-C50C-407E-A947-70E740481C1C}">
+                <a14:useLocalDpi xmlns:a14="http://schemas.microsoft.com/office/drawing/2010/main" val="0"/>
+              </a:ext>
+            </a:extLst>
+          </a:blip>
+          <a:stretch>
+            <a:fillRect/>
+          </a:stretch>
+        </p:blipFill>
+        <p:spPr>
+          <a:xfrm>
+            <a:off x="11580270" y="21264265"/>
+            <a:ext cx="6555330" cy="5013942"/>
+          </a:xfrm>
+          <a:prstGeom prst="rect">
+            <a:avLst/>
+          </a:prstGeom>
+        </p:spPr>
+      </p:pic>
+      <p:graphicFrame>
+        <p:nvGraphicFramePr>
+          <p:cNvPr id="47" name="Chart 46"/>
+          <p:cNvGraphicFramePr>
+            <a:graphicFrameLocks/>
+          </p:cNvGraphicFramePr>
+          <p:nvPr>
+            <p:extLst>
+              <p:ext uri="{D42A27DB-BD31-4B8C-83A1-F6EECF244321}">
+                <p14:modId xmlns:p14="http://schemas.microsoft.com/office/powerpoint/2010/main" val="1850273068"/>
+              </p:ext>
+            </p:extLst>
+          </p:nvPr>
+        </p:nvGraphicFramePr>
+        <p:xfrm>
+          <a:off x="18669000" y="21264265"/>
+          <a:ext cx="6486525" cy="5013942"/>
+        </p:xfrm>
+        <a:graphic>
+          <a:graphicData uri="http://schemas.openxmlformats.org/drawingml/2006/chart">
+            <c:chart xmlns:c="http://schemas.openxmlformats.org/drawingml/2006/chart" xmlns:r="http://schemas.openxmlformats.org/officeDocument/2006/relationships" r:id="rId8"/>
+          </a:graphicData>
+        </a:graphic>
+      </p:graphicFrame>
     </p:spTree>
     <p:extLst>
       <p:ext uri="{BB962C8B-B14F-4D97-AF65-F5344CB8AC3E}">
